--- a/Presentation1.pptx
+++ b/Presentation1.pptx
@@ -6,10 +6,10 @@
   </p:sldMasterIdLst>
   <p:sldIdLst>
     <p:sldId id="256" r:id="rId2"/>
-    <p:sldId id="257" r:id="rId3"/>
-    <p:sldId id="258" r:id="rId4"/>
-    <p:sldId id="259" r:id="rId5"/>
-    <p:sldId id="260" r:id="rId6"/>
+    <p:sldId id="260" r:id="rId3"/>
+    <p:sldId id="257" r:id="rId4"/>
+    <p:sldId id="258" r:id="rId5"/>
+    <p:sldId id="259" r:id="rId6"/>
   </p:sldIdLst>
   <p:sldSz cx="12192000" cy="6858000"/>
   <p:notesSz cx="6858000" cy="9144000"/>
@@ -116,6 +116,198 @@
 </p:presentation>
 </file>
 
+<file path=ppt/ink/ink1.xml><?xml version="1.0" encoding="utf-8"?>
+<inkml:ink xmlns:inkml="http://www.w3.org/2003/InkML">
+  <inkml:definitions>
+    <inkml:context xml:id="ctx0">
+      <inkml:inkSource xml:id="inkSrc0">
+        <inkml:traceFormat>
+          <inkml:channel name="X" type="integer" min="-2.14748E9" max="2.14748E9" units="cm"/>
+          <inkml:channel name="Y" type="integer" min="-2.14748E9" max="2.14748E9" units="cm"/>
+          <inkml:channel name="F" type="integer" max="32767" units="dev"/>
+        </inkml:traceFormat>
+        <inkml:channelProperties>
+          <inkml:channelProperty channel="X" name="resolution" value="1000" units="1/cm"/>
+          <inkml:channelProperty channel="Y" name="resolution" value="1000" units="1/cm"/>
+          <inkml:channelProperty channel="F" name="resolution" value="0" units="1/dev"/>
+        </inkml:channelProperties>
+      </inkml:inkSource>
+      <inkml:timestamp xml:id="ts0" timeString="2022-06-27T02:56:59.687"/>
+    </inkml:context>
+    <inkml:brush xml:id="br0">
+      <inkml:brushProperty name="width" value="0.05" units="cm"/>
+      <inkml:brushProperty name="height" value="0.05" units="cm"/>
+      <inkml:brushProperty name="color" value="#AE198D"/>
+      <inkml:brushProperty name="inkEffects" value="galaxy"/>
+      <inkml:brushProperty name="anchorX" value="0"/>
+      <inkml:brushProperty name="anchorY" value="0"/>
+      <inkml:brushProperty name="scaleFactor" value="0.5"/>
+    </inkml:brush>
+  </inkml:definitions>
+  <inkml:trace contextRef="#ctx0" brushRef="#br0">1 0 24575,'0'0'0</inkml:trace>
+</inkml:ink>
+</file>
+
+<file path=ppt/ink/ink2.xml><?xml version="1.0" encoding="utf-8"?>
+<inkml:ink xmlns:inkml="http://www.w3.org/2003/InkML">
+  <inkml:definitions>
+    <inkml:context xml:id="ctx0">
+      <inkml:inkSource xml:id="inkSrc0">
+        <inkml:traceFormat>
+          <inkml:channel name="X" type="integer" min="-2.14748E9" max="2.14748E9" units="cm"/>
+          <inkml:channel name="Y" type="integer" min="-2.14748E9" max="2.14748E9" units="cm"/>
+          <inkml:channel name="F" type="integer" max="32767" units="dev"/>
+        </inkml:traceFormat>
+        <inkml:channelProperties>
+          <inkml:channelProperty channel="X" name="resolution" value="1000" units="1/cm"/>
+          <inkml:channelProperty channel="Y" name="resolution" value="1000" units="1/cm"/>
+          <inkml:channelProperty channel="F" name="resolution" value="0" units="1/dev"/>
+        </inkml:channelProperties>
+      </inkml:inkSource>
+      <inkml:timestamp xml:id="ts0" timeString="2022-06-27T02:57:01.041"/>
+    </inkml:context>
+    <inkml:brush xml:id="br0">
+      <inkml:brushProperty name="width" value="0.05" units="cm"/>
+      <inkml:brushProperty name="height" value="0.05" units="cm"/>
+      <inkml:brushProperty name="color" value="#AE198D"/>
+      <inkml:brushProperty name="inkEffects" value="galaxy"/>
+      <inkml:brushProperty name="anchorX" value="-846.66669"/>
+      <inkml:brushProperty name="anchorY" value="-846.66669"/>
+      <inkml:brushProperty name="scaleFactor" value="0.5"/>
+    </inkml:brush>
+  </inkml:definitions>
+  <inkml:trace contextRef="#ctx0" brushRef="#br0">1 1640 24575,'0'0'0,"0"5"0,0 7 0,0 6 0,0 4 0,0 9 0,0 2 0,0 2 0,0-1 0,0 4 0,0 5 0,5 5 0,6 3 0,1 3 0,-2 13 0,-1-4 0,-4 0 0,10 9 0,-2-1 0,-1-7 0,-3-3 0,-2-10 0,-3-6 0,-2-2 0,-2-4 0,0-4 0,0-13 0,-1-20 0,6-19 0,12-33 0,6-24 0,21-47 0,32-43 0,52-47 0,43-34-2293,37-6 2948,10 7-982,4 12-2557,-9 23 3708,-15 15-1236,-30 31-1252,-20 25 2139,-28 28-930,-25 22 517,-23 27 1694,-13 18-2266,-13 11 3634,-4 6-3944,0 4 3328,3 6-3108,3-1 1205,3 4-692,3 3 130,-5 4-43,-4 3 0,0 1 0,-4 2 0,-3 1 0,-4-1 0,-3 1 0,-1-1 0,-8 1 0</inkml:trace>
+</inkml:ink>
+</file>
+
+<file path=ppt/ink/ink3.xml><?xml version="1.0" encoding="utf-8"?>
+<inkml:ink xmlns:inkml="http://www.w3.org/2003/InkML">
+  <inkml:definitions>
+    <inkml:context xml:id="ctx0">
+      <inkml:inkSource xml:id="inkSrc0">
+        <inkml:traceFormat>
+          <inkml:channel name="X" type="integer" min="-2.14748E9" max="2.14748E9" units="cm"/>
+          <inkml:channel name="Y" type="integer" min="-2.14748E9" max="2.14748E9" units="cm"/>
+          <inkml:channel name="F" type="integer" max="32767" units="dev"/>
+        </inkml:traceFormat>
+        <inkml:channelProperties>
+          <inkml:channelProperty channel="X" name="resolution" value="1000" units="1/cm"/>
+          <inkml:channelProperty channel="Y" name="resolution" value="1000" units="1/cm"/>
+          <inkml:channelProperty channel="F" name="resolution" value="0" units="1/dev"/>
+        </inkml:channelProperties>
+      </inkml:inkSource>
+      <inkml:timestamp xml:id="ts0" timeString="2022-06-27T02:57:04.760"/>
+    </inkml:context>
+    <inkml:brush xml:id="br0">
+      <inkml:brushProperty name="width" value="0.05" units="cm"/>
+      <inkml:brushProperty name="height" value="0.05" units="cm"/>
+      <inkml:brushProperty name="color" value="#AE198D"/>
+      <inkml:brushProperty name="inkEffects" value="galaxy"/>
+      <inkml:brushProperty name="anchorX" value="-4655.0625"/>
+      <inkml:brushProperty name="anchorY" value="-56.1634"/>
+      <inkml:brushProperty name="scaleFactor" value="0.5"/>
+    </inkml:brush>
+  </inkml:definitions>
+  <inkml:trace contextRef="#ctx0" brushRef="#br0">1 996 24575,'0'0'0,"4"0"0,8 6 0,6 11 0,9 11 0,4 17 0,3 14 0,5 22 0,0 9 0,-8 5 0,-1 12 0,-9-6 0,-6-9 0,-6-10 0,-5-10 0,-2-7 0,-2-11 0,-1-9 0,-1-7 0,6-11 0,7-9 0,5-8 0,6-5 0,-3-10 0,9-2 0,1 0 0,1-6 0,1-3 0,16-5 0,23-20 0,34-20 0,20-29 0,25-16 0,20-11-905,9-16 1163,15-1-387,6 2 129,15-8-1567,23-2 2015,34 0-2768,26 4 2919,16 12-3772,2 12 3994,-9 11-1231,-24 20-904,-30 6 1689,-23 21-563,-34 11 453,-29 10-340,-23 11 1665,-23 9-2033,-16 8 3626,0 4-4029,-13 3 3851,-9 2-3743,-9-1 2337,-14 1-1950,-10 0 691,-9-1-387,-7 0 70,-10-1-23</inkml:trace>
+</inkml:ink>
+</file>
+
+<file path=ppt/ink/ink4.xml><?xml version="1.0" encoding="utf-8"?>
+<inkml:ink xmlns:inkml="http://www.w3.org/2003/InkML">
+  <inkml:definitions>
+    <inkml:context xml:id="ctx0">
+      <inkml:inkSource xml:id="inkSrc0">
+        <inkml:traceFormat>
+          <inkml:channel name="X" type="integer" min="-2.14748E9" max="2.14748E9" units="cm"/>
+          <inkml:channel name="Y" type="integer" min="-2.14748E9" max="2.14748E9" units="cm"/>
+          <inkml:channel name="F" type="integer" max="32767" units="dev"/>
+        </inkml:traceFormat>
+        <inkml:channelProperties>
+          <inkml:channelProperty channel="X" name="resolution" value="1000" units="1/cm"/>
+          <inkml:channelProperty channel="Y" name="resolution" value="1000" units="1/cm"/>
+          <inkml:channelProperty channel="F" name="resolution" value="0" units="1/dev"/>
+        </inkml:channelProperties>
+      </inkml:inkSource>
+      <inkml:timestamp xml:id="ts0" timeString="2022-06-27T02:57:08.773"/>
+    </inkml:context>
+    <inkml:brush xml:id="br0">
+      <inkml:brushProperty name="width" value="0.05" units="cm"/>
+      <inkml:brushProperty name="height" value="0.05" units="cm"/>
+      <inkml:brushProperty name="color" value="#AE198D"/>
+      <inkml:brushProperty name="inkEffects" value="galaxy"/>
+      <inkml:brushProperty name="anchorX" value="-11236.59961"/>
+      <inkml:brushProperty name="anchorY" value="84.13408"/>
+      <inkml:brushProperty name="scaleFactor" value="0.5"/>
+    </inkml:brush>
+  </inkml:definitions>
+  <inkml:trace contextRef="#ctx0" brushRef="#br0">0 1170 24575,'0'0'0,"5"5"0,7 7 0,0 11 0,4 10 0,4 4 0,-3 7 0,-3 5 0,2 8 0,1 10 0,-2 0 0,2 12 0,3 4 0,-3 3 0,7 2 0,2 10 0,-3 1 0,-5 0 0,-5-9 0,-5-4 0,-4-8 0,-3-7 0,-1-12 0,-1-4 0,0-9 0,0-7 0,1-4 0,-1-16 0,2-19 0,-1 1 0,0-1 0,0 0 0,0 0 0,0 0 0,0 1 0,0-1 0,0 0 0,0 0 0,0 0 0,0 1 0,0-1 0,0 0 0,0 0 0,0 0 0,0 1 0,0-1 0,1 0 0,-1 0 0,0 0 0,0 1 0,0-1 0,0 0 0,0 0 0,1 0 0,-1 0 0,0 0 0,0 0 0,0 1 0,1-1 0,-1 0 0,0 0 0,0 0 0,0 0 0,1 0 0,-1 0 0,0 0 0,6-7 0,5-15 0,6-8 0,3 1 0,5-5 0,7-6 0,18-11 0,31-22 0,44-15 0,42-18 0,36-9-2134,10 1 2744,-6 10-915,-13 7 305,-22 12-1012,-25 15 1301,-22 3-847,-24 12 676,-19 8-177,-8 2 59,-8 5 1994,-1 5-2564,4-3 1944,15-15-1685,27-16 943,27-10-768,23-18 204,29-14-1195,24-8 1449,18-8-2407,14-1 2635,-15 8-825,-19 14 275,-38 20 0,-38 20-412,-31 15 530,-25 18-177,-27 8 59,-15 10 1011,-16 1-1300,-6 4 2413,0 4-2689,0 2 1320,4 2-890,2 1 202,3 1-67,2 1 0,-5-6 0,0-1 0,1 1 0,-4-5 0,-5-5 0,-11 2 0,-4 1 0</inkml:trace>
+</inkml:ink>
+</file>
+
+<file path=ppt/ink/ink5.xml><?xml version="1.0" encoding="utf-8"?>
+<inkml:ink xmlns:inkml="http://www.w3.org/2003/InkML">
+  <inkml:definitions>
+    <inkml:context xml:id="ctx0">
+      <inkml:inkSource xml:id="inkSrc0">
+        <inkml:traceFormat>
+          <inkml:channel name="X" type="integer" min="-2.14748E9" max="2.14748E9" units="cm"/>
+          <inkml:channel name="Y" type="integer" min="-2.14748E9" max="2.14748E9" units="cm"/>
+          <inkml:channel name="F" type="integer" max="32767" units="dev"/>
+        </inkml:traceFormat>
+        <inkml:channelProperties>
+          <inkml:channelProperty channel="X" name="resolution" value="1000" units="1/cm"/>
+          <inkml:channelProperty channel="Y" name="resolution" value="1000" units="1/cm"/>
+          <inkml:channelProperty channel="F" name="resolution" value="0" units="1/dev"/>
+        </inkml:channelProperties>
+      </inkml:inkSource>
+      <inkml:timestamp xml:id="ts0" timeString="2022-06-27T02:57:12.193"/>
+    </inkml:context>
+    <inkml:brush xml:id="br0">
+      <inkml:brushProperty name="width" value="0.05" units="cm"/>
+      <inkml:brushProperty name="height" value="0.05" units="cm"/>
+      <inkml:brushProperty name="color" value="#AE198D"/>
+      <inkml:brushProperty name="inkEffects" value="galaxy"/>
+      <inkml:brushProperty name="anchorX" value="-17322.41406"/>
+      <inkml:brushProperty name="anchorY" value="406.30624"/>
+      <inkml:brushProperty name="scaleFactor" value="0.5"/>
+    </inkml:brush>
+  </inkml:definitions>
+  <inkml:trace contextRef="#ctx0" brushRef="#br0">0 1528 24575,'0'0'0,"5"-5"0,7-2 0,5 1 0,5 2 0,4 6 0,1 13 0,-22-10 0,0 0 0,0 0 0,0 1 0,4 6 0,26 44 0,0 20 0,6 21 0,-7 13 0,-8 13 0,-8 3 0,-7 6 0,-6-2 0,-3 2 0,-2-9 0,-2-9 0,1-10 0,-1-3 0,1-11 0,0-10 0,1-14 0,0-8 0,0-10 0,0-2 0,0-5 0,0 1 0,0-4 0,0-2 0,0-2 0,0-14 0,0-13 0,0-19 0,0-15 0,6-13 0,5-10 0,1-22 0,10-15 0,15-41 0,31-60 0,42-68-2416,51-56 3107,54-48-5638,31-7 6262,24 25-1973,-2 28 658,-24 53 0,-26 48-1791,-33 53 2303,-33 47-768,-27 38-10,-26 21 342,-20 16 1553,-7 10-2106,-3 10 5211,1 1-6019,-2 0 4418,3 4-3844,-2 3 1489,-4 3-899,-7 3 181,-3 2-60,-8 1 0,-6 1 0,-5 1 0,-4 0 0,-9-1 0</inkml:trace>
+</inkml:ink>
+</file>
+
+<file path=ppt/ink/ink6.xml><?xml version="1.0" encoding="utf-8"?>
+<inkml:ink xmlns:inkml="http://www.w3.org/2003/InkML">
+  <inkml:definitions>
+    <inkml:context xml:id="ctx0">
+      <inkml:inkSource xml:id="inkSrc0">
+        <inkml:traceFormat>
+          <inkml:channel name="X" type="integer" min="-2.14748E9" max="2.14748E9" units="cm"/>
+          <inkml:channel name="Y" type="integer" min="-2.14748E9" max="2.14748E9" units="cm"/>
+          <inkml:channel name="F" type="integer" max="32767" units="dev"/>
+        </inkml:traceFormat>
+        <inkml:channelProperties>
+          <inkml:channelProperty channel="X" name="resolution" value="1000" units="1/cm"/>
+          <inkml:channelProperty channel="Y" name="resolution" value="1000" units="1/cm"/>
+          <inkml:channelProperty channel="F" name="resolution" value="0" units="1/dev"/>
+        </inkml:channelProperties>
+      </inkml:inkSource>
+      <inkml:timestamp xml:id="ts0" timeString="2022-06-27T02:57:16.504"/>
+    </inkml:context>
+    <inkml:brush xml:id="br0">
+      <inkml:brushProperty name="width" value="0.05" units="cm"/>
+      <inkml:brushProperty name="height" value="0.05" units="cm"/>
+      <inkml:brushProperty name="color" value="#AE198D"/>
+      <inkml:brushProperty name="inkEffects" value="galaxy"/>
+      <inkml:brushProperty name="anchorX" value="-21811.20313"/>
+      <inkml:brushProperty name="anchorY" value="1085.3645"/>
+      <inkml:brushProperty name="scaleFactor" value="0.5"/>
+    </inkml:brush>
+  </inkml:definitions>
+  <inkml:trace contextRef="#ctx0" brushRef="#br0">1 1378 24575,'0'0'0,"5"-5"0,7-1 0,6-5 0,4 0 0,3 2 0,3 2 0,1 2 0,0 8 0,0 2 0,-27-3 0,1 0 0,0-1 0,0 1 0,0 0 0,-1 0 0,6 4 0,15 16 0,0 10 0,-5 9 0,7 12 0,-5 11 0,2 20 0,7 35 0,2 17 0,0 22 0,-4 0 0,-2 0 0,-7-14 0,-4-11 0,-6-20 0,-4-8 0,-2-9 0,-2-11 0,-1-10 0,0-14 0,0-11 0,0-27 0,2-23 0,-1 0 0,0-1 0,0 1 0,0 0 0,0 0 0,0 0 0,0 0 0,0 0 0,0 0 0,0 0 0,0 0 0,0 0 0,1 0 0,-1 0 0,0-1 0,0 1 0,0 0 0,0 0 0,0 0 0,0 0 0,0 0 0,0 0 0,0 0 0,1 0 0,-1 0 0,0 0 0,0 0 0,0 0 0,0 0 0,0 0 0,0 0 0,0 0 0,1 0 0,-1 0 0,0 0 0,0 0 0,0 0 0,0 0 0,0 0 0,0 0 0,0 0 0,0 0 0,0 1 0,1-1 0,-1 0 0,0 0 0,0 0 0,0 0 0,0 0 0,0 0 0,6-28 0,5-28 0,11-40 0,-1-18 0,9-27 0,12-22 0,31-17 0,45-33 0,49-19-2484,38-37 3193,33-4-4451,18-4 4710,-12 20-1452,-5 28 484,-34 22-2176,-29 41 2797,-30 36-1812,-32 36 1443,-24 29 1359,-72 54-1777,-1 2 1,26-11 0,-30 15 1012,-1 0 0,0 2 0,18-4 0,-13 3-1146,-1 2 0,22 1 0,29 1 3472,4 4-3952,4 2 2496,3 4-2096,8 5 568,-3 5-189,-4 4 0,-7 2 0,-5 8 0,-11-5 0,-8 5 0,-3-5 0,-6 4 0,-9-1 0,3 0 0,-3 0 0,0-7 0,-7-7 0</inkml:trace>
+</inkml:ink>
+</file>
+
 <file path=ppt/slideLayouts/slideLayout1.xml><?xml version="1.0" encoding="utf-8"?>
 <p:sldLayout xmlns:a="http://schemas.openxmlformats.org/drawingml/2006/main" xmlns:r="http://schemas.openxmlformats.org/officeDocument/2006/relationships" xmlns:p="http://schemas.openxmlformats.org/presentationml/2006/main" type="title" preserve="1">
   <p:cSld name="Title Slide">
@@ -263,7 +455,7 @@
           <a:p>
             <a:fld id="{0F7155B5-AE15-4051-A1AE-54AD6478FA97}" type="datetimeFigureOut">
               <a:rPr lang="en-US" smtClean="0"/>
-              <a:t>6/26/2022</a:t>
+              <a:t>6/27/2022</a:t>
             </a:fld>
             <a:endParaRPr lang="en-US"/>
           </a:p>
@@ -461,7 +653,7 @@
           <a:p>
             <a:fld id="{0F7155B5-AE15-4051-A1AE-54AD6478FA97}" type="datetimeFigureOut">
               <a:rPr lang="en-US" smtClean="0"/>
-              <a:t>6/26/2022</a:t>
+              <a:t>6/27/2022</a:t>
             </a:fld>
             <a:endParaRPr lang="en-US"/>
           </a:p>
@@ -669,7 +861,7 @@
           <a:p>
             <a:fld id="{0F7155B5-AE15-4051-A1AE-54AD6478FA97}" type="datetimeFigureOut">
               <a:rPr lang="en-US" smtClean="0"/>
-              <a:t>6/26/2022</a:t>
+              <a:t>6/27/2022</a:t>
             </a:fld>
             <a:endParaRPr lang="en-US"/>
           </a:p>
@@ -867,7 +1059,7 @@
           <a:p>
             <a:fld id="{0F7155B5-AE15-4051-A1AE-54AD6478FA97}" type="datetimeFigureOut">
               <a:rPr lang="en-US" smtClean="0"/>
-              <a:t>6/26/2022</a:t>
+              <a:t>6/27/2022</a:t>
             </a:fld>
             <a:endParaRPr lang="en-US"/>
           </a:p>
@@ -1142,7 +1334,7 @@
           <a:p>
             <a:fld id="{0F7155B5-AE15-4051-A1AE-54AD6478FA97}" type="datetimeFigureOut">
               <a:rPr lang="en-US" smtClean="0"/>
-              <a:t>6/26/2022</a:t>
+              <a:t>6/27/2022</a:t>
             </a:fld>
             <a:endParaRPr lang="en-US"/>
           </a:p>
@@ -1407,7 +1599,7 @@
           <a:p>
             <a:fld id="{0F7155B5-AE15-4051-A1AE-54AD6478FA97}" type="datetimeFigureOut">
               <a:rPr lang="en-US" smtClean="0"/>
-              <a:t>6/26/2022</a:t>
+              <a:t>6/27/2022</a:t>
             </a:fld>
             <a:endParaRPr lang="en-US"/>
           </a:p>
@@ -1819,7 +2011,7 @@
           <a:p>
             <a:fld id="{0F7155B5-AE15-4051-A1AE-54AD6478FA97}" type="datetimeFigureOut">
               <a:rPr lang="en-US" smtClean="0"/>
-              <a:t>6/26/2022</a:t>
+              <a:t>6/27/2022</a:t>
             </a:fld>
             <a:endParaRPr lang="en-US"/>
           </a:p>
@@ -1960,7 +2152,7 @@
           <a:p>
             <a:fld id="{0F7155B5-AE15-4051-A1AE-54AD6478FA97}" type="datetimeFigureOut">
               <a:rPr lang="en-US" smtClean="0"/>
-              <a:t>6/26/2022</a:t>
+              <a:t>6/27/2022</a:t>
             </a:fld>
             <a:endParaRPr lang="en-US"/>
           </a:p>
@@ -2073,7 +2265,7 @@
           <a:p>
             <a:fld id="{0F7155B5-AE15-4051-A1AE-54AD6478FA97}" type="datetimeFigureOut">
               <a:rPr lang="en-US" smtClean="0"/>
-              <a:t>6/26/2022</a:t>
+              <a:t>6/27/2022</a:t>
             </a:fld>
             <a:endParaRPr lang="en-US"/>
           </a:p>
@@ -2384,7 +2576,7 @@
           <a:p>
             <a:fld id="{0F7155B5-AE15-4051-A1AE-54AD6478FA97}" type="datetimeFigureOut">
               <a:rPr lang="en-US" smtClean="0"/>
-              <a:t>6/26/2022</a:t>
+              <a:t>6/27/2022</a:t>
             </a:fld>
             <a:endParaRPr lang="en-US"/>
           </a:p>
@@ -2672,7 +2864,7 @@
           <a:p>
             <a:fld id="{0F7155B5-AE15-4051-A1AE-54AD6478FA97}" type="datetimeFigureOut">
               <a:rPr lang="en-US" smtClean="0"/>
-              <a:t>6/26/2022</a:t>
+              <a:t>6/27/2022</a:t>
             </a:fld>
             <a:endParaRPr lang="en-US"/>
           </a:p>
@@ -2913,7 +3105,7 @@
           <a:p>
             <a:fld id="{0F7155B5-AE15-4051-A1AE-54AD6478FA97}" type="datetimeFigureOut">
               <a:rPr lang="en-US" smtClean="0"/>
-              <a:t>6/26/2022</a:t>
+              <a:t>6/27/2022</a:t>
             </a:fld>
             <a:endParaRPr lang="en-US"/>
           </a:p>
@@ -3425,10 +3617,10 @@
       </p:graphicFrame>
       <p:graphicFrame>
         <p:nvGraphicFramePr>
-          <p:cNvPr id="5" name="Table 4">
-            <a:extLst>
-              <a:ext uri="{FF2B5EF4-FFF2-40B4-BE49-F238E27FC236}">
-                <a16:creationId xmlns:a16="http://schemas.microsoft.com/office/drawing/2014/main" id="{4F7F94AD-FD35-B55C-DAEE-7A1E35C18CBD}"/>
+          <p:cNvPr id="6" name="Table 5">
+            <a:extLst>
+              <a:ext uri="{FF2B5EF4-FFF2-40B4-BE49-F238E27FC236}">
+                <a16:creationId xmlns:a16="http://schemas.microsoft.com/office/drawing/2014/main" id="{0AB51F25-0207-1B22-C212-82F148FBF4AD}"/>
               </a:ext>
             </a:extLst>
           </p:cNvPr>
@@ -3438,82 +3630,13 @@
           <p:nvPr>
             <p:extLst>
               <p:ext uri="{D42A27DB-BD31-4B8C-83A1-F6EECF244321}">
-                <p14:modId xmlns:p14="http://schemas.microsoft.com/office/powerpoint/2010/main" val="4046838119"/>
+                <p14:modId xmlns:p14="http://schemas.microsoft.com/office/powerpoint/2010/main" val="1773067466"/>
               </p:ext>
             </p:extLst>
           </p:nvPr>
         </p:nvGraphicFramePr>
         <p:xfrm>
-          <a:off x="721357" y="3210560"/>
-          <a:ext cx="2336800" cy="777240"/>
-        </p:xfrm>
-        <a:graphic>
-          <a:graphicData uri="http://schemas.openxmlformats.org/drawingml/2006/table">
-            <a:tbl>
-              <a:tblPr firstRow="1" bandRow="1">
-                <a:tableStyleId>{5C22544A-7EE6-4342-B048-85BDC9FD1C3A}</a:tableStyleId>
-              </a:tblPr>
-              <a:tblGrid>
-                <a:gridCol w="2336800">
-                  <a:extLst>
-                    <a:ext uri="{9D8B030D-6E8A-4147-A177-3AD203B41FA5}">
-                      <a16:colId xmlns:a16="http://schemas.microsoft.com/office/drawing/2014/main" val="2669780779"/>
-                    </a:ext>
-                  </a:extLst>
-                </a:gridCol>
-              </a:tblGrid>
-              <a:tr h="777240">
-                <a:tc>
-                  <a:txBody>
-                    <a:bodyPr/>
-                    <a:lstStyle/>
-                    <a:p>
-                      <a:pPr algn="ctr">
-                        <a:lnSpc>
-                          <a:spcPct val="200000"/>
-                        </a:lnSpc>
-                      </a:pPr>
-                      <a:r>
-                        <a:rPr lang="en-US" sz="2000" dirty="0" err="1"/>
-                        <a:t>StaffList</a:t>
-                      </a:r>
-                      <a:endParaRPr lang="en-US" sz="2000" dirty="0"/>
-                    </a:p>
-                  </a:txBody>
-                  <a:tcPr/>
-                </a:tc>
-                <a:extLst>
-                  <a:ext uri="{0D108BD9-81ED-4DB2-BD59-A6C34878D82A}">
-                    <a16:rowId xmlns:a16="http://schemas.microsoft.com/office/drawing/2014/main" val="2092005147"/>
-                  </a:ext>
-                </a:extLst>
-              </a:tr>
-            </a:tbl>
-          </a:graphicData>
-        </a:graphic>
-      </p:graphicFrame>
-      <p:graphicFrame>
-        <p:nvGraphicFramePr>
-          <p:cNvPr id="6" name="Table 5">
-            <a:extLst>
-              <a:ext uri="{FF2B5EF4-FFF2-40B4-BE49-F238E27FC236}">
-                <a16:creationId xmlns:a16="http://schemas.microsoft.com/office/drawing/2014/main" id="{0AB51F25-0207-1B22-C212-82F148FBF4AD}"/>
-              </a:ext>
-            </a:extLst>
-          </p:cNvPr>
-          <p:cNvGraphicFramePr>
-            <a:graphicFrameLocks noGrp="1"/>
-          </p:cNvGraphicFramePr>
-          <p:nvPr>
-            <p:extLst>
-              <p:ext uri="{D42A27DB-BD31-4B8C-83A1-F6EECF244321}">
-                <p14:modId xmlns:p14="http://schemas.microsoft.com/office/powerpoint/2010/main" val="1770726960"/>
-              </p:ext>
-            </p:extLst>
-          </p:nvPr>
-        </p:nvGraphicFramePr>
-        <p:xfrm>
-          <a:off x="3535678" y="3210560"/>
+          <a:off x="721357" y="3307080"/>
           <a:ext cx="2336800" cy="777240"/>
         </p:xfrm>
         <a:graphic>
@@ -3576,13 +3699,13 @@
           <p:nvPr>
             <p:extLst>
               <p:ext uri="{D42A27DB-BD31-4B8C-83A1-F6EECF244321}">
-                <p14:modId xmlns:p14="http://schemas.microsoft.com/office/powerpoint/2010/main" val="2530723905"/>
+                <p14:modId xmlns:p14="http://schemas.microsoft.com/office/powerpoint/2010/main" val="2790697802"/>
               </p:ext>
             </p:extLst>
           </p:nvPr>
         </p:nvGraphicFramePr>
         <p:xfrm>
-          <a:off x="6807200" y="3210560"/>
+          <a:off x="5191760" y="3307080"/>
           <a:ext cx="2072640" cy="777240"/>
         </p:xfrm>
         <a:graphic>
@@ -3790,7 +3913,6 @@
           </p:cNvPr>
           <p:cNvCxnSpPr>
             <a:cxnSpLocks/>
-            <a:endCxn id="5" idx="0"/>
           </p:cNvCxnSpPr>
           <p:nvPr/>
         </p:nvCxnSpPr>
@@ -3823,10 +3945,10 @@
       </p:cxnSp>
       <p:cxnSp>
         <p:nvCxnSpPr>
-          <p:cNvPr id="16" name="Straight Arrow Connector 15">
-            <a:extLst>
-              <a:ext uri="{FF2B5EF4-FFF2-40B4-BE49-F238E27FC236}">
-                <a16:creationId xmlns:a16="http://schemas.microsoft.com/office/drawing/2014/main" id="{89AE6369-8A5F-B847-B217-03E067B86446}"/>
+          <p:cNvPr id="17" name="Straight Arrow Connector 16">
+            <a:extLst>
+              <a:ext uri="{FF2B5EF4-FFF2-40B4-BE49-F238E27FC236}">
+                <a16:creationId xmlns:a16="http://schemas.microsoft.com/office/drawing/2014/main" id="{87946BD4-F694-340B-4EF1-53BBBC0171DF}"/>
               </a:ext>
             </a:extLst>
           </p:cNvPr>
@@ -3837,48 +3959,7 @@
         </p:nvCxnSpPr>
         <p:spPr>
           <a:xfrm>
-            <a:off x="4704078" y="2783840"/>
-            <a:ext cx="0" cy="416560"/>
-          </a:xfrm>
-          <a:prstGeom prst="straightConnector1">
-            <a:avLst/>
-          </a:prstGeom>
-          <a:ln>
-            <a:tailEnd type="triangle"/>
-          </a:ln>
-        </p:spPr>
-        <p:style>
-          <a:lnRef idx="3">
-            <a:schemeClr val="accent1"/>
-          </a:lnRef>
-          <a:fillRef idx="0">
-            <a:schemeClr val="accent1"/>
-          </a:fillRef>
-          <a:effectRef idx="2">
-            <a:schemeClr val="accent1"/>
-          </a:effectRef>
-          <a:fontRef idx="minor">
-            <a:schemeClr val="tx1"/>
-          </a:fontRef>
-        </p:style>
-      </p:cxnSp>
-      <p:cxnSp>
-        <p:nvCxnSpPr>
-          <p:cNvPr id="17" name="Straight Arrow Connector 16">
-            <a:extLst>
-              <a:ext uri="{FF2B5EF4-FFF2-40B4-BE49-F238E27FC236}">
-                <a16:creationId xmlns:a16="http://schemas.microsoft.com/office/drawing/2014/main" id="{87946BD4-F694-340B-4EF1-53BBBC0171DF}"/>
-              </a:ext>
-            </a:extLst>
-          </p:cNvPr>
-          <p:cNvCxnSpPr>
-            <a:cxnSpLocks/>
-          </p:cNvCxnSpPr>
-          <p:nvPr/>
-        </p:nvCxnSpPr>
-        <p:spPr>
-          <a:xfrm>
-            <a:off x="7843520" y="2794000"/>
+            <a:off x="6289040" y="2783840"/>
             <a:ext cx="0" cy="416560"/>
           </a:xfrm>
           <a:prstGeom prst="straightConnector1">
@@ -3944,6 +4025,129 @@
           </a:fontRef>
         </p:style>
       </p:cxnSp>
+      <p:grpSp>
+        <p:nvGrpSpPr>
+          <p:cNvPr id="10" name="Group 9">
+            <a:extLst>
+              <a:ext uri="{FF2B5EF4-FFF2-40B4-BE49-F238E27FC236}">
+                <a16:creationId xmlns:a16="http://schemas.microsoft.com/office/drawing/2014/main" id="{A84A0145-5D0C-5832-FE16-09B4A97AAB87}"/>
+              </a:ext>
+            </a:extLst>
+          </p:cNvPr>
+          <p:cNvGrpSpPr/>
+          <p:nvPr/>
+        </p:nvGrpSpPr>
+        <p:grpSpPr>
+          <a:xfrm>
+            <a:off x="3139320" y="557240"/>
+            <a:ext cx="1066680" cy="994680"/>
+            <a:chOff x="3139320" y="557240"/>
+            <a:chExt cx="1066680" cy="994680"/>
+          </a:xfrm>
+        </p:grpSpPr>
+        <mc:AlternateContent xmlns:mc="http://schemas.openxmlformats.org/markup-compatibility/2006">
+          <mc:Choice xmlns:p14="http://schemas.microsoft.com/office/powerpoint/2010/main" xmlns:aink="http://schemas.microsoft.com/office/drawing/2016/ink" Requires="p14 aink">
+            <p:contentPart p14:bwMode="auto" r:id="rId2">
+              <p14:nvContentPartPr>
+                <p14:cNvPr id="2" name="Ink 1">
+                  <a:extLst>
+                    <a:ext uri="{FF2B5EF4-FFF2-40B4-BE49-F238E27FC236}">
+                      <a16:creationId xmlns:a16="http://schemas.microsoft.com/office/drawing/2014/main" id="{9C5B578C-5C3C-4205-5328-5F4F37BFEB46}"/>
+                    </a:ext>
+                  </a:extLst>
+                </p14:cNvPr>
+                <p14:cNvContentPartPr/>
+                <p14:nvPr/>
+              </p14:nvContentPartPr>
+              <p14:xfrm>
+                <a:off x="3139320" y="1147640"/>
+                <a:ext cx="360" cy="360"/>
+              </p14:xfrm>
+            </p:contentPart>
+          </mc:Choice>
+          <mc:Fallback>
+            <p:pic>
+              <p:nvPicPr>
+                <p:cNvPr id="2" name="Ink 1">
+                  <a:extLst>
+                    <a:ext uri="{FF2B5EF4-FFF2-40B4-BE49-F238E27FC236}">
+                      <a16:creationId xmlns:a16="http://schemas.microsoft.com/office/drawing/2014/main" id="{9C5B578C-5C3C-4205-5328-5F4F37BFEB46}"/>
+                    </a:ext>
+                  </a:extLst>
+                </p:cNvPr>
+                <p:cNvPicPr/>
+                <p:nvPr/>
+              </p:nvPicPr>
+              <p:blipFill>
+                <a:blip r:embed="rId3"/>
+                <a:stretch>
+                  <a:fillRect/>
+                </a:stretch>
+              </p:blipFill>
+              <p:spPr>
+                <a:xfrm>
+                  <a:off x="3130680" y="1138640"/>
+                  <a:ext cx="18000" cy="18000"/>
+                </a:xfrm>
+                <a:prstGeom prst="rect">
+                  <a:avLst/>
+                </a:prstGeom>
+              </p:spPr>
+            </p:pic>
+          </mc:Fallback>
+        </mc:AlternateContent>
+        <mc:AlternateContent xmlns:mc="http://schemas.openxmlformats.org/markup-compatibility/2006">
+          <mc:Choice xmlns:p14="http://schemas.microsoft.com/office/powerpoint/2010/main" xmlns:aink="http://schemas.microsoft.com/office/drawing/2016/ink" Requires="p14 aink">
+            <p:contentPart p14:bwMode="auto" r:id="rId4">
+              <p14:nvContentPartPr>
+                <p14:cNvPr id="3" name="Ink 2">
+                  <a:extLst>
+                    <a:ext uri="{FF2B5EF4-FFF2-40B4-BE49-F238E27FC236}">
+                      <a16:creationId xmlns:a16="http://schemas.microsoft.com/office/drawing/2014/main" id="{3C0DFB11-B753-E092-C672-C2DD6D72E88B}"/>
+                    </a:ext>
+                  </a:extLst>
+                </p14:cNvPr>
+                <p14:cNvContentPartPr/>
+                <p14:nvPr/>
+              </p14:nvContentPartPr>
+              <p14:xfrm>
+                <a:off x="3139320" y="557240"/>
+                <a:ext cx="1066680" cy="994680"/>
+              </p14:xfrm>
+            </p:contentPart>
+          </mc:Choice>
+          <mc:Fallback>
+            <p:pic>
+              <p:nvPicPr>
+                <p:cNvPr id="3" name="Ink 2">
+                  <a:extLst>
+                    <a:ext uri="{FF2B5EF4-FFF2-40B4-BE49-F238E27FC236}">
+                      <a16:creationId xmlns:a16="http://schemas.microsoft.com/office/drawing/2014/main" id="{3C0DFB11-B753-E092-C672-C2DD6D72E88B}"/>
+                    </a:ext>
+                  </a:extLst>
+                </p:cNvPr>
+                <p:cNvPicPr/>
+                <p:nvPr/>
+              </p:nvPicPr>
+              <p:blipFill>
+                <a:blip r:embed="rId5"/>
+                <a:stretch>
+                  <a:fillRect/>
+                </a:stretch>
+              </p:blipFill>
+              <p:spPr>
+                <a:xfrm>
+                  <a:off x="3130680" y="548240"/>
+                  <a:ext cx="1084320" cy="1012320"/>
+                </a:xfrm>
+                <a:prstGeom prst="rect">
+                  <a:avLst/>
+                </a:prstGeom>
+              </p:spPr>
+            </p:pic>
+          </mc:Fallback>
+        </mc:AlternateContent>
+      </p:grpSp>
     </p:spTree>
     <p:extLst>
       <p:ext uri="{BB962C8B-B14F-4D97-AF65-F5344CB8AC3E}">
@@ -3976,10 +4180,10 @@
       </p:grpSpPr>
       <p:graphicFrame>
         <p:nvGraphicFramePr>
-          <p:cNvPr id="5" name="Table 4">
-            <a:extLst>
-              <a:ext uri="{FF2B5EF4-FFF2-40B4-BE49-F238E27FC236}">
-                <a16:creationId xmlns:a16="http://schemas.microsoft.com/office/drawing/2014/main" id="{601F4D54-B6AC-063E-6175-E4220180903F}"/>
+          <p:cNvPr id="3" name="Table 2">
+            <a:extLst>
+              <a:ext uri="{FF2B5EF4-FFF2-40B4-BE49-F238E27FC236}">
+                <a16:creationId xmlns:a16="http://schemas.microsoft.com/office/drawing/2014/main" id="{AA114772-E79F-2BF5-6062-0DA4BFF537DD}"/>
               </a:ext>
             </a:extLst>
           </p:cNvPr>
@@ -3989,7 +4193,582 @@
           <p:nvPr>
             <p:extLst>
               <p:ext uri="{D42A27DB-BD31-4B8C-83A1-F6EECF244321}">
-                <p14:modId xmlns:p14="http://schemas.microsoft.com/office/powerpoint/2010/main" val="3370914855"/>
+                <p14:modId xmlns:p14="http://schemas.microsoft.com/office/powerpoint/2010/main" val="3653062897"/>
+              </p:ext>
+            </p:extLst>
+          </p:nvPr>
+        </p:nvGraphicFramePr>
+        <p:xfrm>
+          <a:off x="5230959" y="1388106"/>
+          <a:ext cx="2305049" cy="958596"/>
+        </p:xfrm>
+        <a:graphic>
+          <a:graphicData uri="http://schemas.openxmlformats.org/drawingml/2006/table">
+            <a:tbl>
+              <a:tblPr firstRow="1" bandRow="1">
+                <a:tableStyleId>{5C22544A-7EE6-4342-B048-85BDC9FD1C3A}</a:tableStyleId>
+              </a:tblPr>
+              <a:tblGrid>
+                <a:gridCol w="2305049">
+                  <a:extLst>
+                    <a:ext uri="{9D8B030D-6E8A-4147-A177-3AD203B41FA5}">
+                      <a16:colId xmlns:a16="http://schemas.microsoft.com/office/drawing/2014/main" val="2669780779"/>
+                    </a:ext>
+                  </a:extLst>
+                </a:gridCol>
+              </a:tblGrid>
+              <a:tr h="613832">
+                <a:tc>
+                  <a:txBody>
+                    <a:bodyPr/>
+                    <a:lstStyle/>
+                    <a:p>
+                      <a:pPr algn="ctr">
+                        <a:lnSpc>
+                          <a:spcPct val="150000"/>
+                        </a:lnSpc>
+                      </a:pPr>
+                      <a:r>
+                        <a:rPr lang="en-US" sz="2000" b="1" dirty="0"/>
+                        <a:t>Manager</a:t>
+                      </a:r>
+                    </a:p>
+                    <a:p>
+                      <a:pPr algn="ctr">
+                        <a:lnSpc>
+                          <a:spcPct val="150000"/>
+                        </a:lnSpc>
+                      </a:pPr>
+                      <a:r>
+                        <a:rPr lang="en-US" sz="2000" b="1" dirty="0"/>
+                        <a:t>- Income : number</a:t>
+                      </a:r>
+                    </a:p>
+                  </a:txBody>
+                  <a:tcPr>
+                    <a:solidFill>
+                      <a:schemeClr val="accent4">
+                        <a:lumMod val="75000"/>
+                      </a:schemeClr>
+                    </a:solidFill>
+                  </a:tcPr>
+                </a:tc>
+                <a:extLst>
+                  <a:ext uri="{0D108BD9-81ED-4DB2-BD59-A6C34878D82A}">
+                    <a16:rowId xmlns:a16="http://schemas.microsoft.com/office/drawing/2014/main" val="2092005147"/>
+                  </a:ext>
+                </a:extLst>
+              </a:tr>
+            </a:tbl>
+          </a:graphicData>
+        </a:graphic>
+      </p:graphicFrame>
+      <p:graphicFrame>
+        <p:nvGraphicFramePr>
+          <p:cNvPr id="4" name="Table 3">
+            <a:extLst>
+              <a:ext uri="{FF2B5EF4-FFF2-40B4-BE49-F238E27FC236}">
+                <a16:creationId xmlns:a16="http://schemas.microsoft.com/office/drawing/2014/main" id="{FA8828DF-395E-A7AB-5299-A7EA8962F1D6}"/>
+              </a:ext>
+            </a:extLst>
+          </p:cNvPr>
+          <p:cNvGraphicFramePr>
+            <a:graphicFrameLocks noGrp="1"/>
+          </p:cNvGraphicFramePr>
+          <p:nvPr>
+            <p:extLst>
+              <p:ext uri="{D42A27DB-BD31-4B8C-83A1-F6EECF244321}">
+                <p14:modId xmlns:p14="http://schemas.microsoft.com/office/powerpoint/2010/main" val="1136300813"/>
+              </p:ext>
+            </p:extLst>
+          </p:nvPr>
+        </p:nvGraphicFramePr>
+        <p:xfrm>
+          <a:off x="2020062" y="3429000"/>
+          <a:ext cx="3256850" cy="1615440"/>
+        </p:xfrm>
+        <a:graphic>
+          <a:graphicData uri="http://schemas.openxmlformats.org/drawingml/2006/table">
+            <a:tbl>
+              <a:tblPr firstRow="1" bandRow="1">
+                <a:tableStyleId>{5C22544A-7EE6-4342-B048-85BDC9FD1C3A}</a:tableStyleId>
+              </a:tblPr>
+              <a:tblGrid>
+                <a:gridCol w="3256850">
+                  <a:extLst>
+                    <a:ext uri="{9D8B030D-6E8A-4147-A177-3AD203B41FA5}">
+                      <a16:colId xmlns:a16="http://schemas.microsoft.com/office/drawing/2014/main" val="2669780779"/>
+                    </a:ext>
+                  </a:extLst>
+                </a:gridCol>
+              </a:tblGrid>
+              <a:tr h="613832">
+                <a:tc>
+                  <a:txBody>
+                    <a:bodyPr/>
+                    <a:lstStyle/>
+                    <a:p>
+                      <a:pPr algn="ctr">
+                        <a:lnSpc>
+                          <a:spcPct val="150000"/>
+                        </a:lnSpc>
+                      </a:pPr>
+                      <a:r>
+                        <a:rPr lang="en-US" sz="2000" b="1" dirty="0" err="1"/>
+                        <a:t>MonthPayment</a:t>
+                      </a:r>
+                      <a:endParaRPr lang="en-US" sz="2000" b="1" dirty="0"/>
+                    </a:p>
+                    <a:p>
+                      <a:pPr algn="l">
+                        <a:lnSpc>
+                          <a:spcPct val="150000"/>
+                        </a:lnSpc>
+                      </a:pPr>
+                      <a:r>
+                        <a:rPr lang="en-US" sz="2000" b="0" dirty="0"/>
+                        <a:t>-     month : string</a:t>
+                      </a:r>
+                    </a:p>
+                    <a:p>
+                      <a:pPr marL="342900" indent="-342900" algn="l">
+                        <a:lnSpc>
+                          <a:spcPct val="100000"/>
+                        </a:lnSpc>
+                        <a:buFontTx/>
+                        <a:buChar char="-"/>
+                      </a:pPr>
+                      <a:r>
+                        <a:rPr lang="en-US" sz="2000" b="0" dirty="0" err="1"/>
+                        <a:t>foodIngredients:number</a:t>
+                      </a:r>
+                      <a:endParaRPr lang="en-US" sz="2000" b="0" dirty="0"/>
+                    </a:p>
+                    <a:p>
+                      <a:pPr marL="342900" indent="-342900" algn="l">
+                        <a:lnSpc>
+                          <a:spcPct val="100000"/>
+                        </a:lnSpc>
+                        <a:buFontTx/>
+                        <a:buChar char="-"/>
+                      </a:pPr>
+                      <a:r>
+                        <a:rPr lang="en-US" sz="2000" b="0" dirty="0" err="1"/>
+                        <a:t>RestProperty</a:t>
+                      </a:r>
+                      <a:r>
+                        <a:rPr lang="en-US" sz="2000" b="0" dirty="0"/>
+                        <a:t> : number </a:t>
+                      </a:r>
+                    </a:p>
+                  </a:txBody>
+                  <a:tcPr/>
+                </a:tc>
+                <a:extLst>
+                  <a:ext uri="{0D108BD9-81ED-4DB2-BD59-A6C34878D82A}">
+                    <a16:rowId xmlns:a16="http://schemas.microsoft.com/office/drawing/2014/main" val="2092005147"/>
+                  </a:ext>
+                </a:extLst>
+              </a:tr>
+            </a:tbl>
+          </a:graphicData>
+        </a:graphic>
+      </p:graphicFrame>
+      <p:graphicFrame>
+        <p:nvGraphicFramePr>
+          <p:cNvPr id="5" name="Table 4">
+            <a:extLst>
+              <a:ext uri="{FF2B5EF4-FFF2-40B4-BE49-F238E27FC236}">
+                <a16:creationId xmlns:a16="http://schemas.microsoft.com/office/drawing/2014/main" id="{3BFC1DB3-EEEE-EAE8-A815-EF2760BF6091}"/>
+              </a:ext>
+            </a:extLst>
+          </p:cNvPr>
+          <p:cNvGraphicFramePr>
+            <a:graphicFrameLocks noGrp="1"/>
+          </p:cNvGraphicFramePr>
+          <p:nvPr>
+            <p:extLst>
+              <p:ext uri="{D42A27DB-BD31-4B8C-83A1-F6EECF244321}">
+                <p14:modId xmlns:p14="http://schemas.microsoft.com/office/powerpoint/2010/main" val="2756977922"/>
+              </p:ext>
+            </p:extLst>
+          </p:nvPr>
+        </p:nvGraphicFramePr>
+        <p:xfrm>
+          <a:off x="7189746" y="3305802"/>
+          <a:ext cx="2305049" cy="613832"/>
+        </p:xfrm>
+        <a:graphic>
+          <a:graphicData uri="http://schemas.openxmlformats.org/drawingml/2006/table">
+            <a:tbl>
+              <a:tblPr firstRow="1" bandRow="1">
+                <a:tableStyleId>{5C22544A-7EE6-4342-B048-85BDC9FD1C3A}</a:tableStyleId>
+              </a:tblPr>
+              <a:tblGrid>
+                <a:gridCol w="2305049">
+                  <a:extLst>
+                    <a:ext uri="{9D8B030D-6E8A-4147-A177-3AD203B41FA5}">
+                      <a16:colId xmlns:a16="http://schemas.microsoft.com/office/drawing/2014/main" val="2669780779"/>
+                    </a:ext>
+                  </a:extLst>
+                </a:gridCol>
+              </a:tblGrid>
+              <a:tr h="613832">
+                <a:tc>
+                  <a:txBody>
+                    <a:bodyPr/>
+                    <a:lstStyle/>
+                    <a:p>
+                      <a:pPr algn="ctr">
+                        <a:lnSpc>
+                          <a:spcPct val="150000"/>
+                        </a:lnSpc>
+                      </a:pPr>
+                      <a:r>
+                        <a:rPr lang="en-US" sz="2000" b="1" dirty="0" err="1"/>
+                        <a:t>StaffList</a:t>
+                      </a:r>
+                      <a:endParaRPr lang="en-US" sz="2000" b="1" dirty="0"/>
+                    </a:p>
+                  </a:txBody>
+                  <a:tcPr/>
+                </a:tc>
+                <a:extLst>
+                  <a:ext uri="{0D108BD9-81ED-4DB2-BD59-A6C34878D82A}">
+                    <a16:rowId xmlns:a16="http://schemas.microsoft.com/office/drawing/2014/main" val="2092005147"/>
+                  </a:ext>
+                </a:extLst>
+              </a:tr>
+            </a:tbl>
+          </a:graphicData>
+        </a:graphic>
+      </p:graphicFrame>
+      <p:cxnSp>
+        <p:nvCxnSpPr>
+          <p:cNvPr id="10" name="Straight Arrow Connector 9">
+            <a:extLst>
+              <a:ext uri="{FF2B5EF4-FFF2-40B4-BE49-F238E27FC236}">
+                <a16:creationId xmlns:a16="http://schemas.microsoft.com/office/drawing/2014/main" id="{AD36319C-5602-54C3-69DC-48BA18180426}"/>
+              </a:ext>
+            </a:extLst>
+          </p:cNvPr>
+          <p:cNvCxnSpPr>
+            <a:cxnSpLocks/>
+            <a:endCxn id="5" idx="1"/>
+          </p:cNvCxnSpPr>
+          <p:nvPr/>
+        </p:nvCxnSpPr>
+        <p:spPr>
+          <a:xfrm flipV="1">
+            <a:off x="5230959" y="3612718"/>
+            <a:ext cx="1958787" cy="31503"/>
+          </a:xfrm>
+          <a:prstGeom prst="straightConnector1">
+            <a:avLst/>
+          </a:prstGeom>
+          <a:ln>
+            <a:tailEnd type="triangle"/>
+          </a:ln>
+        </p:spPr>
+        <p:style>
+          <a:lnRef idx="3">
+            <a:schemeClr val="accent1"/>
+          </a:lnRef>
+          <a:fillRef idx="0">
+            <a:schemeClr val="accent1"/>
+          </a:fillRef>
+          <a:effectRef idx="2">
+            <a:schemeClr val="accent1"/>
+          </a:effectRef>
+          <a:fontRef idx="minor">
+            <a:schemeClr val="tx1"/>
+          </a:fontRef>
+        </p:style>
+      </p:cxnSp>
+      <p:sp>
+        <p:nvSpPr>
+          <p:cNvPr id="11" name="TextBox 10">
+            <a:extLst>
+              <a:ext uri="{FF2B5EF4-FFF2-40B4-BE49-F238E27FC236}">
+                <a16:creationId xmlns:a16="http://schemas.microsoft.com/office/drawing/2014/main" id="{15C0AEE5-AE81-A58E-7772-70797CA5E414}"/>
+              </a:ext>
+            </a:extLst>
+          </p:cNvPr>
+          <p:cNvSpPr txBox="1"/>
+          <p:nvPr/>
+        </p:nvSpPr>
+        <p:spPr>
+          <a:xfrm>
+            <a:off x="6915090" y="3673827"/>
+            <a:ext cx="187609" cy="369332"/>
+          </a:xfrm>
+          <a:prstGeom prst="rect">
+            <a:avLst/>
+          </a:prstGeom>
+          <a:noFill/>
+        </p:spPr>
+        <p:txBody>
+          <a:bodyPr wrap="square" rtlCol="0">
+            <a:spAutoFit/>
+          </a:bodyPr>
+          <a:lstStyle/>
+          <a:p>
+            <a:r>
+              <a:rPr lang="en-US" dirty="0"/>
+              <a:t>1</a:t>
+            </a:r>
+          </a:p>
+        </p:txBody>
+      </p:sp>
+      <p:cxnSp>
+        <p:nvCxnSpPr>
+          <p:cNvPr id="19" name="Straight Arrow Connector 18">
+            <a:extLst>
+              <a:ext uri="{FF2B5EF4-FFF2-40B4-BE49-F238E27FC236}">
+                <a16:creationId xmlns:a16="http://schemas.microsoft.com/office/drawing/2014/main" id="{2A7920B3-F6C6-C8B0-3212-CF87FCFE8750}"/>
+              </a:ext>
+            </a:extLst>
+          </p:cNvPr>
+          <p:cNvCxnSpPr>
+            <a:cxnSpLocks/>
+          </p:cNvCxnSpPr>
+          <p:nvPr/>
+        </p:nvCxnSpPr>
+        <p:spPr>
+          <a:xfrm flipH="1">
+            <a:off x="4908450" y="2442311"/>
+            <a:ext cx="1187550" cy="863491"/>
+          </a:xfrm>
+          <a:prstGeom prst="straightConnector1">
+            <a:avLst/>
+          </a:prstGeom>
+          <a:ln>
+            <a:tailEnd type="triangle"/>
+          </a:ln>
+        </p:spPr>
+        <p:style>
+          <a:lnRef idx="3">
+            <a:schemeClr val="accent1"/>
+          </a:lnRef>
+          <a:fillRef idx="0">
+            <a:schemeClr val="accent1"/>
+          </a:fillRef>
+          <a:effectRef idx="2">
+            <a:schemeClr val="accent1"/>
+          </a:effectRef>
+          <a:fontRef idx="minor">
+            <a:schemeClr val="tx1"/>
+          </a:fontRef>
+        </p:style>
+      </p:cxnSp>
+      <p:sp>
+        <p:nvSpPr>
+          <p:cNvPr id="22" name="TextBox 21">
+            <a:extLst>
+              <a:ext uri="{FF2B5EF4-FFF2-40B4-BE49-F238E27FC236}">
+                <a16:creationId xmlns:a16="http://schemas.microsoft.com/office/drawing/2014/main" id="{62055CBB-E625-4DED-C521-5807E01B8DA3}"/>
+              </a:ext>
+            </a:extLst>
+          </p:cNvPr>
+          <p:cNvSpPr txBox="1"/>
+          <p:nvPr/>
+        </p:nvSpPr>
+        <p:spPr>
+          <a:xfrm>
+            <a:off x="4476752" y="2924553"/>
+            <a:ext cx="285637" cy="707886"/>
+          </a:xfrm>
+          <a:prstGeom prst="rect">
+            <a:avLst/>
+          </a:prstGeom>
+          <a:noFill/>
+        </p:spPr>
+        <p:txBody>
+          <a:bodyPr wrap="square" rtlCol="0">
+            <a:spAutoFit/>
+          </a:bodyPr>
+          <a:lstStyle/>
+          <a:p>
+            <a:r>
+              <a:rPr lang="en-US" sz="4000" dirty="0"/>
+              <a:t>*</a:t>
+            </a:r>
+          </a:p>
+        </p:txBody>
+      </p:sp>
+      <mc:AlternateContent xmlns:mc="http://schemas.openxmlformats.org/markup-compatibility/2006">
+        <mc:Choice xmlns:p14="http://schemas.microsoft.com/office/powerpoint/2010/main" xmlns:aink="http://schemas.microsoft.com/office/drawing/2016/ink" Requires="p14 aink">
+          <p:contentPart p14:bwMode="auto" r:id="rId2">
+            <p14:nvContentPartPr>
+              <p14:cNvPr id="2" name="Ink 1">
+                <a:extLst>
+                  <a:ext uri="{FF2B5EF4-FFF2-40B4-BE49-F238E27FC236}">
+                    <a16:creationId xmlns:a16="http://schemas.microsoft.com/office/drawing/2014/main" id="{DB412AA1-BBC0-C8F9-689D-0CF5E984BC09}"/>
+                  </a:ext>
+                </a:extLst>
+              </p14:cNvPr>
+              <p14:cNvContentPartPr/>
+              <p14:nvPr/>
+            </p14:nvContentPartPr>
+            <p14:xfrm>
+              <a:off x="7071240" y="992480"/>
+              <a:ext cx="2064960" cy="768240"/>
+            </p14:xfrm>
+          </p:contentPart>
+        </mc:Choice>
+        <mc:Fallback>
+          <p:pic>
+            <p:nvPicPr>
+              <p:cNvPr id="2" name="Ink 1">
+                <a:extLst>
+                  <a:ext uri="{FF2B5EF4-FFF2-40B4-BE49-F238E27FC236}">
+                    <a16:creationId xmlns:a16="http://schemas.microsoft.com/office/drawing/2014/main" id="{DB412AA1-BBC0-C8F9-689D-0CF5E984BC09}"/>
+                  </a:ext>
+                </a:extLst>
+              </p:cNvPr>
+              <p:cNvPicPr/>
+              <p:nvPr/>
+            </p:nvPicPr>
+            <p:blipFill>
+              <a:blip r:embed="rId3"/>
+              <a:stretch>
+                <a:fillRect/>
+              </a:stretch>
+            </p:blipFill>
+            <p:spPr>
+              <a:xfrm>
+                <a:off x="7062600" y="983480"/>
+                <a:ext cx="2082600" cy="785880"/>
+              </a:xfrm>
+              <a:prstGeom prst="rect">
+                <a:avLst/>
+              </a:prstGeom>
+            </p:spPr>
+          </p:pic>
+        </mc:Fallback>
+      </mc:AlternateContent>
+      <p:cxnSp>
+        <p:nvCxnSpPr>
+          <p:cNvPr id="7" name="Straight Arrow Connector 6">
+            <a:extLst>
+              <a:ext uri="{FF2B5EF4-FFF2-40B4-BE49-F238E27FC236}">
+                <a16:creationId xmlns:a16="http://schemas.microsoft.com/office/drawing/2014/main" id="{25AB747C-75D2-75D2-5B4F-A7F0E455972E}"/>
+              </a:ext>
+            </a:extLst>
+          </p:cNvPr>
+          <p:cNvCxnSpPr>
+            <a:cxnSpLocks/>
+          </p:cNvCxnSpPr>
+          <p:nvPr/>
+        </p:nvCxnSpPr>
+        <p:spPr>
+          <a:xfrm>
+            <a:off x="6642245" y="2390027"/>
+            <a:ext cx="641306" cy="823753"/>
+          </a:xfrm>
+          <a:prstGeom prst="straightConnector1">
+            <a:avLst/>
+          </a:prstGeom>
+          <a:ln>
+            <a:tailEnd type="triangle"/>
+          </a:ln>
+        </p:spPr>
+        <p:style>
+          <a:lnRef idx="3">
+            <a:schemeClr val="accent1"/>
+          </a:lnRef>
+          <a:fillRef idx="0">
+            <a:schemeClr val="accent1"/>
+          </a:fillRef>
+          <a:effectRef idx="2">
+            <a:schemeClr val="accent1"/>
+          </a:effectRef>
+          <a:fontRef idx="minor">
+            <a:schemeClr val="tx1"/>
+          </a:fontRef>
+        </p:style>
+      </p:cxnSp>
+      <p:sp>
+        <p:nvSpPr>
+          <p:cNvPr id="8" name="TextBox 7">
+            <a:extLst>
+              <a:ext uri="{FF2B5EF4-FFF2-40B4-BE49-F238E27FC236}">
+                <a16:creationId xmlns:a16="http://schemas.microsoft.com/office/drawing/2014/main" id="{473670B6-D8FE-C4CF-871F-41DEF3454AF4}"/>
+              </a:ext>
+            </a:extLst>
+          </p:cNvPr>
+          <p:cNvSpPr txBox="1"/>
+          <p:nvPr/>
+        </p:nvSpPr>
+        <p:spPr>
+          <a:xfrm>
+            <a:off x="7283551" y="2867655"/>
+            <a:ext cx="468570" cy="584775"/>
+          </a:xfrm>
+          <a:prstGeom prst="rect">
+            <a:avLst/>
+          </a:prstGeom>
+          <a:noFill/>
+        </p:spPr>
+        <p:txBody>
+          <a:bodyPr wrap="square" rtlCol="0">
+            <a:spAutoFit/>
+          </a:bodyPr>
+          <a:lstStyle/>
+          <a:p>
+            <a:r>
+              <a:rPr lang="en-US" sz="3200" dirty="0"/>
+              <a:t>*</a:t>
+            </a:r>
+          </a:p>
+        </p:txBody>
+      </p:sp>
+    </p:spTree>
+    <p:extLst>
+      <p:ext uri="{BB962C8B-B14F-4D97-AF65-F5344CB8AC3E}">
+        <p14:creationId xmlns:p14="http://schemas.microsoft.com/office/powerpoint/2010/main" val="3302752763"/>
+      </p:ext>
+    </p:extLst>
+  </p:cSld>
+  <p:clrMapOvr>
+    <a:masterClrMapping/>
+  </p:clrMapOvr>
+</p:sld>
+</file>
+
+<file path=ppt/slides/slide3.xml><?xml version="1.0" encoding="utf-8"?>
+<p:sld xmlns:a="http://schemas.openxmlformats.org/drawingml/2006/main" xmlns:r="http://schemas.openxmlformats.org/officeDocument/2006/relationships" xmlns:p="http://schemas.openxmlformats.org/presentationml/2006/main">
+  <p:cSld>
+    <p:spTree>
+      <p:nvGrpSpPr>
+        <p:cNvPr id="1" name=""/>
+        <p:cNvGrpSpPr/>
+        <p:nvPr/>
+      </p:nvGrpSpPr>
+      <p:grpSpPr>
+        <a:xfrm>
+          <a:off x="0" y="0"/>
+          <a:ext cx="0" cy="0"/>
+          <a:chOff x="0" y="0"/>
+          <a:chExt cx="0" cy="0"/>
+        </a:xfrm>
+      </p:grpSpPr>
+      <p:graphicFrame>
+        <p:nvGraphicFramePr>
+          <p:cNvPr id="5" name="Table 4">
+            <a:extLst>
+              <a:ext uri="{FF2B5EF4-FFF2-40B4-BE49-F238E27FC236}">
+                <a16:creationId xmlns:a16="http://schemas.microsoft.com/office/drawing/2014/main" id="{601F4D54-B6AC-063E-6175-E4220180903F}"/>
+              </a:ext>
+            </a:extLst>
+          </p:cNvPr>
+          <p:cNvGraphicFramePr>
+            <a:graphicFrameLocks noGrp="1"/>
+          </p:cNvGraphicFramePr>
+          <p:nvPr>
+            <p:extLst>
+              <p:ext uri="{D42A27DB-BD31-4B8C-83A1-F6EECF244321}">
+                <p14:modId xmlns:p14="http://schemas.microsoft.com/office/powerpoint/2010/main" val="758153717"/>
               </p:ext>
             </p:extLst>
           </p:nvPr>
@@ -4029,9 +4808,7 @@
                   </a:txBody>
                   <a:tcPr>
                     <a:solidFill>
-                      <a:schemeClr val="accent4">
-                        <a:lumMod val="75000"/>
-                      </a:schemeClr>
+                      <a:schemeClr val="accent1"/>
                     </a:solidFill>
                   </a:tcPr>
                 </a:tc>
@@ -4060,14 +4837,14 @@
           <p:nvPr>
             <p:extLst>
               <p:ext uri="{D42A27DB-BD31-4B8C-83A1-F6EECF244321}">
-                <p14:modId xmlns:p14="http://schemas.microsoft.com/office/powerpoint/2010/main" val="1871207294"/>
+                <p14:modId xmlns:p14="http://schemas.microsoft.com/office/powerpoint/2010/main" val="3637502125"/>
               </p:ext>
             </p:extLst>
           </p:nvPr>
         </p:nvGraphicFramePr>
         <p:xfrm>
           <a:off x="1509635" y="3995069"/>
-          <a:ext cx="2600960" cy="1310640"/>
+          <a:ext cx="2600960" cy="1615440"/>
         </p:xfrm>
         <a:graphic>
           <a:graphicData uri="http://schemas.openxmlformats.org/drawingml/2006/table">
@@ -4094,6 +4871,13 @@
                       <a:r>
                         <a:rPr lang="en-US" sz="2000" dirty="0"/>
                         <a:t>Staff</a:t>
+                      </a:r>
+                    </a:p>
+                    <a:p>
+                      <a:pPr algn="l"/>
+                      <a:r>
+                        <a:rPr lang="en-US" sz="2000" b="0" dirty="0"/>
+                        <a:t>-     name: string</a:t>
                       </a:r>
                     </a:p>
                     <a:p>
@@ -4591,6 +5375,57 @@
           </a:p>
         </p:txBody>
       </p:sp>
+      <mc:AlternateContent xmlns:mc="http://schemas.openxmlformats.org/markup-compatibility/2006">
+        <mc:Choice xmlns:p14="http://schemas.microsoft.com/office/powerpoint/2010/main" xmlns:aink="http://schemas.microsoft.com/office/drawing/2016/ink" Requires="p14 aink">
+          <p:contentPart p14:bwMode="auto" r:id="rId2">
+            <p14:nvContentPartPr>
+              <p14:cNvPr id="2" name="Ink 1">
+                <a:extLst>
+                  <a:ext uri="{FF2B5EF4-FFF2-40B4-BE49-F238E27FC236}">
+                    <a16:creationId xmlns:a16="http://schemas.microsoft.com/office/drawing/2014/main" id="{889B93C6-3A7E-9AB9-D988-FAC74944EEF2}"/>
+                  </a:ext>
+                </a:extLst>
+              </p14:cNvPr>
+              <p14:cNvContentPartPr/>
+              <p14:nvPr/>
+            </p14:nvContentPartPr>
+            <p14:xfrm>
+              <a:off x="4927440" y="564080"/>
+              <a:ext cx="1886760" cy="1000800"/>
+            </p14:xfrm>
+          </p:contentPart>
+        </mc:Choice>
+        <mc:Fallback>
+          <p:pic>
+            <p:nvPicPr>
+              <p:cNvPr id="2" name="Ink 1">
+                <a:extLst>
+                  <a:ext uri="{FF2B5EF4-FFF2-40B4-BE49-F238E27FC236}">
+                    <a16:creationId xmlns:a16="http://schemas.microsoft.com/office/drawing/2014/main" id="{889B93C6-3A7E-9AB9-D988-FAC74944EEF2}"/>
+                  </a:ext>
+                </a:extLst>
+              </p:cNvPr>
+              <p:cNvPicPr/>
+              <p:nvPr/>
+            </p:nvPicPr>
+            <p:blipFill>
+              <a:blip r:embed="rId3"/>
+              <a:stretch>
+                <a:fillRect/>
+              </a:stretch>
+            </p:blipFill>
+            <p:spPr>
+              <a:xfrm>
+                <a:off x="4918440" y="555440"/>
+                <a:ext cx="1904400" cy="1018440"/>
+              </a:xfrm>
+              <a:prstGeom prst="rect">
+                <a:avLst/>
+              </a:prstGeom>
+            </p:spPr>
+          </p:pic>
+        </mc:Fallback>
+      </mc:AlternateContent>
     </p:spTree>
     <p:extLst>
       <p:ext uri="{BB962C8B-B14F-4D97-AF65-F5344CB8AC3E}">
@@ -4604,7 +5439,7 @@
 </p:sld>
 </file>
 
-<file path=ppt/slides/slide3.xml><?xml version="1.0" encoding="utf-8"?>
+<file path=ppt/slides/slide4.xml><?xml version="1.0" encoding="utf-8"?>
 <p:sld xmlns:a="http://schemas.openxmlformats.org/drawingml/2006/main" xmlns:r="http://schemas.openxmlformats.org/officeDocument/2006/relationships" xmlns:p="http://schemas.openxmlformats.org/presentationml/2006/main">
   <p:cSld>
     <p:spTree>
@@ -5119,6 +5954,57 @@
           </a:fontRef>
         </p:style>
       </p:cxnSp>
+      <mc:AlternateContent xmlns:mc="http://schemas.openxmlformats.org/markup-compatibility/2006">
+        <mc:Choice xmlns:p14="http://schemas.microsoft.com/office/powerpoint/2010/main" xmlns:aink="http://schemas.microsoft.com/office/drawing/2016/ink" Requires="p14 aink">
+          <p:contentPart p14:bwMode="auto" r:id="rId2">
+            <p14:nvContentPartPr>
+              <p14:cNvPr id="2" name="Ink 1">
+                <a:extLst>
+                  <a:ext uri="{FF2B5EF4-FFF2-40B4-BE49-F238E27FC236}">
+                    <a16:creationId xmlns:a16="http://schemas.microsoft.com/office/drawing/2014/main" id="{39F57519-9F32-D6EA-F496-483D322C9D5E}"/>
+                  </a:ext>
+                </a:extLst>
+              </p14:cNvPr>
+              <p14:cNvContentPartPr/>
+              <p14:nvPr/>
+            </p14:nvContentPartPr>
+            <p14:xfrm>
+              <a:off x="2682120" y="384440"/>
+              <a:ext cx="1311480" cy="1290960"/>
+            </p14:xfrm>
+          </p:contentPart>
+        </mc:Choice>
+        <mc:Fallback>
+          <p:pic>
+            <p:nvPicPr>
+              <p:cNvPr id="2" name="Ink 1">
+                <a:extLst>
+                  <a:ext uri="{FF2B5EF4-FFF2-40B4-BE49-F238E27FC236}">
+                    <a16:creationId xmlns:a16="http://schemas.microsoft.com/office/drawing/2014/main" id="{39F57519-9F32-D6EA-F496-483D322C9D5E}"/>
+                  </a:ext>
+                </a:extLst>
+              </p:cNvPr>
+              <p:cNvPicPr/>
+              <p:nvPr/>
+            </p:nvPicPr>
+            <p:blipFill>
+              <a:blip r:embed="rId3"/>
+              <a:stretch>
+                <a:fillRect/>
+              </a:stretch>
+            </p:blipFill>
+            <p:spPr>
+              <a:xfrm>
+                <a:off x="2673120" y="375440"/>
+                <a:ext cx="1329120" cy="1308600"/>
+              </a:xfrm>
+              <a:prstGeom prst="rect">
+                <a:avLst/>
+              </a:prstGeom>
+            </p:spPr>
+          </p:pic>
+        </mc:Fallback>
+      </mc:AlternateContent>
     </p:spTree>
     <p:extLst>
       <p:ext uri="{BB962C8B-B14F-4D97-AF65-F5344CB8AC3E}">
@@ -5132,7 +6018,7 @@
 </p:sld>
 </file>
 
-<file path=ppt/slides/slide4.xml><?xml version="1.0" encoding="utf-8"?>
+<file path=ppt/slides/slide5.xml><?xml version="1.0" encoding="utf-8"?>
 <p:sld xmlns:a="http://schemas.openxmlformats.org/drawingml/2006/main" xmlns:r="http://schemas.openxmlformats.org/officeDocument/2006/relationships" xmlns:p="http://schemas.openxmlformats.org/presentationml/2006/main">
   <p:cSld>
     <p:spTree>
@@ -5776,14 +6662,14 @@
           <p:nvPr>
             <p:extLst>
               <p:ext uri="{D42A27DB-BD31-4B8C-83A1-F6EECF244321}">
-                <p14:modId xmlns:p14="http://schemas.microsoft.com/office/powerpoint/2010/main" val="2745307355"/>
+                <p14:modId xmlns:p14="http://schemas.microsoft.com/office/powerpoint/2010/main" val="1861041433"/>
               </p:ext>
             </p:extLst>
           </p:nvPr>
         </p:nvGraphicFramePr>
         <p:xfrm>
           <a:off x="5069523" y="4534320"/>
-          <a:ext cx="2305049" cy="1005840"/>
+          <a:ext cx="2305049" cy="650026"/>
         </p:xfrm>
         <a:graphic>
           <a:graphicData uri="http://schemas.openxmlformats.org/drawingml/2006/table">
@@ -5810,20 +6696,6 @@
                       <a:r>
                         <a:rPr lang="en-US" sz="2000" b="1" dirty="0"/>
                         <a:t>Foods</a:t>
-                      </a:r>
-                    </a:p>
-                    <a:p>
-                      <a:pPr algn="l"/>
-                      <a:r>
-                        <a:rPr lang="en-US" sz="2000" b="0" dirty="0"/>
-                        <a:t>- name: string</a:t>
-                      </a:r>
-                    </a:p>
-                    <a:p>
-                      <a:pPr algn="l"/>
-                      <a:r>
-                        <a:rPr lang="en-US" sz="2000" b="0" dirty="0"/>
-                        <a:t>- price: number</a:t>
                       </a:r>
                     </a:p>
                   </a:txBody>
@@ -5894,7 +6766,7 @@
         </p:nvSpPr>
         <p:spPr>
           <a:xfrm>
-            <a:off x="7467599" y="5170170"/>
+            <a:off x="7389775" y="4818105"/>
             <a:ext cx="200024" cy="584775"/>
           </a:xfrm>
           <a:prstGeom prst="rect">
@@ -5969,7 +6841,7 @@
         </p:nvCxnSpPr>
         <p:spPr>
           <a:xfrm flipH="1" flipV="1">
-            <a:off x="7467600" y="5170170"/>
+            <a:off x="7467600" y="4863783"/>
             <a:ext cx="2571750" cy="10795"/>
           </a:xfrm>
           <a:prstGeom prst="straightConnector1">
@@ -6113,7 +6985,7 @@
         </p:nvCxnSpPr>
         <p:spPr>
           <a:xfrm>
-            <a:off x="10039350" y="5180965"/>
+            <a:off x="10039350" y="5110492"/>
             <a:ext cx="0" cy="502205"/>
           </a:xfrm>
           <a:prstGeom prst="straightConnector1">
@@ -6173,459 +7045,61 @@
           </a:p>
         </p:txBody>
       </p:sp>
+      <mc:AlternateContent xmlns:mc="http://schemas.openxmlformats.org/markup-compatibility/2006">
+        <mc:Choice xmlns:p14="http://schemas.microsoft.com/office/powerpoint/2010/main" xmlns:aink="http://schemas.microsoft.com/office/drawing/2016/ink" Requires="p14 aink">
+          <p:contentPart p14:bwMode="auto" r:id="rId2">
+            <p14:nvContentPartPr>
+              <p14:cNvPr id="2" name="Ink 1">
+                <a:extLst>
+                  <a:ext uri="{FF2B5EF4-FFF2-40B4-BE49-F238E27FC236}">
+                    <a16:creationId xmlns:a16="http://schemas.microsoft.com/office/drawing/2014/main" id="{1D5D3260-4514-D441-1846-D7F722DB4B6E}"/>
+                  </a:ext>
+                </a:extLst>
+              </p14:cNvPr>
+              <p14:cNvContentPartPr/>
+              <p14:nvPr/>
+            </p14:nvContentPartPr>
+            <p14:xfrm>
+              <a:off x="2244720" y="478760"/>
+              <a:ext cx="1503000" cy="1173240"/>
+            </p14:xfrm>
+          </p:contentPart>
+        </mc:Choice>
+        <mc:Fallback>
+          <p:pic>
+            <p:nvPicPr>
+              <p:cNvPr id="2" name="Ink 1">
+                <a:extLst>
+                  <a:ext uri="{FF2B5EF4-FFF2-40B4-BE49-F238E27FC236}">
+                    <a16:creationId xmlns:a16="http://schemas.microsoft.com/office/drawing/2014/main" id="{1D5D3260-4514-D441-1846-D7F722DB4B6E}"/>
+                  </a:ext>
+                </a:extLst>
+              </p:cNvPr>
+              <p:cNvPicPr/>
+              <p:nvPr/>
+            </p:nvPicPr>
+            <p:blipFill>
+              <a:blip r:embed="rId3"/>
+              <a:stretch>
+                <a:fillRect/>
+              </a:stretch>
+            </p:blipFill>
+            <p:spPr>
+              <a:xfrm>
+                <a:off x="2236080" y="470120"/>
+                <a:ext cx="1520640" cy="1190880"/>
+              </a:xfrm>
+              <a:prstGeom prst="rect">
+                <a:avLst/>
+              </a:prstGeom>
+            </p:spPr>
+          </p:pic>
+        </mc:Fallback>
+      </mc:AlternateContent>
     </p:spTree>
     <p:extLst>
       <p:ext uri="{BB962C8B-B14F-4D97-AF65-F5344CB8AC3E}">
         <p14:creationId xmlns:p14="http://schemas.microsoft.com/office/powerpoint/2010/main" val="1182669216"/>
-      </p:ext>
-    </p:extLst>
-  </p:cSld>
-  <p:clrMapOvr>
-    <a:masterClrMapping/>
-  </p:clrMapOvr>
-</p:sld>
-</file>
-
-<file path=ppt/slides/slide5.xml><?xml version="1.0" encoding="utf-8"?>
-<p:sld xmlns:a="http://schemas.openxmlformats.org/drawingml/2006/main" xmlns:r="http://schemas.openxmlformats.org/officeDocument/2006/relationships" xmlns:p="http://schemas.openxmlformats.org/presentationml/2006/main">
-  <p:cSld>
-    <p:spTree>
-      <p:nvGrpSpPr>
-        <p:cNvPr id="1" name=""/>
-        <p:cNvGrpSpPr/>
-        <p:nvPr/>
-      </p:nvGrpSpPr>
-      <p:grpSpPr>
-        <a:xfrm>
-          <a:off x="0" y="0"/>
-          <a:ext cx="0" cy="0"/>
-          <a:chOff x="0" y="0"/>
-          <a:chExt cx="0" cy="0"/>
-        </a:xfrm>
-      </p:grpSpPr>
-      <p:graphicFrame>
-        <p:nvGraphicFramePr>
-          <p:cNvPr id="3" name="Table 2">
-            <a:extLst>
-              <a:ext uri="{FF2B5EF4-FFF2-40B4-BE49-F238E27FC236}">
-                <a16:creationId xmlns:a16="http://schemas.microsoft.com/office/drawing/2014/main" id="{AA114772-E79F-2BF5-6062-0DA4BFF537DD}"/>
-              </a:ext>
-            </a:extLst>
-          </p:cNvPr>
-          <p:cNvGraphicFramePr>
-            <a:graphicFrameLocks noGrp="1"/>
-          </p:cNvGraphicFramePr>
-          <p:nvPr>
-            <p:extLst>
-              <p:ext uri="{D42A27DB-BD31-4B8C-83A1-F6EECF244321}">
-                <p14:modId xmlns:p14="http://schemas.microsoft.com/office/powerpoint/2010/main" val="1608797648"/>
-              </p:ext>
-            </p:extLst>
-          </p:nvPr>
-        </p:nvGraphicFramePr>
-        <p:xfrm>
-          <a:off x="2690529" y="1702249"/>
-          <a:ext cx="2305049" cy="613832"/>
-        </p:xfrm>
-        <a:graphic>
-          <a:graphicData uri="http://schemas.openxmlformats.org/drawingml/2006/table">
-            <a:tbl>
-              <a:tblPr firstRow="1" bandRow="1">
-                <a:tableStyleId>{5C22544A-7EE6-4342-B048-85BDC9FD1C3A}</a:tableStyleId>
-              </a:tblPr>
-              <a:tblGrid>
-                <a:gridCol w="2305049">
-                  <a:extLst>
-                    <a:ext uri="{9D8B030D-6E8A-4147-A177-3AD203B41FA5}">
-                      <a16:colId xmlns:a16="http://schemas.microsoft.com/office/drawing/2014/main" val="2669780779"/>
-                    </a:ext>
-                  </a:extLst>
-                </a:gridCol>
-              </a:tblGrid>
-              <a:tr h="613832">
-                <a:tc>
-                  <a:txBody>
-                    <a:bodyPr/>
-                    <a:lstStyle/>
-                    <a:p>
-                      <a:pPr algn="ctr">
-                        <a:lnSpc>
-                          <a:spcPct val="150000"/>
-                        </a:lnSpc>
-                      </a:pPr>
-                      <a:r>
-                        <a:rPr lang="en-US" sz="2000" b="1" dirty="0"/>
-                        <a:t>Manager</a:t>
-                      </a:r>
-                    </a:p>
-                  </a:txBody>
-                  <a:tcPr>
-                    <a:solidFill>
-                      <a:schemeClr val="accent4">
-                        <a:lumMod val="75000"/>
-                      </a:schemeClr>
-                    </a:solidFill>
-                  </a:tcPr>
-                </a:tc>
-                <a:extLst>
-                  <a:ext uri="{0D108BD9-81ED-4DB2-BD59-A6C34878D82A}">
-                    <a16:rowId xmlns:a16="http://schemas.microsoft.com/office/drawing/2014/main" val="2092005147"/>
-                  </a:ext>
-                </a:extLst>
-              </a:tr>
-            </a:tbl>
-          </a:graphicData>
-        </a:graphic>
-      </p:graphicFrame>
-      <p:graphicFrame>
-        <p:nvGraphicFramePr>
-          <p:cNvPr id="4" name="Table 3">
-            <a:extLst>
-              <a:ext uri="{FF2B5EF4-FFF2-40B4-BE49-F238E27FC236}">
-                <a16:creationId xmlns:a16="http://schemas.microsoft.com/office/drawing/2014/main" id="{FA8828DF-395E-A7AB-5299-A7EA8962F1D6}"/>
-              </a:ext>
-            </a:extLst>
-          </p:cNvPr>
-          <p:cNvGraphicFramePr>
-            <a:graphicFrameLocks noGrp="1"/>
-          </p:cNvGraphicFramePr>
-          <p:nvPr>
-            <p:extLst>
-              <p:ext uri="{D42A27DB-BD31-4B8C-83A1-F6EECF244321}">
-                <p14:modId xmlns:p14="http://schemas.microsoft.com/office/powerpoint/2010/main" val="2466062371"/>
-              </p:ext>
-            </p:extLst>
-          </p:nvPr>
-        </p:nvGraphicFramePr>
-        <p:xfrm>
-          <a:off x="2020062" y="3429000"/>
-          <a:ext cx="3256850" cy="1920240"/>
-        </p:xfrm>
-        <a:graphic>
-          <a:graphicData uri="http://schemas.openxmlformats.org/drawingml/2006/table">
-            <a:tbl>
-              <a:tblPr firstRow="1" bandRow="1">
-                <a:tableStyleId>{5C22544A-7EE6-4342-B048-85BDC9FD1C3A}</a:tableStyleId>
-              </a:tblPr>
-              <a:tblGrid>
-                <a:gridCol w="3256850">
-                  <a:extLst>
-                    <a:ext uri="{9D8B030D-6E8A-4147-A177-3AD203B41FA5}">
-                      <a16:colId xmlns:a16="http://schemas.microsoft.com/office/drawing/2014/main" val="2669780779"/>
-                    </a:ext>
-                  </a:extLst>
-                </a:gridCol>
-              </a:tblGrid>
-              <a:tr h="613832">
-                <a:tc>
-                  <a:txBody>
-                    <a:bodyPr/>
-                    <a:lstStyle/>
-                    <a:p>
-                      <a:pPr algn="ctr">
-                        <a:lnSpc>
-                          <a:spcPct val="150000"/>
-                        </a:lnSpc>
-                      </a:pPr>
-                      <a:r>
-                        <a:rPr lang="en-US" sz="2000" b="1" dirty="0" err="1"/>
-                        <a:t>MonthPayment</a:t>
-                      </a:r>
-                      <a:endParaRPr lang="en-US" sz="2000" b="1" dirty="0"/>
-                    </a:p>
-                    <a:p>
-                      <a:pPr algn="l">
-                        <a:lnSpc>
-                          <a:spcPct val="150000"/>
-                        </a:lnSpc>
-                      </a:pPr>
-                      <a:r>
-                        <a:rPr lang="en-US" sz="2000" b="0" dirty="0"/>
-                        <a:t>-     month : string</a:t>
-                      </a:r>
-                    </a:p>
-                    <a:p>
-                      <a:pPr marL="342900" indent="-342900" algn="l">
-                        <a:lnSpc>
-                          <a:spcPct val="100000"/>
-                        </a:lnSpc>
-                        <a:buFontTx/>
-                        <a:buChar char="-"/>
-                      </a:pPr>
-                      <a:r>
-                        <a:rPr lang="en-US" sz="2000" b="0" dirty="0" err="1"/>
-                        <a:t>foodIngredients:number</a:t>
-                      </a:r>
-                      <a:endParaRPr lang="en-US" sz="2000" b="0" dirty="0"/>
-                    </a:p>
-                    <a:p>
-                      <a:pPr marL="342900" indent="-342900" algn="l">
-                        <a:lnSpc>
-                          <a:spcPct val="100000"/>
-                        </a:lnSpc>
-                        <a:buFontTx/>
-                        <a:buChar char="-"/>
-                      </a:pPr>
-                      <a:r>
-                        <a:rPr lang="en-US" sz="2000" b="0" dirty="0" err="1"/>
-                        <a:t>RestProperty</a:t>
-                      </a:r>
-                      <a:r>
-                        <a:rPr lang="en-US" sz="2000" b="0" dirty="0"/>
-                        <a:t> : number </a:t>
-                      </a:r>
-                    </a:p>
-                    <a:p>
-                      <a:pPr marL="342900" indent="-342900" algn="l">
-                        <a:lnSpc>
-                          <a:spcPct val="100000"/>
-                        </a:lnSpc>
-                        <a:buFontTx/>
-                        <a:buChar char="-"/>
-                      </a:pPr>
-                      <a:r>
-                        <a:rPr lang="en-US" sz="2000" b="0" dirty="0"/>
-                        <a:t>total : number </a:t>
-                      </a:r>
-                    </a:p>
-                  </a:txBody>
-                  <a:tcPr/>
-                </a:tc>
-                <a:extLst>
-                  <a:ext uri="{0D108BD9-81ED-4DB2-BD59-A6C34878D82A}">
-                    <a16:rowId xmlns:a16="http://schemas.microsoft.com/office/drawing/2014/main" val="2092005147"/>
-                  </a:ext>
-                </a:extLst>
-              </a:tr>
-            </a:tbl>
-          </a:graphicData>
-        </a:graphic>
-      </p:graphicFrame>
-      <p:graphicFrame>
-        <p:nvGraphicFramePr>
-          <p:cNvPr id="5" name="Table 4">
-            <a:extLst>
-              <a:ext uri="{FF2B5EF4-FFF2-40B4-BE49-F238E27FC236}">
-                <a16:creationId xmlns:a16="http://schemas.microsoft.com/office/drawing/2014/main" id="{3BFC1DB3-EEEE-EAE8-A815-EF2760BF6091}"/>
-              </a:ext>
-            </a:extLst>
-          </p:cNvPr>
-          <p:cNvGraphicFramePr>
-            <a:graphicFrameLocks noGrp="1"/>
-          </p:cNvGraphicFramePr>
-          <p:nvPr>
-            <p:extLst>
-              <p:ext uri="{D42A27DB-BD31-4B8C-83A1-F6EECF244321}">
-                <p14:modId xmlns:p14="http://schemas.microsoft.com/office/powerpoint/2010/main" val="1788171891"/>
-              </p:ext>
-            </p:extLst>
-          </p:nvPr>
-        </p:nvGraphicFramePr>
-        <p:xfrm>
-          <a:off x="7553758" y="4297846"/>
-          <a:ext cx="2305049" cy="613832"/>
-        </p:xfrm>
-        <a:graphic>
-          <a:graphicData uri="http://schemas.openxmlformats.org/drawingml/2006/table">
-            <a:tbl>
-              <a:tblPr firstRow="1" bandRow="1">
-                <a:tableStyleId>{5C22544A-7EE6-4342-B048-85BDC9FD1C3A}</a:tableStyleId>
-              </a:tblPr>
-              <a:tblGrid>
-                <a:gridCol w="2305049">
-                  <a:extLst>
-                    <a:ext uri="{9D8B030D-6E8A-4147-A177-3AD203B41FA5}">
-                      <a16:colId xmlns:a16="http://schemas.microsoft.com/office/drawing/2014/main" val="2669780779"/>
-                    </a:ext>
-                  </a:extLst>
-                </a:gridCol>
-              </a:tblGrid>
-              <a:tr h="613832">
-                <a:tc>
-                  <a:txBody>
-                    <a:bodyPr/>
-                    <a:lstStyle/>
-                    <a:p>
-                      <a:pPr algn="ctr">
-                        <a:lnSpc>
-                          <a:spcPct val="150000"/>
-                        </a:lnSpc>
-                      </a:pPr>
-                      <a:r>
-                        <a:rPr lang="en-US" sz="2000" b="1" dirty="0" err="1"/>
-                        <a:t>StaffList</a:t>
-                      </a:r>
-                      <a:endParaRPr lang="en-US" sz="2000" b="1" dirty="0"/>
-                    </a:p>
-                  </a:txBody>
-                  <a:tcPr/>
-                </a:tc>
-                <a:extLst>
-                  <a:ext uri="{0D108BD9-81ED-4DB2-BD59-A6C34878D82A}">
-                    <a16:rowId xmlns:a16="http://schemas.microsoft.com/office/drawing/2014/main" val="2092005147"/>
-                  </a:ext>
-                </a:extLst>
-              </a:tr>
-            </a:tbl>
-          </a:graphicData>
-        </a:graphic>
-      </p:graphicFrame>
-      <p:cxnSp>
-        <p:nvCxnSpPr>
-          <p:cNvPr id="10" name="Straight Arrow Connector 9">
-            <a:extLst>
-              <a:ext uri="{FF2B5EF4-FFF2-40B4-BE49-F238E27FC236}">
-                <a16:creationId xmlns:a16="http://schemas.microsoft.com/office/drawing/2014/main" id="{AD36319C-5602-54C3-69DC-48BA18180426}"/>
-              </a:ext>
-            </a:extLst>
-          </p:cNvPr>
-          <p:cNvCxnSpPr>
-            <a:cxnSpLocks/>
-          </p:cNvCxnSpPr>
-          <p:nvPr/>
-        </p:nvCxnSpPr>
-        <p:spPr>
-          <a:xfrm>
-            <a:off x="5385094" y="4558159"/>
-            <a:ext cx="1996781" cy="46603"/>
-          </a:xfrm>
-          <a:prstGeom prst="straightConnector1">
-            <a:avLst/>
-          </a:prstGeom>
-          <a:ln>
-            <a:tailEnd type="triangle"/>
-          </a:ln>
-        </p:spPr>
-        <p:style>
-          <a:lnRef idx="3">
-            <a:schemeClr val="accent1"/>
-          </a:lnRef>
-          <a:fillRef idx="0">
-            <a:schemeClr val="accent1"/>
-          </a:fillRef>
-          <a:effectRef idx="2">
-            <a:schemeClr val="accent1"/>
-          </a:effectRef>
-          <a:fontRef idx="minor">
-            <a:schemeClr val="tx1"/>
-          </a:fontRef>
-        </p:style>
-      </p:cxnSp>
-      <p:sp>
-        <p:nvSpPr>
-          <p:cNvPr id="11" name="TextBox 10">
-            <a:extLst>
-              <a:ext uri="{FF2B5EF4-FFF2-40B4-BE49-F238E27FC236}">
-                <a16:creationId xmlns:a16="http://schemas.microsoft.com/office/drawing/2014/main" id="{15C0AEE5-AE81-A58E-7772-70797CA5E414}"/>
-              </a:ext>
-            </a:extLst>
-          </p:cNvPr>
-          <p:cNvSpPr txBox="1"/>
-          <p:nvPr/>
-        </p:nvSpPr>
-        <p:spPr>
-          <a:xfrm>
-            <a:off x="7095942" y="4235430"/>
-            <a:ext cx="187609" cy="369332"/>
-          </a:xfrm>
-          <a:prstGeom prst="rect">
-            <a:avLst/>
-          </a:prstGeom>
-          <a:noFill/>
-        </p:spPr>
-        <p:txBody>
-          <a:bodyPr wrap="square" rtlCol="0">
-            <a:spAutoFit/>
-          </a:bodyPr>
-          <a:lstStyle/>
-          <a:p>
-            <a:r>
-              <a:rPr lang="en-US" dirty="0"/>
-              <a:t>1</a:t>
-            </a:r>
-          </a:p>
-        </p:txBody>
-      </p:sp>
-      <p:cxnSp>
-        <p:nvCxnSpPr>
-          <p:cNvPr id="19" name="Straight Arrow Connector 18">
-            <a:extLst>
-              <a:ext uri="{FF2B5EF4-FFF2-40B4-BE49-F238E27FC236}">
-                <a16:creationId xmlns:a16="http://schemas.microsoft.com/office/drawing/2014/main" id="{2A7920B3-F6C6-C8B0-3212-CF87FCFE8750}"/>
-              </a:ext>
-            </a:extLst>
-          </p:cNvPr>
-          <p:cNvCxnSpPr>
-            <a:cxnSpLocks/>
-          </p:cNvCxnSpPr>
-          <p:nvPr/>
-        </p:nvCxnSpPr>
-        <p:spPr>
-          <a:xfrm flipH="1">
-            <a:off x="3735398" y="2390027"/>
-            <a:ext cx="17513" cy="891081"/>
-          </a:xfrm>
-          <a:prstGeom prst="straightConnector1">
-            <a:avLst/>
-          </a:prstGeom>
-          <a:ln>
-            <a:tailEnd type="triangle"/>
-          </a:ln>
-        </p:spPr>
-        <p:style>
-          <a:lnRef idx="3">
-            <a:schemeClr val="accent1"/>
-          </a:lnRef>
-          <a:fillRef idx="0">
-            <a:schemeClr val="accent1"/>
-          </a:fillRef>
-          <a:effectRef idx="2">
-            <a:schemeClr val="accent1"/>
-          </a:effectRef>
-          <a:fontRef idx="minor">
-            <a:schemeClr val="tx1"/>
-          </a:fontRef>
-        </p:style>
-      </p:cxnSp>
-      <p:sp>
-        <p:nvSpPr>
-          <p:cNvPr id="22" name="TextBox 21">
-            <a:extLst>
-              <a:ext uri="{FF2B5EF4-FFF2-40B4-BE49-F238E27FC236}">
-                <a16:creationId xmlns:a16="http://schemas.microsoft.com/office/drawing/2014/main" id="{62055CBB-E625-4DED-C521-5807E01B8DA3}"/>
-              </a:ext>
-            </a:extLst>
-          </p:cNvPr>
-          <p:cNvSpPr txBox="1"/>
-          <p:nvPr/>
-        </p:nvSpPr>
-        <p:spPr>
-          <a:xfrm>
-            <a:off x="3843054" y="2927165"/>
-            <a:ext cx="285637" cy="707886"/>
-          </a:xfrm>
-          <a:prstGeom prst="rect">
-            <a:avLst/>
-          </a:prstGeom>
-          <a:noFill/>
-        </p:spPr>
-        <p:txBody>
-          <a:bodyPr wrap="square" rtlCol="0">
-            <a:spAutoFit/>
-          </a:bodyPr>
-          <a:lstStyle/>
-          <a:p>
-            <a:r>
-              <a:rPr lang="en-US" sz="4000" dirty="0"/>
-              <a:t>*</a:t>
-            </a:r>
-          </a:p>
-        </p:txBody>
-      </p:sp>
-    </p:spTree>
-    <p:extLst>
-      <p:ext uri="{BB962C8B-B14F-4D97-AF65-F5344CB8AC3E}">
-        <p14:creationId xmlns:p14="http://schemas.microsoft.com/office/powerpoint/2010/main" val="3302752763"/>
       </p:ext>
     </p:extLst>
   </p:cSld>

--- a/Presentation1.pptx
+++ b/Presentation1.pptx
@@ -6,10 +6,10 @@
   </p:sldMasterIdLst>
   <p:sldIdLst>
     <p:sldId id="256" r:id="rId2"/>
-    <p:sldId id="260" r:id="rId3"/>
-    <p:sldId id="257" r:id="rId4"/>
-    <p:sldId id="258" r:id="rId5"/>
-    <p:sldId id="259" r:id="rId6"/>
+    <p:sldId id="257" r:id="rId3"/>
+    <p:sldId id="261" r:id="rId4"/>
+    <p:sldId id="259" r:id="rId5"/>
+    <p:sldId id="258" r:id="rId6"/>
   </p:sldIdLst>
   <p:sldSz cx="12192000" cy="6858000"/>
   <p:notesSz cx="6858000" cy="9144000"/>
@@ -116,198 +116,6 @@
 </p:presentation>
 </file>
 
-<file path=ppt/ink/ink1.xml><?xml version="1.0" encoding="utf-8"?>
-<inkml:ink xmlns:inkml="http://www.w3.org/2003/InkML">
-  <inkml:definitions>
-    <inkml:context xml:id="ctx0">
-      <inkml:inkSource xml:id="inkSrc0">
-        <inkml:traceFormat>
-          <inkml:channel name="X" type="integer" min="-2.14748E9" max="2.14748E9" units="cm"/>
-          <inkml:channel name="Y" type="integer" min="-2.14748E9" max="2.14748E9" units="cm"/>
-          <inkml:channel name="F" type="integer" max="32767" units="dev"/>
-        </inkml:traceFormat>
-        <inkml:channelProperties>
-          <inkml:channelProperty channel="X" name="resolution" value="1000" units="1/cm"/>
-          <inkml:channelProperty channel="Y" name="resolution" value="1000" units="1/cm"/>
-          <inkml:channelProperty channel="F" name="resolution" value="0" units="1/dev"/>
-        </inkml:channelProperties>
-      </inkml:inkSource>
-      <inkml:timestamp xml:id="ts0" timeString="2022-06-27T02:56:59.687"/>
-    </inkml:context>
-    <inkml:brush xml:id="br0">
-      <inkml:brushProperty name="width" value="0.05" units="cm"/>
-      <inkml:brushProperty name="height" value="0.05" units="cm"/>
-      <inkml:brushProperty name="color" value="#AE198D"/>
-      <inkml:brushProperty name="inkEffects" value="galaxy"/>
-      <inkml:brushProperty name="anchorX" value="0"/>
-      <inkml:brushProperty name="anchorY" value="0"/>
-      <inkml:brushProperty name="scaleFactor" value="0.5"/>
-    </inkml:brush>
-  </inkml:definitions>
-  <inkml:trace contextRef="#ctx0" brushRef="#br0">1 0 24575,'0'0'0</inkml:trace>
-</inkml:ink>
-</file>
-
-<file path=ppt/ink/ink2.xml><?xml version="1.0" encoding="utf-8"?>
-<inkml:ink xmlns:inkml="http://www.w3.org/2003/InkML">
-  <inkml:definitions>
-    <inkml:context xml:id="ctx0">
-      <inkml:inkSource xml:id="inkSrc0">
-        <inkml:traceFormat>
-          <inkml:channel name="X" type="integer" min="-2.14748E9" max="2.14748E9" units="cm"/>
-          <inkml:channel name="Y" type="integer" min="-2.14748E9" max="2.14748E9" units="cm"/>
-          <inkml:channel name="F" type="integer" max="32767" units="dev"/>
-        </inkml:traceFormat>
-        <inkml:channelProperties>
-          <inkml:channelProperty channel="X" name="resolution" value="1000" units="1/cm"/>
-          <inkml:channelProperty channel="Y" name="resolution" value="1000" units="1/cm"/>
-          <inkml:channelProperty channel="F" name="resolution" value="0" units="1/dev"/>
-        </inkml:channelProperties>
-      </inkml:inkSource>
-      <inkml:timestamp xml:id="ts0" timeString="2022-06-27T02:57:01.041"/>
-    </inkml:context>
-    <inkml:brush xml:id="br0">
-      <inkml:brushProperty name="width" value="0.05" units="cm"/>
-      <inkml:brushProperty name="height" value="0.05" units="cm"/>
-      <inkml:brushProperty name="color" value="#AE198D"/>
-      <inkml:brushProperty name="inkEffects" value="galaxy"/>
-      <inkml:brushProperty name="anchorX" value="-846.66669"/>
-      <inkml:brushProperty name="anchorY" value="-846.66669"/>
-      <inkml:brushProperty name="scaleFactor" value="0.5"/>
-    </inkml:brush>
-  </inkml:definitions>
-  <inkml:trace contextRef="#ctx0" brushRef="#br0">1 1640 24575,'0'0'0,"0"5"0,0 7 0,0 6 0,0 4 0,0 9 0,0 2 0,0 2 0,0-1 0,0 4 0,0 5 0,5 5 0,6 3 0,1 3 0,-2 13 0,-1-4 0,-4 0 0,10 9 0,-2-1 0,-1-7 0,-3-3 0,-2-10 0,-3-6 0,-2-2 0,-2-4 0,0-4 0,0-13 0,-1-20 0,6-19 0,12-33 0,6-24 0,21-47 0,32-43 0,52-47 0,43-34-2293,37-6 2948,10 7-982,4 12-2557,-9 23 3708,-15 15-1236,-30 31-1252,-20 25 2139,-28 28-930,-25 22 517,-23 27 1694,-13 18-2266,-13 11 3634,-4 6-3944,0 4 3328,3 6-3108,3-1 1205,3 4-692,3 3 130,-5 4-43,-4 3 0,0 1 0,-4 2 0,-3 1 0,-4-1 0,-3 1 0,-1-1 0,-8 1 0</inkml:trace>
-</inkml:ink>
-</file>
-
-<file path=ppt/ink/ink3.xml><?xml version="1.0" encoding="utf-8"?>
-<inkml:ink xmlns:inkml="http://www.w3.org/2003/InkML">
-  <inkml:definitions>
-    <inkml:context xml:id="ctx0">
-      <inkml:inkSource xml:id="inkSrc0">
-        <inkml:traceFormat>
-          <inkml:channel name="X" type="integer" min="-2.14748E9" max="2.14748E9" units="cm"/>
-          <inkml:channel name="Y" type="integer" min="-2.14748E9" max="2.14748E9" units="cm"/>
-          <inkml:channel name="F" type="integer" max="32767" units="dev"/>
-        </inkml:traceFormat>
-        <inkml:channelProperties>
-          <inkml:channelProperty channel="X" name="resolution" value="1000" units="1/cm"/>
-          <inkml:channelProperty channel="Y" name="resolution" value="1000" units="1/cm"/>
-          <inkml:channelProperty channel="F" name="resolution" value="0" units="1/dev"/>
-        </inkml:channelProperties>
-      </inkml:inkSource>
-      <inkml:timestamp xml:id="ts0" timeString="2022-06-27T02:57:04.760"/>
-    </inkml:context>
-    <inkml:brush xml:id="br0">
-      <inkml:brushProperty name="width" value="0.05" units="cm"/>
-      <inkml:brushProperty name="height" value="0.05" units="cm"/>
-      <inkml:brushProperty name="color" value="#AE198D"/>
-      <inkml:brushProperty name="inkEffects" value="galaxy"/>
-      <inkml:brushProperty name="anchorX" value="-4655.0625"/>
-      <inkml:brushProperty name="anchorY" value="-56.1634"/>
-      <inkml:brushProperty name="scaleFactor" value="0.5"/>
-    </inkml:brush>
-  </inkml:definitions>
-  <inkml:trace contextRef="#ctx0" brushRef="#br0">1 996 24575,'0'0'0,"4"0"0,8 6 0,6 11 0,9 11 0,4 17 0,3 14 0,5 22 0,0 9 0,-8 5 0,-1 12 0,-9-6 0,-6-9 0,-6-10 0,-5-10 0,-2-7 0,-2-11 0,-1-9 0,-1-7 0,6-11 0,7-9 0,5-8 0,6-5 0,-3-10 0,9-2 0,1 0 0,1-6 0,1-3 0,16-5 0,23-20 0,34-20 0,20-29 0,25-16 0,20-11-905,9-16 1163,15-1-387,6 2 129,15-8-1567,23-2 2015,34 0-2768,26 4 2919,16 12-3772,2 12 3994,-9 11-1231,-24 20-904,-30 6 1689,-23 21-563,-34 11 453,-29 10-340,-23 11 1665,-23 9-2033,-16 8 3626,0 4-4029,-13 3 3851,-9 2-3743,-9-1 2337,-14 1-1950,-10 0 691,-9-1-387,-7 0 70,-10-1-23</inkml:trace>
-</inkml:ink>
-</file>
-
-<file path=ppt/ink/ink4.xml><?xml version="1.0" encoding="utf-8"?>
-<inkml:ink xmlns:inkml="http://www.w3.org/2003/InkML">
-  <inkml:definitions>
-    <inkml:context xml:id="ctx0">
-      <inkml:inkSource xml:id="inkSrc0">
-        <inkml:traceFormat>
-          <inkml:channel name="X" type="integer" min="-2.14748E9" max="2.14748E9" units="cm"/>
-          <inkml:channel name="Y" type="integer" min="-2.14748E9" max="2.14748E9" units="cm"/>
-          <inkml:channel name="F" type="integer" max="32767" units="dev"/>
-        </inkml:traceFormat>
-        <inkml:channelProperties>
-          <inkml:channelProperty channel="X" name="resolution" value="1000" units="1/cm"/>
-          <inkml:channelProperty channel="Y" name="resolution" value="1000" units="1/cm"/>
-          <inkml:channelProperty channel="F" name="resolution" value="0" units="1/dev"/>
-        </inkml:channelProperties>
-      </inkml:inkSource>
-      <inkml:timestamp xml:id="ts0" timeString="2022-06-27T02:57:08.773"/>
-    </inkml:context>
-    <inkml:brush xml:id="br0">
-      <inkml:brushProperty name="width" value="0.05" units="cm"/>
-      <inkml:brushProperty name="height" value="0.05" units="cm"/>
-      <inkml:brushProperty name="color" value="#AE198D"/>
-      <inkml:brushProperty name="inkEffects" value="galaxy"/>
-      <inkml:brushProperty name="anchorX" value="-11236.59961"/>
-      <inkml:brushProperty name="anchorY" value="84.13408"/>
-      <inkml:brushProperty name="scaleFactor" value="0.5"/>
-    </inkml:brush>
-  </inkml:definitions>
-  <inkml:trace contextRef="#ctx0" brushRef="#br0">0 1170 24575,'0'0'0,"5"5"0,7 7 0,0 11 0,4 10 0,4 4 0,-3 7 0,-3 5 0,2 8 0,1 10 0,-2 0 0,2 12 0,3 4 0,-3 3 0,7 2 0,2 10 0,-3 1 0,-5 0 0,-5-9 0,-5-4 0,-4-8 0,-3-7 0,-1-12 0,-1-4 0,0-9 0,0-7 0,1-4 0,-1-16 0,2-19 0,-1 1 0,0-1 0,0 0 0,0 0 0,0 0 0,0 1 0,0-1 0,0 0 0,0 0 0,0 0 0,0 1 0,0-1 0,0 0 0,0 0 0,0 0 0,0 1 0,0-1 0,1 0 0,-1 0 0,0 0 0,0 1 0,0-1 0,0 0 0,0 0 0,1 0 0,-1 0 0,0 0 0,0 0 0,0 1 0,1-1 0,-1 0 0,0 0 0,0 0 0,0 0 0,1 0 0,-1 0 0,0 0 0,6-7 0,5-15 0,6-8 0,3 1 0,5-5 0,7-6 0,18-11 0,31-22 0,44-15 0,42-18 0,36-9-2134,10 1 2744,-6 10-915,-13 7 305,-22 12-1012,-25 15 1301,-22 3-847,-24 12 676,-19 8-177,-8 2 59,-8 5 1994,-1 5-2564,4-3 1944,15-15-1685,27-16 943,27-10-768,23-18 204,29-14-1195,24-8 1449,18-8-2407,14-1 2635,-15 8-825,-19 14 275,-38 20 0,-38 20-412,-31 15 530,-25 18-177,-27 8 59,-15 10 1011,-16 1-1300,-6 4 2413,0 4-2689,0 2 1320,4 2-890,2 1 202,3 1-67,2 1 0,-5-6 0,0-1 0,1 1 0,-4-5 0,-5-5 0,-11 2 0,-4 1 0</inkml:trace>
-</inkml:ink>
-</file>
-
-<file path=ppt/ink/ink5.xml><?xml version="1.0" encoding="utf-8"?>
-<inkml:ink xmlns:inkml="http://www.w3.org/2003/InkML">
-  <inkml:definitions>
-    <inkml:context xml:id="ctx0">
-      <inkml:inkSource xml:id="inkSrc0">
-        <inkml:traceFormat>
-          <inkml:channel name="X" type="integer" min="-2.14748E9" max="2.14748E9" units="cm"/>
-          <inkml:channel name="Y" type="integer" min="-2.14748E9" max="2.14748E9" units="cm"/>
-          <inkml:channel name="F" type="integer" max="32767" units="dev"/>
-        </inkml:traceFormat>
-        <inkml:channelProperties>
-          <inkml:channelProperty channel="X" name="resolution" value="1000" units="1/cm"/>
-          <inkml:channelProperty channel="Y" name="resolution" value="1000" units="1/cm"/>
-          <inkml:channelProperty channel="F" name="resolution" value="0" units="1/dev"/>
-        </inkml:channelProperties>
-      </inkml:inkSource>
-      <inkml:timestamp xml:id="ts0" timeString="2022-06-27T02:57:12.193"/>
-    </inkml:context>
-    <inkml:brush xml:id="br0">
-      <inkml:brushProperty name="width" value="0.05" units="cm"/>
-      <inkml:brushProperty name="height" value="0.05" units="cm"/>
-      <inkml:brushProperty name="color" value="#AE198D"/>
-      <inkml:brushProperty name="inkEffects" value="galaxy"/>
-      <inkml:brushProperty name="anchorX" value="-17322.41406"/>
-      <inkml:brushProperty name="anchorY" value="406.30624"/>
-      <inkml:brushProperty name="scaleFactor" value="0.5"/>
-    </inkml:brush>
-  </inkml:definitions>
-  <inkml:trace contextRef="#ctx0" brushRef="#br0">0 1528 24575,'0'0'0,"5"-5"0,7-2 0,5 1 0,5 2 0,4 6 0,1 13 0,-22-10 0,0 0 0,0 0 0,0 1 0,4 6 0,26 44 0,0 20 0,6 21 0,-7 13 0,-8 13 0,-8 3 0,-7 6 0,-6-2 0,-3 2 0,-2-9 0,-2-9 0,1-10 0,-1-3 0,1-11 0,0-10 0,1-14 0,0-8 0,0-10 0,0-2 0,0-5 0,0 1 0,0-4 0,0-2 0,0-2 0,0-14 0,0-13 0,0-19 0,0-15 0,6-13 0,5-10 0,1-22 0,10-15 0,15-41 0,31-60 0,42-68-2416,51-56 3107,54-48-5638,31-7 6262,24 25-1973,-2 28 658,-24 53 0,-26 48-1791,-33 53 2303,-33 47-768,-27 38-10,-26 21 342,-20 16 1553,-7 10-2106,-3 10 5211,1 1-6019,-2 0 4418,3 4-3844,-2 3 1489,-4 3-899,-7 3 181,-3 2-60,-8 1 0,-6 1 0,-5 1 0,-4 0 0,-9-1 0</inkml:trace>
-</inkml:ink>
-</file>
-
-<file path=ppt/ink/ink6.xml><?xml version="1.0" encoding="utf-8"?>
-<inkml:ink xmlns:inkml="http://www.w3.org/2003/InkML">
-  <inkml:definitions>
-    <inkml:context xml:id="ctx0">
-      <inkml:inkSource xml:id="inkSrc0">
-        <inkml:traceFormat>
-          <inkml:channel name="X" type="integer" min="-2.14748E9" max="2.14748E9" units="cm"/>
-          <inkml:channel name="Y" type="integer" min="-2.14748E9" max="2.14748E9" units="cm"/>
-          <inkml:channel name="F" type="integer" max="32767" units="dev"/>
-        </inkml:traceFormat>
-        <inkml:channelProperties>
-          <inkml:channelProperty channel="X" name="resolution" value="1000" units="1/cm"/>
-          <inkml:channelProperty channel="Y" name="resolution" value="1000" units="1/cm"/>
-          <inkml:channelProperty channel="F" name="resolution" value="0" units="1/dev"/>
-        </inkml:channelProperties>
-      </inkml:inkSource>
-      <inkml:timestamp xml:id="ts0" timeString="2022-06-27T02:57:16.504"/>
-    </inkml:context>
-    <inkml:brush xml:id="br0">
-      <inkml:brushProperty name="width" value="0.05" units="cm"/>
-      <inkml:brushProperty name="height" value="0.05" units="cm"/>
-      <inkml:brushProperty name="color" value="#AE198D"/>
-      <inkml:brushProperty name="inkEffects" value="galaxy"/>
-      <inkml:brushProperty name="anchorX" value="-21811.20313"/>
-      <inkml:brushProperty name="anchorY" value="1085.3645"/>
-      <inkml:brushProperty name="scaleFactor" value="0.5"/>
-    </inkml:brush>
-  </inkml:definitions>
-  <inkml:trace contextRef="#ctx0" brushRef="#br0">1 1378 24575,'0'0'0,"5"-5"0,7-1 0,6-5 0,4 0 0,3 2 0,3 2 0,1 2 0,0 8 0,0 2 0,-27-3 0,1 0 0,0-1 0,0 1 0,0 0 0,-1 0 0,6 4 0,15 16 0,0 10 0,-5 9 0,7 12 0,-5 11 0,2 20 0,7 35 0,2 17 0,0 22 0,-4 0 0,-2 0 0,-7-14 0,-4-11 0,-6-20 0,-4-8 0,-2-9 0,-2-11 0,-1-10 0,0-14 0,0-11 0,0-27 0,2-23 0,-1 0 0,0-1 0,0 1 0,0 0 0,0 0 0,0 0 0,0 0 0,0 0 0,0 0 0,0 0 0,0 0 0,0 0 0,1 0 0,-1 0 0,0-1 0,0 1 0,0 0 0,0 0 0,0 0 0,0 0 0,0 0 0,0 0 0,0 0 0,1 0 0,-1 0 0,0 0 0,0 0 0,0 0 0,0 0 0,0 0 0,0 0 0,0 0 0,1 0 0,-1 0 0,0 0 0,0 0 0,0 0 0,0 0 0,0 0 0,0 0 0,0 0 0,0 0 0,0 1 0,1-1 0,-1 0 0,0 0 0,0 0 0,0 0 0,0 0 0,0 0 0,6-28 0,5-28 0,11-40 0,-1-18 0,9-27 0,12-22 0,31-17 0,45-33 0,49-19-2484,38-37 3193,33-4-4451,18-4 4710,-12 20-1452,-5 28 484,-34 22-2176,-29 41 2797,-30 36-1812,-32 36 1443,-24 29 1359,-72 54-1777,-1 2 1,26-11 0,-30 15 1012,-1 0 0,0 2 0,18-4 0,-13 3-1146,-1 2 0,22 1 0,29 1 3472,4 4-3952,4 2 2496,3 4-2096,8 5 568,-3 5-189,-4 4 0,-7 2 0,-5 8 0,-11-5 0,-8 5 0,-3-5 0,-6 4 0,-9-1 0,3 0 0,-3 0 0,0-7 0,-7-7 0</inkml:trace>
-</inkml:ink>
-</file>
-
 <file path=ppt/slideLayouts/slideLayout1.xml><?xml version="1.0" encoding="utf-8"?>
 <p:sldLayout xmlns:a="http://schemas.openxmlformats.org/drawingml/2006/main" xmlns:r="http://schemas.openxmlformats.org/officeDocument/2006/relationships" xmlns:p="http://schemas.openxmlformats.org/presentationml/2006/main" type="title" preserve="1">
   <p:cSld name="Title Slide">
@@ -455,7 +263,7 @@
           <a:p>
             <a:fld id="{0F7155B5-AE15-4051-A1AE-54AD6478FA97}" type="datetimeFigureOut">
               <a:rPr lang="en-US" smtClean="0"/>
-              <a:t>6/27/2022</a:t>
+              <a:t>6/28/2022</a:t>
             </a:fld>
             <a:endParaRPr lang="en-US"/>
           </a:p>
@@ -653,7 +461,7 @@
           <a:p>
             <a:fld id="{0F7155B5-AE15-4051-A1AE-54AD6478FA97}" type="datetimeFigureOut">
               <a:rPr lang="en-US" smtClean="0"/>
-              <a:t>6/27/2022</a:t>
+              <a:t>6/28/2022</a:t>
             </a:fld>
             <a:endParaRPr lang="en-US"/>
           </a:p>
@@ -861,7 +669,7 @@
           <a:p>
             <a:fld id="{0F7155B5-AE15-4051-A1AE-54AD6478FA97}" type="datetimeFigureOut">
               <a:rPr lang="en-US" smtClean="0"/>
-              <a:t>6/27/2022</a:t>
+              <a:t>6/28/2022</a:t>
             </a:fld>
             <a:endParaRPr lang="en-US"/>
           </a:p>
@@ -1059,7 +867,7 @@
           <a:p>
             <a:fld id="{0F7155B5-AE15-4051-A1AE-54AD6478FA97}" type="datetimeFigureOut">
               <a:rPr lang="en-US" smtClean="0"/>
-              <a:t>6/27/2022</a:t>
+              <a:t>6/28/2022</a:t>
             </a:fld>
             <a:endParaRPr lang="en-US"/>
           </a:p>
@@ -1334,7 +1142,7 @@
           <a:p>
             <a:fld id="{0F7155B5-AE15-4051-A1AE-54AD6478FA97}" type="datetimeFigureOut">
               <a:rPr lang="en-US" smtClean="0"/>
-              <a:t>6/27/2022</a:t>
+              <a:t>6/28/2022</a:t>
             </a:fld>
             <a:endParaRPr lang="en-US"/>
           </a:p>
@@ -1599,7 +1407,7 @@
           <a:p>
             <a:fld id="{0F7155B5-AE15-4051-A1AE-54AD6478FA97}" type="datetimeFigureOut">
               <a:rPr lang="en-US" smtClean="0"/>
-              <a:t>6/27/2022</a:t>
+              <a:t>6/28/2022</a:t>
             </a:fld>
             <a:endParaRPr lang="en-US"/>
           </a:p>
@@ -2011,7 +1819,7 @@
           <a:p>
             <a:fld id="{0F7155B5-AE15-4051-A1AE-54AD6478FA97}" type="datetimeFigureOut">
               <a:rPr lang="en-US" smtClean="0"/>
-              <a:t>6/27/2022</a:t>
+              <a:t>6/28/2022</a:t>
             </a:fld>
             <a:endParaRPr lang="en-US"/>
           </a:p>
@@ -2152,7 +1960,7 @@
           <a:p>
             <a:fld id="{0F7155B5-AE15-4051-A1AE-54AD6478FA97}" type="datetimeFigureOut">
               <a:rPr lang="en-US" smtClean="0"/>
-              <a:t>6/27/2022</a:t>
+              <a:t>6/28/2022</a:t>
             </a:fld>
             <a:endParaRPr lang="en-US"/>
           </a:p>
@@ -2265,7 +2073,7 @@
           <a:p>
             <a:fld id="{0F7155B5-AE15-4051-A1AE-54AD6478FA97}" type="datetimeFigureOut">
               <a:rPr lang="en-US" smtClean="0"/>
-              <a:t>6/27/2022</a:t>
+              <a:t>6/28/2022</a:t>
             </a:fld>
             <a:endParaRPr lang="en-US"/>
           </a:p>
@@ -2576,7 +2384,7 @@
           <a:p>
             <a:fld id="{0F7155B5-AE15-4051-A1AE-54AD6478FA97}" type="datetimeFigureOut">
               <a:rPr lang="en-US" smtClean="0"/>
-              <a:t>6/27/2022</a:t>
+              <a:t>6/28/2022</a:t>
             </a:fld>
             <a:endParaRPr lang="en-US"/>
           </a:p>
@@ -2864,7 +2672,7 @@
           <a:p>
             <a:fld id="{0F7155B5-AE15-4051-A1AE-54AD6478FA97}" type="datetimeFigureOut">
               <a:rPr lang="en-US" smtClean="0"/>
-              <a:t>6/27/2022</a:t>
+              <a:t>6/28/2022</a:t>
             </a:fld>
             <a:endParaRPr lang="en-US"/>
           </a:p>
@@ -3105,7 +2913,7 @@
           <a:p>
             <a:fld id="{0F7155B5-AE15-4051-A1AE-54AD6478FA97}" type="datetimeFigureOut">
               <a:rPr lang="en-US" smtClean="0"/>
-              <a:t>6/27/2022</a:t>
+              <a:t>6/28/2022</a:t>
             </a:fld>
             <a:endParaRPr lang="en-US"/>
           </a:p>
@@ -3545,13 +3353,13 @@
           <p:nvPr>
             <p:extLst>
               <p:ext uri="{D42A27DB-BD31-4B8C-83A1-F6EECF244321}">
-                <p14:modId xmlns:p14="http://schemas.microsoft.com/office/powerpoint/2010/main" val="1496408121"/>
+                <p14:modId xmlns:p14="http://schemas.microsoft.com/office/powerpoint/2010/main" val="851190171"/>
               </p:ext>
             </p:extLst>
           </p:nvPr>
         </p:nvGraphicFramePr>
         <p:xfrm>
-          <a:off x="5120640" y="772162"/>
+          <a:off x="4790440" y="728982"/>
           <a:ext cx="2336800" cy="1127758"/>
         </p:xfrm>
         <a:graphic>
@@ -3603,7 +3411,11 @@
                       </a:r>
                     </a:p>
                   </a:txBody>
-                  <a:tcPr/>
+                  <a:tcPr>
+                    <a:solidFill>
+                      <a:schemeClr val="accent2"/>
+                    </a:solidFill>
+                  </a:tcPr>
                 </a:tc>
                 <a:extLst>
                   <a:ext uri="{0D108BD9-81ED-4DB2-BD59-A6C34878D82A}">
@@ -3630,13 +3442,13 @@
           <p:nvPr>
             <p:extLst>
               <p:ext uri="{D42A27DB-BD31-4B8C-83A1-F6EECF244321}">
-                <p14:modId xmlns:p14="http://schemas.microsoft.com/office/powerpoint/2010/main" val="1773067466"/>
+                <p14:modId xmlns:p14="http://schemas.microsoft.com/office/powerpoint/2010/main" val="279738066"/>
               </p:ext>
             </p:extLst>
           </p:nvPr>
         </p:nvGraphicFramePr>
         <p:xfrm>
-          <a:off x="721357" y="3307080"/>
+          <a:off x="4790440" y="2633980"/>
           <a:ext cx="2336800" cy="777240"/>
         </p:xfrm>
         <a:graphic>
@@ -3667,12 +3479,18 @@
                       </a:pPr>
                       <a:r>
                         <a:rPr lang="en-US" sz="2000" dirty="0" err="1"/>
-                        <a:t>RestaurantInfo</a:t>
+                        <a:t>RestaurantMS</a:t>
                       </a:r>
                       <a:endParaRPr lang="en-US" sz="2000" dirty="0"/>
                     </a:p>
                   </a:txBody>
-                  <a:tcPr/>
+                  <a:tcPr>
+                    <a:solidFill>
+                      <a:schemeClr val="accent4">
+                        <a:lumMod val="75000"/>
+                      </a:schemeClr>
+                    </a:solidFill>
+                  </a:tcPr>
                 </a:tc>
                 <a:extLst>
                   <a:ext uri="{0D108BD9-81ED-4DB2-BD59-A6C34878D82A}">
@@ -3684,12 +3502,58 @@
           </a:graphicData>
         </a:graphic>
       </p:graphicFrame>
+      <p:sp>
+        <p:nvSpPr>
+          <p:cNvPr id="9" name="Arrow: Down 8">
+            <a:extLst>
+              <a:ext uri="{FF2B5EF4-FFF2-40B4-BE49-F238E27FC236}">
+                <a16:creationId xmlns:a16="http://schemas.microsoft.com/office/drawing/2014/main" id="{88EE7183-2C76-885C-418A-EC38DFF27B6D}"/>
+              </a:ext>
+            </a:extLst>
+          </p:cNvPr>
+          <p:cNvSpPr/>
+          <p:nvPr/>
+        </p:nvSpPr>
+        <p:spPr>
+          <a:xfrm rot="10800000">
+            <a:off x="5659121" y="1856740"/>
+            <a:ext cx="599438" cy="777240"/>
+          </a:xfrm>
+          <a:prstGeom prst="downArrow">
+            <a:avLst/>
+          </a:prstGeom>
+        </p:spPr>
+        <p:style>
+          <a:lnRef idx="2">
+            <a:schemeClr val="accent1">
+              <a:shade val="50000"/>
+            </a:schemeClr>
+          </a:lnRef>
+          <a:fillRef idx="1">
+            <a:schemeClr val="accent1"/>
+          </a:fillRef>
+          <a:effectRef idx="0">
+            <a:schemeClr val="accent1"/>
+          </a:effectRef>
+          <a:fontRef idx="minor">
+            <a:schemeClr val="lt1"/>
+          </a:fontRef>
+        </p:style>
+        <p:txBody>
+          <a:bodyPr rtlCol="0" anchor="ctr"/>
+          <a:lstStyle/>
+          <a:p>
+            <a:pPr algn="ctr"/>
+            <a:endParaRPr lang="en-US" dirty="0"/>
+          </a:p>
+        </p:txBody>
+      </p:sp>
       <p:graphicFrame>
         <p:nvGraphicFramePr>
-          <p:cNvPr id="7" name="Table 6">
-            <a:extLst>
-              <a:ext uri="{FF2B5EF4-FFF2-40B4-BE49-F238E27FC236}">
-                <a16:creationId xmlns:a16="http://schemas.microsoft.com/office/drawing/2014/main" id="{B3058D60-F103-560B-ED33-847821D2A167}"/>
+          <p:cNvPr id="5" name="Table 4">
+            <a:extLst>
+              <a:ext uri="{FF2B5EF4-FFF2-40B4-BE49-F238E27FC236}">
+                <a16:creationId xmlns:a16="http://schemas.microsoft.com/office/drawing/2014/main" id="{ED6A6DF3-73B6-2FCE-197A-73508A9307E4}"/>
               </a:ext>
             </a:extLst>
           </p:cNvPr>
@@ -3699,14 +3563,14 @@
           <p:nvPr>
             <p:extLst>
               <p:ext uri="{D42A27DB-BD31-4B8C-83A1-F6EECF244321}">
-                <p14:modId xmlns:p14="http://schemas.microsoft.com/office/powerpoint/2010/main" val="2790697802"/>
+                <p14:modId xmlns:p14="http://schemas.microsoft.com/office/powerpoint/2010/main" val="284064221"/>
               </p:ext>
             </p:extLst>
           </p:nvPr>
         </p:nvGraphicFramePr>
         <p:xfrm>
-          <a:off x="5191760" y="3307080"/>
-          <a:ext cx="2072640" cy="777240"/>
+          <a:off x="4790440" y="4297682"/>
+          <a:ext cx="2336800" cy="777240"/>
         </p:xfrm>
         <a:graphic>
           <a:graphicData uri="http://schemas.openxmlformats.org/drawingml/2006/table">
@@ -3715,7 +3579,7 @@
                 <a:tableStyleId>{5C22544A-7EE6-4342-B048-85BDC9FD1C3A}</a:tableStyleId>
               </a:tblPr>
               <a:tblGrid>
-                <a:gridCol w="2072640">
+                <a:gridCol w="2336800">
                   <a:extLst>
                     <a:ext uri="{9D8B030D-6E8A-4147-A177-3AD203B41FA5}">
                       <a16:colId xmlns:a16="http://schemas.microsoft.com/office/drawing/2014/main" val="2669780779"/>
@@ -3735,12 +3599,19 @@
                         </a:lnSpc>
                       </a:pPr>
                       <a:r>
-                        <a:rPr lang="en-US" sz="2000" dirty="0"/>
-                        <a:t>Customers </a:t>
+                        <a:rPr lang="en-US" sz="2000" dirty="0" err="1"/>
+                        <a:t>CustomerList</a:t>
                       </a:r>
+                      <a:endParaRPr lang="en-US" sz="2000" dirty="0"/>
                     </a:p>
                   </a:txBody>
-                  <a:tcPr/>
+                  <a:tcPr>
+                    <a:solidFill>
+                      <a:schemeClr val="accent4">
+                        <a:lumMod val="75000"/>
+                      </a:schemeClr>
+                    </a:solidFill>
+                  </a:tcPr>
                 </a:tc>
                 <a:extLst>
                   <a:ext uri="{0D108BD9-81ED-4DB2-BD59-A6C34878D82A}">
@@ -3754,10 +3625,10 @@
       </p:graphicFrame>
       <p:graphicFrame>
         <p:nvGraphicFramePr>
-          <p:cNvPr id="8" name="Table 7">
-            <a:extLst>
-              <a:ext uri="{FF2B5EF4-FFF2-40B4-BE49-F238E27FC236}">
-                <a16:creationId xmlns:a16="http://schemas.microsoft.com/office/drawing/2014/main" id="{F97B7547-8DD5-45B0-0429-7F5727ADD597}"/>
+          <p:cNvPr id="7" name="Table 6">
+            <a:extLst>
+              <a:ext uri="{FF2B5EF4-FFF2-40B4-BE49-F238E27FC236}">
+                <a16:creationId xmlns:a16="http://schemas.microsoft.com/office/drawing/2014/main" id="{20E9697E-146C-BCCD-4E1B-1161C70BEFE2}"/>
               </a:ext>
             </a:extLst>
           </p:cNvPr>
@@ -3767,14 +3638,14 @@
           <p:nvPr>
             <p:extLst>
               <p:ext uri="{D42A27DB-BD31-4B8C-83A1-F6EECF244321}">
-                <p14:modId xmlns:p14="http://schemas.microsoft.com/office/powerpoint/2010/main" val="884403874"/>
+                <p14:modId xmlns:p14="http://schemas.microsoft.com/office/powerpoint/2010/main" val="2758039425"/>
               </p:ext>
             </p:extLst>
           </p:nvPr>
         </p:nvGraphicFramePr>
         <p:xfrm>
-          <a:off x="9398003" y="3210560"/>
-          <a:ext cx="2072640" cy="777240"/>
+          <a:off x="680720" y="4297682"/>
+          <a:ext cx="2336800" cy="777240"/>
         </p:xfrm>
         <a:graphic>
           <a:graphicData uri="http://schemas.openxmlformats.org/drawingml/2006/table">
@@ -3783,7 +3654,7 @@
                 <a:tableStyleId>{5C22544A-7EE6-4342-B048-85BDC9FD1C3A}</a:tableStyleId>
               </a:tblPr>
               <a:tblGrid>
-                <a:gridCol w="2072640">
+                <a:gridCol w="2336800">
                   <a:extLst>
                     <a:ext uri="{9D8B030D-6E8A-4147-A177-3AD203B41FA5}">
                       <a16:colId xmlns:a16="http://schemas.microsoft.com/office/drawing/2014/main" val="2669780779"/>
@@ -3803,12 +3674,19 @@
                         </a:lnSpc>
                       </a:pPr>
                       <a:r>
-                        <a:rPr lang="en-US" sz="2000" dirty="0"/>
-                        <a:t>Manager </a:t>
+                        <a:rPr lang="en-US" sz="2000" dirty="0" err="1"/>
+                        <a:t>StaffList</a:t>
                       </a:r>
+                      <a:endParaRPr lang="en-US" sz="2000" dirty="0"/>
                     </a:p>
                   </a:txBody>
-                  <a:tcPr/>
+                  <a:tcPr>
+                    <a:solidFill>
+                      <a:schemeClr val="accent4">
+                        <a:lumMod val="75000"/>
+                      </a:schemeClr>
+                    </a:solidFill>
+                  </a:tcPr>
                 </a:tc>
                 <a:extLst>
                   <a:ext uri="{0D108BD9-81ED-4DB2-BD59-A6C34878D82A}">
@@ -3820,58 +3698,87 @@
           </a:graphicData>
         </a:graphic>
       </p:graphicFrame>
-      <p:sp>
-        <p:nvSpPr>
-          <p:cNvPr id="9" name="Arrow: Down 8">
-            <a:extLst>
-              <a:ext uri="{FF2B5EF4-FFF2-40B4-BE49-F238E27FC236}">
-                <a16:creationId xmlns:a16="http://schemas.microsoft.com/office/drawing/2014/main" id="{88EE7183-2C76-885C-418A-EC38DFF27B6D}"/>
-              </a:ext>
-            </a:extLst>
-          </p:cNvPr>
-          <p:cNvSpPr/>
-          <p:nvPr/>
-        </p:nvSpPr>
-        <p:spPr>
-          <a:xfrm rot="10800000">
-            <a:off x="5989321" y="1978661"/>
-            <a:ext cx="599438" cy="777240"/>
-          </a:xfrm>
-          <a:prstGeom prst="downArrow">
-            <a:avLst/>
-          </a:prstGeom>
-        </p:spPr>
-        <p:style>
-          <a:lnRef idx="2">
-            <a:schemeClr val="accent1">
-              <a:shade val="50000"/>
-            </a:schemeClr>
-          </a:lnRef>
-          <a:fillRef idx="1">
-            <a:schemeClr val="accent1"/>
-          </a:fillRef>
-          <a:effectRef idx="0">
-            <a:schemeClr val="accent1"/>
-          </a:effectRef>
-          <a:fontRef idx="minor">
-            <a:schemeClr val="lt1"/>
-          </a:fontRef>
-        </p:style>
-        <p:txBody>
-          <a:bodyPr rtlCol="0" anchor="ctr"/>
-          <a:lstStyle/>
-          <a:p>
-            <a:pPr algn="ctr"/>
-            <a:endParaRPr lang="en-US"/>
-          </a:p>
-        </p:txBody>
-      </p:sp>
+      <p:graphicFrame>
+        <p:nvGraphicFramePr>
+          <p:cNvPr id="8" name="Table 7">
+            <a:extLst>
+              <a:ext uri="{FF2B5EF4-FFF2-40B4-BE49-F238E27FC236}">
+                <a16:creationId xmlns:a16="http://schemas.microsoft.com/office/drawing/2014/main" id="{04BE69E3-61A8-34A3-3021-5B9776D58998}"/>
+              </a:ext>
+            </a:extLst>
+          </p:cNvPr>
+          <p:cNvGraphicFramePr>
+            <a:graphicFrameLocks noGrp="1"/>
+          </p:cNvGraphicFramePr>
+          <p:nvPr>
+            <p:extLst>
+              <p:ext uri="{D42A27DB-BD31-4B8C-83A1-F6EECF244321}">
+                <p14:modId xmlns:p14="http://schemas.microsoft.com/office/powerpoint/2010/main" val="2606391556"/>
+              </p:ext>
+            </p:extLst>
+          </p:nvPr>
+        </p:nvGraphicFramePr>
+        <p:xfrm>
+          <a:off x="8900160" y="4297682"/>
+          <a:ext cx="2336800" cy="777240"/>
+        </p:xfrm>
+        <a:graphic>
+          <a:graphicData uri="http://schemas.openxmlformats.org/drawingml/2006/table">
+            <a:tbl>
+              <a:tblPr firstRow="1" bandRow="1">
+                <a:tableStyleId>{5C22544A-7EE6-4342-B048-85BDC9FD1C3A}</a:tableStyleId>
+              </a:tblPr>
+              <a:tblGrid>
+                <a:gridCol w="2336800">
+                  <a:extLst>
+                    <a:ext uri="{9D8B030D-6E8A-4147-A177-3AD203B41FA5}">
+                      <a16:colId xmlns:a16="http://schemas.microsoft.com/office/drawing/2014/main" val="2669780779"/>
+                    </a:ext>
+                  </a:extLst>
+                </a:gridCol>
+              </a:tblGrid>
+              <a:tr h="777240">
+                <a:tc>
+                  <a:txBody>
+                    <a:bodyPr/>
+                    <a:lstStyle/>
+                    <a:p>
+                      <a:pPr algn="ctr">
+                        <a:lnSpc>
+                          <a:spcPct val="150000"/>
+                        </a:lnSpc>
+                      </a:pPr>
+                      <a:r>
+                        <a:rPr lang="en-US" sz="2000" dirty="0" err="1"/>
+                        <a:t>RestauranInfo</a:t>
+                      </a:r>
+                      <a:endParaRPr lang="en-US" sz="2000" dirty="0"/>
+                    </a:p>
+                  </a:txBody>
+                  <a:tcPr>
+                    <a:solidFill>
+                      <a:schemeClr val="accent4">
+                        <a:lumMod val="75000"/>
+                      </a:schemeClr>
+                    </a:solidFill>
+                  </a:tcPr>
+                </a:tc>
+                <a:extLst>
+                  <a:ext uri="{0D108BD9-81ED-4DB2-BD59-A6C34878D82A}">
+                    <a16:rowId xmlns:a16="http://schemas.microsoft.com/office/drawing/2014/main" val="2092005147"/>
+                  </a:ext>
+                </a:extLst>
+              </a:tr>
+            </a:tbl>
+          </a:graphicData>
+        </a:graphic>
+      </p:graphicFrame>
       <p:cxnSp>
         <p:nvCxnSpPr>
-          <p:cNvPr id="11" name="Straight Connector 10">
-            <a:extLst>
-              <a:ext uri="{FF2B5EF4-FFF2-40B4-BE49-F238E27FC236}">
-                <a16:creationId xmlns:a16="http://schemas.microsoft.com/office/drawing/2014/main" id="{719FDA45-FE40-4AE4-93AD-E26FC4E76B08}"/>
+          <p:cNvPr id="3" name="Straight Connector 2">
+            <a:extLst>
+              <a:ext uri="{FF2B5EF4-FFF2-40B4-BE49-F238E27FC236}">
+                <a16:creationId xmlns:a16="http://schemas.microsoft.com/office/drawing/2014/main" id="{59E777E9-65F2-B8A4-EDFF-9E061CF4A89B}"/>
               </a:ext>
             </a:extLst>
           </p:cNvPr>
@@ -3880,8 +3787,8 @@
         </p:nvCxnSpPr>
         <p:spPr>
           <a:xfrm>
-            <a:off x="1889757" y="2783840"/>
-            <a:ext cx="8544566" cy="0"/>
+            <a:off x="1849120" y="3769360"/>
+            <a:ext cx="8219440" cy="0"/>
           </a:xfrm>
           <a:prstGeom prst="line">
             <a:avLst/>
@@ -3904,22 +3811,22 @@
       </p:cxnSp>
       <p:cxnSp>
         <p:nvCxnSpPr>
-          <p:cNvPr id="13" name="Straight Arrow Connector 12">
-            <a:extLst>
-              <a:ext uri="{FF2B5EF4-FFF2-40B4-BE49-F238E27FC236}">
-                <a16:creationId xmlns:a16="http://schemas.microsoft.com/office/drawing/2014/main" id="{635C13BC-8864-9238-44FB-6A366CAABF30}"/>
+          <p:cNvPr id="11" name="Straight Arrow Connector 10">
+            <a:extLst>
+              <a:ext uri="{FF2B5EF4-FFF2-40B4-BE49-F238E27FC236}">
+                <a16:creationId xmlns:a16="http://schemas.microsoft.com/office/drawing/2014/main" id="{79156003-A4E8-844E-18BB-3BC8A947530A}"/>
               </a:ext>
             </a:extLst>
           </p:cNvPr>
           <p:cNvCxnSpPr>
-            <a:cxnSpLocks/>
+            <a:endCxn id="7" idx="0"/>
           </p:cNvCxnSpPr>
           <p:nvPr/>
         </p:nvCxnSpPr>
         <p:spPr>
           <a:xfrm>
-            <a:off x="1889757" y="2794000"/>
-            <a:ext cx="0" cy="416560"/>
+            <a:off x="1849120" y="3769360"/>
+            <a:ext cx="0" cy="528322"/>
           </a:xfrm>
           <a:prstGeom prst="straightConnector1">
             <a:avLst/>
@@ -3945,22 +3852,24 @@
       </p:cxnSp>
       <p:cxnSp>
         <p:nvCxnSpPr>
-          <p:cNvPr id="17" name="Straight Arrow Connector 16">
-            <a:extLst>
-              <a:ext uri="{FF2B5EF4-FFF2-40B4-BE49-F238E27FC236}">
-                <a16:creationId xmlns:a16="http://schemas.microsoft.com/office/drawing/2014/main" id="{87946BD4-F694-340B-4EF1-53BBBC0171DF}"/>
+          <p:cNvPr id="12" name="Straight Arrow Connector 11">
+            <a:extLst>
+              <a:ext uri="{FF2B5EF4-FFF2-40B4-BE49-F238E27FC236}">
+                <a16:creationId xmlns:a16="http://schemas.microsoft.com/office/drawing/2014/main" id="{710611FC-38F7-909F-88BE-58C311F14F66}"/>
               </a:ext>
             </a:extLst>
           </p:cNvPr>
           <p:cNvCxnSpPr>
             <a:cxnSpLocks/>
+            <a:stCxn id="6" idx="2"/>
+            <a:endCxn id="5" idx="0"/>
           </p:cNvCxnSpPr>
           <p:nvPr/>
         </p:nvCxnSpPr>
         <p:spPr>
           <a:xfrm>
-            <a:off x="6289040" y="2783840"/>
-            <a:ext cx="0" cy="416560"/>
+            <a:off x="5958840" y="3411220"/>
+            <a:ext cx="0" cy="886462"/>
           </a:xfrm>
           <a:prstGeom prst="straightConnector1">
             <a:avLst/>
@@ -3986,22 +3895,20 @@
       </p:cxnSp>
       <p:cxnSp>
         <p:nvCxnSpPr>
-          <p:cNvPr id="18" name="Straight Arrow Connector 17">
-            <a:extLst>
-              <a:ext uri="{FF2B5EF4-FFF2-40B4-BE49-F238E27FC236}">
-                <a16:creationId xmlns:a16="http://schemas.microsoft.com/office/drawing/2014/main" id="{20F06516-E632-0013-AA32-5546EC19D4E9}"/>
-              </a:ext>
-            </a:extLst>
-          </p:cNvPr>
-          <p:cNvCxnSpPr>
-            <a:cxnSpLocks/>
-          </p:cNvCxnSpPr>
+          <p:cNvPr id="13" name="Straight Arrow Connector 12">
+            <a:extLst>
+              <a:ext uri="{FF2B5EF4-FFF2-40B4-BE49-F238E27FC236}">
+                <a16:creationId xmlns:a16="http://schemas.microsoft.com/office/drawing/2014/main" id="{38057F84-B5EC-EFA4-9DFD-0EA54342FD5B}"/>
+              </a:ext>
+            </a:extLst>
+          </p:cNvPr>
+          <p:cNvCxnSpPr/>
           <p:nvPr/>
         </p:nvCxnSpPr>
         <p:spPr>
           <a:xfrm>
-            <a:off x="10424165" y="2783840"/>
-            <a:ext cx="0" cy="416560"/>
+            <a:off x="10058400" y="3769360"/>
+            <a:ext cx="0" cy="528322"/>
           </a:xfrm>
           <a:prstGeom prst="straightConnector1">
             <a:avLst/>
@@ -4025,129 +3932,111 @@
           </a:fontRef>
         </p:style>
       </p:cxnSp>
-      <p:grpSp>
-        <p:nvGrpSpPr>
-          <p:cNvPr id="10" name="Group 9">
-            <a:extLst>
-              <a:ext uri="{FF2B5EF4-FFF2-40B4-BE49-F238E27FC236}">
-                <a16:creationId xmlns:a16="http://schemas.microsoft.com/office/drawing/2014/main" id="{A84A0145-5D0C-5832-FE16-09B4A97AAB87}"/>
-              </a:ext>
-            </a:extLst>
-          </p:cNvPr>
-          <p:cNvGrpSpPr/>
+      <p:sp>
+        <p:nvSpPr>
+          <p:cNvPr id="16" name="TextBox 15">
+            <a:extLst>
+              <a:ext uri="{FF2B5EF4-FFF2-40B4-BE49-F238E27FC236}">
+                <a16:creationId xmlns:a16="http://schemas.microsoft.com/office/drawing/2014/main" id="{51B79B5B-2579-8469-89BD-68B46008D80F}"/>
+              </a:ext>
+            </a:extLst>
+          </p:cNvPr>
+          <p:cNvSpPr txBox="1"/>
           <p:nvPr/>
-        </p:nvGrpSpPr>
-        <p:grpSpPr>
+        </p:nvSpPr>
+        <p:spPr>
           <a:xfrm>
-            <a:off x="3139320" y="557240"/>
-            <a:ext cx="1066680" cy="994680"/>
-            <a:chOff x="3139320" y="557240"/>
-            <a:chExt cx="1066680" cy="994680"/>
+            <a:off x="1849120" y="3911603"/>
+            <a:ext cx="45719" cy="584775"/>
           </a:xfrm>
-        </p:grpSpPr>
-        <mc:AlternateContent xmlns:mc="http://schemas.openxmlformats.org/markup-compatibility/2006">
-          <mc:Choice xmlns:p14="http://schemas.microsoft.com/office/powerpoint/2010/main" xmlns:aink="http://schemas.microsoft.com/office/drawing/2016/ink" Requires="p14 aink">
-            <p:contentPart p14:bwMode="auto" r:id="rId2">
-              <p14:nvContentPartPr>
-                <p14:cNvPr id="2" name="Ink 1">
-                  <a:extLst>
-                    <a:ext uri="{FF2B5EF4-FFF2-40B4-BE49-F238E27FC236}">
-                      <a16:creationId xmlns:a16="http://schemas.microsoft.com/office/drawing/2014/main" id="{9C5B578C-5C3C-4205-5328-5F4F37BFEB46}"/>
-                    </a:ext>
-                  </a:extLst>
-                </p14:cNvPr>
-                <p14:cNvContentPartPr/>
-                <p14:nvPr/>
-              </p14:nvContentPartPr>
-              <p14:xfrm>
-                <a:off x="3139320" y="1147640"/>
-                <a:ext cx="360" cy="360"/>
-              </p14:xfrm>
-            </p:contentPart>
-          </mc:Choice>
-          <mc:Fallback>
-            <p:pic>
-              <p:nvPicPr>
-                <p:cNvPr id="2" name="Ink 1">
-                  <a:extLst>
-                    <a:ext uri="{FF2B5EF4-FFF2-40B4-BE49-F238E27FC236}">
-                      <a16:creationId xmlns:a16="http://schemas.microsoft.com/office/drawing/2014/main" id="{9C5B578C-5C3C-4205-5328-5F4F37BFEB46}"/>
-                    </a:ext>
-                  </a:extLst>
-                </p:cNvPr>
-                <p:cNvPicPr/>
-                <p:nvPr/>
-              </p:nvPicPr>
-              <p:blipFill>
-                <a:blip r:embed="rId3"/>
-                <a:stretch>
-                  <a:fillRect/>
-                </a:stretch>
-              </p:blipFill>
-              <p:spPr>
-                <a:xfrm>
-                  <a:off x="3130680" y="1138640"/>
-                  <a:ext cx="18000" cy="18000"/>
-                </a:xfrm>
-                <a:prstGeom prst="rect">
-                  <a:avLst/>
-                </a:prstGeom>
-              </p:spPr>
-            </p:pic>
-          </mc:Fallback>
-        </mc:AlternateContent>
-        <mc:AlternateContent xmlns:mc="http://schemas.openxmlformats.org/markup-compatibility/2006">
-          <mc:Choice xmlns:p14="http://schemas.microsoft.com/office/powerpoint/2010/main" xmlns:aink="http://schemas.microsoft.com/office/drawing/2016/ink" Requires="p14 aink">
-            <p:contentPart p14:bwMode="auto" r:id="rId4">
-              <p14:nvContentPartPr>
-                <p14:cNvPr id="3" name="Ink 2">
-                  <a:extLst>
-                    <a:ext uri="{FF2B5EF4-FFF2-40B4-BE49-F238E27FC236}">
-                      <a16:creationId xmlns:a16="http://schemas.microsoft.com/office/drawing/2014/main" id="{3C0DFB11-B753-E092-C672-C2DD6D72E88B}"/>
-                    </a:ext>
-                  </a:extLst>
-                </p14:cNvPr>
-                <p14:cNvContentPartPr/>
-                <p14:nvPr/>
-              </p14:nvContentPartPr>
-              <p14:xfrm>
-                <a:off x="3139320" y="557240"/>
-                <a:ext cx="1066680" cy="994680"/>
-              </p14:xfrm>
-            </p:contentPart>
-          </mc:Choice>
-          <mc:Fallback>
-            <p:pic>
-              <p:nvPicPr>
-                <p:cNvPr id="3" name="Ink 2">
-                  <a:extLst>
-                    <a:ext uri="{FF2B5EF4-FFF2-40B4-BE49-F238E27FC236}">
-                      <a16:creationId xmlns:a16="http://schemas.microsoft.com/office/drawing/2014/main" id="{3C0DFB11-B753-E092-C672-C2DD6D72E88B}"/>
-                    </a:ext>
-                  </a:extLst>
-                </p:cNvPr>
-                <p:cNvPicPr/>
-                <p:nvPr/>
-              </p:nvPicPr>
-              <p:blipFill>
-                <a:blip r:embed="rId5"/>
-                <a:stretch>
-                  <a:fillRect/>
-                </a:stretch>
-              </p:blipFill>
-              <p:spPr>
-                <a:xfrm>
-                  <a:off x="3130680" y="548240"/>
-                  <a:ext cx="1084320" cy="1012320"/>
-                </a:xfrm>
-                <a:prstGeom prst="rect">
-                  <a:avLst/>
-                </a:prstGeom>
-              </p:spPr>
-            </p:pic>
-          </mc:Fallback>
-        </mc:AlternateContent>
-      </p:grpSp>
+          <a:prstGeom prst="rect">
+            <a:avLst/>
+          </a:prstGeom>
+          <a:noFill/>
+        </p:spPr>
+        <p:txBody>
+          <a:bodyPr wrap="square" rtlCol="0">
+            <a:spAutoFit/>
+          </a:bodyPr>
+          <a:lstStyle/>
+          <a:p>
+            <a:r>
+              <a:rPr lang="en-US" sz="3200" dirty="0"/>
+              <a:t>*</a:t>
+            </a:r>
+          </a:p>
+        </p:txBody>
+      </p:sp>
+      <p:sp>
+        <p:nvSpPr>
+          <p:cNvPr id="17" name="TextBox 16">
+            <a:extLst>
+              <a:ext uri="{FF2B5EF4-FFF2-40B4-BE49-F238E27FC236}">
+                <a16:creationId xmlns:a16="http://schemas.microsoft.com/office/drawing/2014/main" id="{FA2A5323-4AA3-8527-38CD-FC7B3F249AC8}"/>
+              </a:ext>
+            </a:extLst>
+          </p:cNvPr>
+          <p:cNvSpPr txBox="1"/>
+          <p:nvPr/>
+        </p:nvSpPr>
+        <p:spPr>
+          <a:xfrm>
+            <a:off x="5994398" y="3939541"/>
+            <a:ext cx="45719" cy="584775"/>
+          </a:xfrm>
+          <a:prstGeom prst="rect">
+            <a:avLst/>
+          </a:prstGeom>
+          <a:noFill/>
+        </p:spPr>
+        <p:txBody>
+          <a:bodyPr wrap="square" rtlCol="0">
+            <a:spAutoFit/>
+          </a:bodyPr>
+          <a:lstStyle/>
+          <a:p>
+            <a:r>
+              <a:rPr lang="en-US" sz="3200" dirty="0"/>
+              <a:t>*</a:t>
+            </a:r>
+          </a:p>
+        </p:txBody>
+      </p:sp>
+      <p:sp>
+        <p:nvSpPr>
+          <p:cNvPr id="18" name="TextBox 17">
+            <a:extLst>
+              <a:ext uri="{FF2B5EF4-FFF2-40B4-BE49-F238E27FC236}">
+                <a16:creationId xmlns:a16="http://schemas.microsoft.com/office/drawing/2014/main" id="{23F779CD-8C58-2949-3EC9-F044DB834559}"/>
+              </a:ext>
+            </a:extLst>
+          </p:cNvPr>
+          <p:cNvSpPr txBox="1"/>
+          <p:nvPr/>
+        </p:nvSpPr>
+        <p:spPr>
+          <a:xfrm>
+            <a:off x="10073633" y="3939540"/>
+            <a:ext cx="45719" cy="584775"/>
+          </a:xfrm>
+          <a:prstGeom prst="rect">
+            <a:avLst/>
+          </a:prstGeom>
+          <a:noFill/>
+        </p:spPr>
+        <p:txBody>
+          <a:bodyPr wrap="square" rtlCol="0">
+            <a:spAutoFit/>
+          </a:bodyPr>
+          <a:lstStyle/>
+          <a:p>
+            <a:r>
+              <a:rPr lang="en-US" sz="3200" dirty="0"/>
+              <a:t>*</a:t>
+            </a:r>
+          </a:p>
+        </p:txBody>
+      </p:sp>
     </p:spTree>
     <p:extLst>
       <p:ext uri="{BB962C8B-B14F-4D97-AF65-F5344CB8AC3E}">
@@ -4183,7 +4072,7 @@
           <p:cNvPr id="3" name="Table 2">
             <a:extLst>
               <a:ext uri="{FF2B5EF4-FFF2-40B4-BE49-F238E27FC236}">
-                <a16:creationId xmlns:a16="http://schemas.microsoft.com/office/drawing/2014/main" id="{AA114772-E79F-2BF5-6062-0DA4BFF537DD}"/>
+                <a16:creationId xmlns:a16="http://schemas.microsoft.com/office/drawing/2014/main" id="{38825A9F-9115-641D-7A1D-4E55B6FCD32F}"/>
               </a:ext>
             </a:extLst>
           </p:cNvPr>
@@ -4193,14 +4082,14 @@
           <p:nvPr>
             <p:extLst>
               <p:ext uri="{D42A27DB-BD31-4B8C-83A1-F6EECF244321}">
-                <p14:modId xmlns:p14="http://schemas.microsoft.com/office/powerpoint/2010/main" val="3653062897"/>
+                <p14:modId xmlns:p14="http://schemas.microsoft.com/office/powerpoint/2010/main" val="3958020848"/>
               </p:ext>
             </p:extLst>
           </p:nvPr>
         </p:nvGraphicFramePr>
         <p:xfrm>
-          <a:off x="5230959" y="1388106"/>
-          <a:ext cx="2305049" cy="958596"/>
+          <a:off x="3719996" y="2316480"/>
+          <a:ext cx="2860914" cy="2225040"/>
         </p:xfrm>
         <a:graphic>
           <a:graphicData uri="http://schemas.openxmlformats.org/drawingml/2006/table">
@@ -4209,651 +4098,7 @@
                 <a:tableStyleId>{5C22544A-7EE6-4342-B048-85BDC9FD1C3A}</a:tableStyleId>
               </a:tblPr>
               <a:tblGrid>
-                <a:gridCol w="2305049">
-                  <a:extLst>
-                    <a:ext uri="{9D8B030D-6E8A-4147-A177-3AD203B41FA5}">
-                      <a16:colId xmlns:a16="http://schemas.microsoft.com/office/drawing/2014/main" val="2669780779"/>
-                    </a:ext>
-                  </a:extLst>
-                </a:gridCol>
-              </a:tblGrid>
-              <a:tr h="613832">
-                <a:tc>
-                  <a:txBody>
-                    <a:bodyPr/>
-                    <a:lstStyle/>
-                    <a:p>
-                      <a:pPr algn="ctr">
-                        <a:lnSpc>
-                          <a:spcPct val="150000"/>
-                        </a:lnSpc>
-                      </a:pPr>
-                      <a:r>
-                        <a:rPr lang="en-US" sz="2000" b="1" dirty="0"/>
-                        <a:t>Manager</a:t>
-                      </a:r>
-                    </a:p>
-                    <a:p>
-                      <a:pPr algn="ctr">
-                        <a:lnSpc>
-                          <a:spcPct val="150000"/>
-                        </a:lnSpc>
-                      </a:pPr>
-                      <a:r>
-                        <a:rPr lang="en-US" sz="2000" b="1" dirty="0"/>
-                        <a:t>- Income : number</a:t>
-                      </a:r>
-                    </a:p>
-                  </a:txBody>
-                  <a:tcPr>
-                    <a:solidFill>
-                      <a:schemeClr val="accent4">
-                        <a:lumMod val="75000"/>
-                      </a:schemeClr>
-                    </a:solidFill>
-                  </a:tcPr>
-                </a:tc>
-                <a:extLst>
-                  <a:ext uri="{0D108BD9-81ED-4DB2-BD59-A6C34878D82A}">
-                    <a16:rowId xmlns:a16="http://schemas.microsoft.com/office/drawing/2014/main" val="2092005147"/>
-                  </a:ext>
-                </a:extLst>
-              </a:tr>
-            </a:tbl>
-          </a:graphicData>
-        </a:graphic>
-      </p:graphicFrame>
-      <p:graphicFrame>
-        <p:nvGraphicFramePr>
-          <p:cNvPr id="4" name="Table 3">
-            <a:extLst>
-              <a:ext uri="{FF2B5EF4-FFF2-40B4-BE49-F238E27FC236}">
-                <a16:creationId xmlns:a16="http://schemas.microsoft.com/office/drawing/2014/main" id="{FA8828DF-395E-A7AB-5299-A7EA8962F1D6}"/>
-              </a:ext>
-            </a:extLst>
-          </p:cNvPr>
-          <p:cNvGraphicFramePr>
-            <a:graphicFrameLocks noGrp="1"/>
-          </p:cNvGraphicFramePr>
-          <p:nvPr>
-            <p:extLst>
-              <p:ext uri="{D42A27DB-BD31-4B8C-83A1-F6EECF244321}">
-                <p14:modId xmlns:p14="http://schemas.microsoft.com/office/powerpoint/2010/main" val="1136300813"/>
-              </p:ext>
-            </p:extLst>
-          </p:nvPr>
-        </p:nvGraphicFramePr>
-        <p:xfrm>
-          <a:off x="2020062" y="3429000"/>
-          <a:ext cx="3256850" cy="1615440"/>
-        </p:xfrm>
-        <a:graphic>
-          <a:graphicData uri="http://schemas.openxmlformats.org/drawingml/2006/table">
-            <a:tbl>
-              <a:tblPr firstRow="1" bandRow="1">
-                <a:tableStyleId>{5C22544A-7EE6-4342-B048-85BDC9FD1C3A}</a:tableStyleId>
-              </a:tblPr>
-              <a:tblGrid>
-                <a:gridCol w="3256850">
-                  <a:extLst>
-                    <a:ext uri="{9D8B030D-6E8A-4147-A177-3AD203B41FA5}">
-                      <a16:colId xmlns:a16="http://schemas.microsoft.com/office/drawing/2014/main" val="2669780779"/>
-                    </a:ext>
-                  </a:extLst>
-                </a:gridCol>
-              </a:tblGrid>
-              <a:tr h="613832">
-                <a:tc>
-                  <a:txBody>
-                    <a:bodyPr/>
-                    <a:lstStyle/>
-                    <a:p>
-                      <a:pPr algn="ctr">
-                        <a:lnSpc>
-                          <a:spcPct val="150000"/>
-                        </a:lnSpc>
-                      </a:pPr>
-                      <a:r>
-                        <a:rPr lang="en-US" sz="2000" b="1" dirty="0" err="1"/>
-                        <a:t>MonthPayment</a:t>
-                      </a:r>
-                      <a:endParaRPr lang="en-US" sz="2000" b="1" dirty="0"/>
-                    </a:p>
-                    <a:p>
-                      <a:pPr algn="l">
-                        <a:lnSpc>
-                          <a:spcPct val="150000"/>
-                        </a:lnSpc>
-                      </a:pPr>
-                      <a:r>
-                        <a:rPr lang="en-US" sz="2000" b="0" dirty="0"/>
-                        <a:t>-     month : string</a:t>
-                      </a:r>
-                    </a:p>
-                    <a:p>
-                      <a:pPr marL="342900" indent="-342900" algn="l">
-                        <a:lnSpc>
-                          <a:spcPct val="100000"/>
-                        </a:lnSpc>
-                        <a:buFontTx/>
-                        <a:buChar char="-"/>
-                      </a:pPr>
-                      <a:r>
-                        <a:rPr lang="en-US" sz="2000" b="0" dirty="0" err="1"/>
-                        <a:t>foodIngredients:number</a:t>
-                      </a:r>
-                      <a:endParaRPr lang="en-US" sz="2000" b="0" dirty="0"/>
-                    </a:p>
-                    <a:p>
-                      <a:pPr marL="342900" indent="-342900" algn="l">
-                        <a:lnSpc>
-                          <a:spcPct val="100000"/>
-                        </a:lnSpc>
-                        <a:buFontTx/>
-                        <a:buChar char="-"/>
-                      </a:pPr>
-                      <a:r>
-                        <a:rPr lang="en-US" sz="2000" b="0" dirty="0" err="1"/>
-                        <a:t>RestProperty</a:t>
-                      </a:r>
-                      <a:r>
-                        <a:rPr lang="en-US" sz="2000" b="0" dirty="0"/>
-                        <a:t> : number </a:t>
-                      </a:r>
-                    </a:p>
-                  </a:txBody>
-                  <a:tcPr/>
-                </a:tc>
-                <a:extLst>
-                  <a:ext uri="{0D108BD9-81ED-4DB2-BD59-A6C34878D82A}">
-                    <a16:rowId xmlns:a16="http://schemas.microsoft.com/office/drawing/2014/main" val="2092005147"/>
-                  </a:ext>
-                </a:extLst>
-              </a:tr>
-            </a:tbl>
-          </a:graphicData>
-        </a:graphic>
-      </p:graphicFrame>
-      <p:graphicFrame>
-        <p:nvGraphicFramePr>
-          <p:cNvPr id="5" name="Table 4">
-            <a:extLst>
-              <a:ext uri="{FF2B5EF4-FFF2-40B4-BE49-F238E27FC236}">
-                <a16:creationId xmlns:a16="http://schemas.microsoft.com/office/drawing/2014/main" id="{3BFC1DB3-EEEE-EAE8-A815-EF2760BF6091}"/>
-              </a:ext>
-            </a:extLst>
-          </p:cNvPr>
-          <p:cNvGraphicFramePr>
-            <a:graphicFrameLocks noGrp="1"/>
-          </p:cNvGraphicFramePr>
-          <p:nvPr>
-            <p:extLst>
-              <p:ext uri="{D42A27DB-BD31-4B8C-83A1-F6EECF244321}">
-                <p14:modId xmlns:p14="http://schemas.microsoft.com/office/powerpoint/2010/main" val="2756977922"/>
-              </p:ext>
-            </p:extLst>
-          </p:nvPr>
-        </p:nvGraphicFramePr>
-        <p:xfrm>
-          <a:off x="7189746" y="3305802"/>
-          <a:ext cx="2305049" cy="613832"/>
-        </p:xfrm>
-        <a:graphic>
-          <a:graphicData uri="http://schemas.openxmlformats.org/drawingml/2006/table">
-            <a:tbl>
-              <a:tblPr firstRow="1" bandRow="1">
-                <a:tableStyleId>{5C22544A-7EE6-4342-B048-85BDC9FD1C3A}</a:tableStyleId>
-              </a:tblPr>
-              <a:tblGrid>
-                <a:gridCol w="2305049">
-                  <a:extLst>
-                    <a:ext uri="{9D8B030D-6E8A-4147-A177-3AD203B41FA5}">
-                      <a16:colId xmlns:a16="http://schemas.microsoft.com/office/drawing/2014/main" val="2669780779"/>
-                    </a:ext>
-                  </a:extLst>
-                </a:gridCol>
-              </a:tblGrid>
-              <a:tr h="613832">
-                <a:tc>
-                  <a:txBody>
-                    <a:bodyPr/>
-                    <a:lstStyle/>
-                    <a:p>
-                      <a:pPr algn="ctr">
-                        <a:lnSpc>
-                          <a:spcPct val="150000"/>
-                        </a:lnSpc>
-                      </a:pPr>
-                      <a:r>
-                        <a:rPr lang="en-US" sz="2000" b="1" dirty="0" err="1"/>
-                        <a:t>StaffList</a:t>
-                      </a:r>
-                      <a:endParaRPr lang="en-US" sz="2000" b="1" dirty="0"/>
-                    </a:p>
-                  </a:txBody>
-                  <a:tcPr/>
-                </a:tc>
-                <a:extLst>
-                  <a:ext uri="{0D108BD9-81ED-4DB2-BD59-A6C34878D82A}">
-                    <a16:rowId xmlns:a16="http://schemas.microsoft.com/office/drawing/2014/main" val="2092005147"/>
-                  </a:ext>
-                </a:extLst>
-              </a:tr>
-            </a:tbl>
-          </a:graphicData>
-        </a:graphic>
-      </p:graphicFrame>
-      <p:cxnSp>
-        <p:nvCxnSpPr>
-          <p:cNvPr id="10" name="Straight Arrow Connector 9">
-            <a:extLst>
-              <a:ext uri="{FF2B5EF4-FFF2-40B4-BE49-F238E27FC236}">
-                <a16:creationId xmlns:a16="http://schemas.microsoft.com/office/drawing/2014/main" id="{AD36319C-5602-54C3-69DC-48BA18180426}"/>
-              </a:ext>
-            </a:extLst>
-          </p:cNvPr>
-          <p:cNvCxnSpPr>
-            <a:cxnSpLocks/>
-            <a:endCxn id="5" idx="1"/>
-          </p:cNvCxnSpPr>
-          <p:nvPr/>
-        </p:nvCxnSpPr>
-        <p:spPr>
-          <a:xfrm flipV="1">
-            <a:off x="5230959" y="3612718"/>
-            <a:ext cx="1958787" cy="31503"/>
-          </a:xfrm>
-          <a:prstGeom prst="straightConnector1">
-            <a:avLst/>
-          </a:prstGeom>
-          <a:ln>
-            <a:tailEnd type="triangle"/>
-          </a:ln>
-        </p:spPr>
-        <p:style>
-          <a:lnRef idx="3">
-            <a:schemeClr val="accent1"/>
-          </a:lnRef>
-          <a:fillRef idx="0">
-            <a:schemeClr val="accent1"/>
-          </a:fillRef>
-          <a:effectRef idx="2">
-            <a:schemeClr val="accent1"/>
-          </a:effectRef>
-          <a:fontRef idx="minor">
-            <a:schemeClr val="tx1"/>
-          </a:fontRef>
-        </p:style>
-      </p:cxnSp>
-      <p:sp>
-        <p:nvSpPr>
-          <p:cNvPr id="11" name="TextBox 10">
-            <a:extLst>
-              <a:ext uri="{FF2B5EF4-FFF2-40B4-BE49-F238E27FC236}">
-                <a16:creationId xmlns:a16="http://schemas.microsoft.com/office/drawing/2014/main" id="{15C0AEE5-AE81-A58E-7772-70797CA5E414}"/>
-              </a:ext>
-            </a:extLst>
-          </p:cNvPr>
-          <p:cNvSpPr txBox="1"/>
-          <p:nvPr/>
-        </p:nvSpPr>
-        <p:spPr>
-          <a:xfrm>
-            <a:off x="6915090" y="3673827"/>
-            <a:ext cx="187609" cy="369332"/>
-          </a:xfrm>
-          <a:prstGeom prst="rect">
-            <a:avLst/>
-          </a:prstGeom>
-          <a:noFill/>
-        </p:spPr>
-        <p:txBody>
-          <a:bodyPr wrap="square" rtlCol="0">
-            <a:spAutoFit/>
-          </a:bodyPr>
-          <a:lstStyle/>
-          <a:p>
-            <a:r>
-              <a:rPr lang="en-US" dirty="0"/>
-              <a:t>1</a:t>
-            </a:r>
-          </a:p>
-        </p:txBody>
-      </p:sp>
-      <p:cxnSp>
-        <p:nvCxnSpPr>
-          <p:cNvPr id="19" name="Straight Arrow Connector 18">
-            <a:extLst>
-              <a:ext uri="{FF2B5EF4-FFF2-40B4-BE49-F238E27FC236}">
-                <a16:creationId xmlns:a16="http://schemas.microsoft.com/office/drawing/2014/main" id="{2A7920B3-F6C6-C8B0-3212-CF87FCFE8750}"/>
-              </a:ext>
-            </a:extLst>
-          </p:cNvPr>
-          <p:cNvCxnSpPr>
-            <a:cxnSpLocks/>
-          </p:cNvCxnSpPr>
-          <p:nvPr/>
-        </p:nvCxnSpPr>
-        <p:spPr>
-          <a:xfrm flipH="1">
-            <a:off x="4908450" y="2442311"/>
-            <a:ext cx="1187550" cy="863491"/>
-          </a:xfrm>
-          <a:prstGeom prst="straightConnector1">
-            <a:avLst/>
-          </a:prstGeom>
-          <a:ln>
-            <a:tailEnd type="triangle"/>
-          </a:ln>
-        </p:spPr>
-        <p:style>
-          <a:lnRef idx="3">
-            <a:schemeClr val="accent1"/>
-          </a:lnRef>
-          <a:fillRef idx="0">
-            <a:schemeClr val="accent1"/>
-          </a:fillRef>
-          <a:effectRef idx="2">
-            <a:schemeClr val="accent1"/>
-          </a:effectRef>
-          <a:fontRef idx="minor">
-            <a:schemeClr val="tx1"/>
-          </a:fontRef>
-        </p:style>
-      </p:cxnSp>
-      <p:sp>
-        <p:nvSpPr>
-          <p:cNvPr id="22" name="TextBox 21">
-            <a:extLst>
-              <a:ext uri="{FF2B5EF4-FFF2-40B4-BE49-F238E27FC236}">
-                <a16:creationId xmlns:a16="http://schemas.microsoft.com/office/drawing/2014/main" id="{62055CBB-E625-4DED-C521-5807E01B8DA3}"/>
-              </a:ext>
-            </a:extLst>
-          </p:cNvPr>
-          <p:cNvSpPr txBox="1"/>
-          <p:nvPr/>
-        </p:nvSpPr>
-        <p:spPr>
-          <a:xfrm>
-            <a:off x="4476752" y="2924553"/>
-            <a:ext cx="285637" cy="707886"/>
-          </a:xfrm>
-          <a:prstGeom prst="rect">
-            <a:avLst/>
-          </a:prstGeom>
-          <a:noFill/>
-        </p:spPr>
-        <p:txBody>
-          <a:bodyPr wrap="square" rtlCol="0">
-            <a:spAutoFit/>
-          </a:bodyPr>
-          <a:lstStyle/>
-          <a:p>
-            <a:r>
-              <a:rPr lang="en-US" sz="4000" dirty="0"/>
-              <a:t>*</a:t>
-            </a:r>
-          </a:p>
-        </p:txBody>
-      </p:sp>
-      <mc:AlternateContent xmlns:mc="http://schemas.openxmlformats.org/markup-compatibility/2006">
-        <mc:Choice xmlns:p14="http://schemas.microsoft.com/office/powerpoint/2010/main" xmlns:aink="http://schemas.microsoft.com/office/drawing/2016/ink" Requires="p14 aink">
-          <p:contentPart p14:bwMode="auto" r:id="rId2">
-            <p14:nvContentPartPr>
-              <p14:cNvPr id="2" name="Ink 1">
-                <a:extLst>
-                  <a:ext uri="{FF2B5EF4-FFF2-40B4-BE49-F238E27FC236}">
-                    <a16:creationId xmlns:a16="http://schemas.microsoft.com/office/drawing/2014/main" id="{DB412AA1-BBC0-C8F9-689D-0CF5E984BC09}"/>
-                  </a:ext>
-                </a:extLst>
-              </p14:cNvPr>
-              <p14:cNvContentPartPr/>
-              <p14:nvPr/>
-            </p14:nvContentPartPr>
-            <p14:xfrm>
-              <a:off x="7071240" y="992480"/>
-              <a:ext cx="2064960" cy="768240"/>
-            </p14:xfrm>
-          </p:contentPart>
-        </mc:Choice>
-        <mc:Fallback>
-          <p:pic>
-            <p:nvPicPr>
-              <p:cNvPr id="2" name="Ink 1">
-                <a:extLst>
-                  <a:ext uri="{FF2B5EF4-FFF2-40B4-BE49-F238E27FC236}">
-                    <a16:creationId xmlns:a16="http://schemas.microsoft.com/office/drawing/2014/main" id="{DB412AA1-BBC0-C8F9-689D-0CF5E984BC09}"/>
-                  </a:ext>
-                </a:extLst>
-              </p:cNvPr>
-              <p:cNvPicPr/>
-              <p:nvPr/>
-            </p:nvPicPr>
-            <p:blipFill>
-              <a:blip r:embed="rId3"/>
-              <a:stretch>
-                <a:fillRect/>
-              </a:stretch>
-            </p:blipFill>
-            <p:spPr>
-              <a:xfrm>
-                <a:off x="7062600" y="983480"/>
-                <a:ext cx="2082600" cy="785880"/>
-              </a:xfrm>
-              <a:prstGeom prst="rect">
-                <a:avLst/>
-              </a:prstGeom>
-            </p:spPr>
-          </p:pic>
-        </mc:Fallback>
-      </mc:AlternateContent>
-      <p:cxnSp>
-        <p:nvCxnSpPr>
-          <p:cNvPr id="7" name="Straight Arrow Connector 6">
-            <a:extLst>
-              <a:ext uri="{FF2B5EF4-FFF2-40B4-BE49-F238E27FC236}">
-                <a16:creationId xmlns:a16="http://schemas.microsoft.com/office/drawing/2014/main" id="{25AB747C-75D2-75D2-5B4F-A7F0E455972E}"/>
-              </a:ext>
-            </a:extLst>
-          </p:cNvPr>
-          <p:cNvCxnSpPr>
-            <a:cxnSpLocks/>
-          </p:cNvCxnSpPr>
-          <p:nvPr/>
-        </p:nvCxnSpPr>
-        <p:spPr>
-          <a:xfrm>
-            <a:off x="6642245" y="2390027"/>
-            <a:ext cx="641306" cy="823753"/>
-          </a:xfrm>
-          <a:prstGeom prst="straightConnector1">
-            <a:avLst/>
-          </a:prstGeom>
-          <a:ln>
-            <a:tailEnd type="triangle"/>
-          </a:ln>
-        </p:spPr>
-        <p:style>
-          <a:lnRef idx="3">
-            <a:schemeClr val="accent1"/>
-          </a:lnRef>
-          <a:fillRef idx="0">
-            <a:schemeClr val="accent1"/>
-          </a:fillRef>
-          <a:effectRef idx="2">
-            <a:schemeClr val="accent1"/>
-          </a:effectRef>
-          <a:fontRef idx="minor">
-            <a:schemeClr val="tx1"/>
-          </a:fontRef>
-        </p:style>
-      </p:cxnSp>
-      <p:sp>
-        <p:nvSpPr>
-          <p:cNvPr id="8" name="TextBox 7">
-            <a:extLst>
-              <a:ext uri="{FF2B5EF4-FFF2-40B4-BE49-F238E27FC236}">
-                <a16:creationId xmlns:a16="http://schemas.microsoft.com/office/drawing/2014/main" id="{473670B6-D8FE-C4CF-871F-41DEF3454AF4}"/>
-              </a:ext>
-            </a:extLst>
-          </p:cNvPr>
-          <p:cNvSpPr txBox="1"/>
-          <p:nvPr/>
-        </p:nvSpPr>
-        <p:spPr>
-          <a:xfrm>
-            <a:off x="7283551" y="2867655"/>
-            <a:ext cx="468570" cy="584775"/>
-          </a:xfrm>
-          <a:prstGeom prst="rect">
-            <a:avLst/>
-          </a:prstGeom>
-          <a:noFill/>
-        </p:spPr>
-        <p:txBody>
-          <a:bodyPr wrap="square" rtlCol="0">
-            <a:spAutoFit/>
-          </a:bodyPr>
-          <a:lstStyle/>
-          <a:p>
-            <a:r>
-              <a:rPr lang="en-US" sz="3200" dirty="0"/>
-              <a:t>*</a:t>
-            </a:r>
-          </a:p>
-        </p:txBody>
-      </p:sp>
-    </p:spTree>
-    <p:extLst>
-      <p:ext uri="{BB962C8B-B14F-4D97-AF65-F5344CB8AC3E}">
-        <p14:creationId xmlns:p14="http://schemas.microsoft.com/office/powerpoint/2010/main" val="3302752763"/>
-      </p:ext>
-    </p:extLst>
-  </p:cSld>
-  <p:clrMapOvr>
-    <a:masterClrMapping/>
-  </p:clrMapOvr>
-</p:sld>
-</file>
-
-<file path=ppt/slides/slide3.xml><?xml version="1.0" encoding="utf-8"?>
-<p:sld xmlns:a="http://schemas.openxmlformats.org/drawingml/2006/main" xmlns:r="http://schemas.openxmlformats.org/officeDocument/2006/relationships" xmlns:p="http://schemas.openxmlformats.org/presentationml/2006/main">
-  <p:cSld>
-    <p:spTree>
-      <p:nvGrpSpPr>
-        <p:cNvPr id="1" name=""/>
-        <p:cNvGrpSpPr/>
-        <p:nvPr/>
-      </p:nvGrpSpPr>
-      <p:grpSpPr>
-        <a:xfrm>
-          <a:off x="0" y="0"/>
-          <a:ext cx="0" cy="0"/>
-          <a:chOff x="0" y="0"/>
-          <a:chExt cx="0" cy="0"/>
-        </a:xfrm>
-      </p:grpSpPr>
-      <p:graphicFrame>
-        <p:nvGraphicFramePr>
-          <p:cNvPr id="5" name="Table 4">
-            <a:extLst>
-              <a:ext uri="{FF2B5EF4-FFF2-40B4-BE49-F238E27FC236}">
-                <a16:creationId xmlns:a16="http://schemas.microsoft.com/office/drawing/2014/main" id="{601F4D54-B6AC-063E-6175-E4220180903F}"/>
-              </a:ext>
-            </a:extLst>
-          </p:cNvPr>
-          <p:cNvGraphicFramePr>
-            <a:graphicFrameLocks noGrp="1"/>
-          </p:cNvGraphicFramePr>
-          <p:nvPr>
-            <p:extLst>
-              <p:ext uri="{D42A27DB-BD31-4B8C-83A1-F6EECF244321}">
-                <p14:modId xmlns:p14="http://schemas.microsoft.com/office/powerpoint/2010/main" val="758153717"/>
-              </p:ext>
-            </p:extLst>
-          </p:nvPr>
-        </p:nvGraphicFramePr>
-        <p:xfrm>
-          <a:off x="1509635" y="2900993"/>
-          <a:ext cx="2605645" cy="547041"/>
-        </p:xfrm>
-        <a:graphic>
-          <a:graphicData uri="http://schemas.openxmlformats.org/drawingml/2006/table">
-            <a:tbl>
-              <a:tblPr firstRow="1" bandRow="1">
-                <a:tableStyleId>{5C22544A-7EE6-4342-B048-85BDC9FD1C3A}</a:tableStyleId>
-              </a:tblPr>
-              <a:tblGrid>
-                <a:gridCol w="2605645">
-                  <a:extLst>
-                    <a:ext uri="{9D8B030D-6E8A-4147-A177-3AD203B41FA5}">
-                      <a16:colId xmlns:a16="http://schemas.microsoft.com/office/drawing/2014/main" val="2669780779"/>
-                    </a:ext>
-                  </a:extLst>
-                </a:gridCol>
-              </a:tblGrid>
-              <a:tr h="547041">
-                <a:tc>
-                  <a:txBody>
-                    <a:bodyPr/>
-                    <a:lstStyle/>
-                    <a:p>
-                      <a:pPr algn="ctr"/>
-                      <a:r>
-                        <a:rPr lang="en-US" sz="2000" dirty="0" err="1"/>
-                        <a:t>StaffList</a:t>
-                      </a:r>
-                      <a:endParaRPr lang="en-US" sz="2000" dirty="0"/>
-                    </a:p>
-                  </a:txBody>
-                  <a:tcPr>
-                    <a:solidFill>
-                      <a:schemeClr val="accent1"/>
-                    </a:solidFill>
-                  </a:tcPr>
-                </a:tc>
-                <a:extLst>
-                  <a:ext uri="{0D108BD9-81ED-4DB2-BD59-A6C34878D82A}">
-                    <a16:rowId xmlns:a16="http://schemas.microsoft.com/office/drawing/2014/main" val="2092005147"/>
-                  </a:ext>
-                </a:extLst>
-              </a:tr>
-            </a:tbl>
-          </a:graphicData>
-        </a:graphic>
-      </p:graphicFrame>
-      <p:graphicFrame>
-        <p:nvGraphicFramePr>
-          <p:cNvPr id="3" name="Table 2">
-            <a:extLst>
-              <a:ext uri="{FF2B5EF4-FFF2-40B4-BE49-F238E27FC236}">
-                <a16:creationId xmlns:a16="http://schemas.microsoft.com/office/drawing/2014/main" id="{38825A9F-9115-641D-7A1D-4E55B6FCD32F}"/>
-              </a:ext>
-            </a:extLst>
-          </p:cNvPr>
-          <p:cNvGraphicFramePr>
-            <a:graphicFrameLocks noGrp="1"/>
-          </p:cNvGraphicFramePr>
-          <p:nvPr>
-            <p:extLst>
-              <p:ext uri="{D42A27DB-BD31-4B8C-83A1-F6EECF244321}">
-                <p14:modId xmlns:p14="http://schemas.microsoft.com/office/powerpoint/2010/main" val="3637502125"/>
-              </p:ext>
-            </p:extLst>
-          </p:nvPr>
-        </p:nvGraphicFramePr>
-        <p:xfrm>
-          <a:off x="1509635" y="3995069"/>
-          <a:ext cx="2600960" cy="1615440"/>
-        </p:xfrm>
-        <a:graphic>
-          <a:graphicData uri="http://schemas.openxmlformats.org/drawingml/2006/table">
-            <a:tbl>
-              <a:tblPr firstRow="1" bandRow="1">
-                <a:tableStyleId>{5C22544A-7EE6-4342-B048-85BDC9FD1C3A}</a:tableStyleId>
-              </a:tblPr>
-              <a:tblGrid>
-                <a:gridCol w="2600960">
+                <a:gridCol w="2860914">
                   <a:extLst>
                     <a:ext uri="{9D8B030D-6E8A-4147-A177-3AD203B41FA5}">
                       <a16:colId xmlns:a16="http://schemas.microsoft.com/office/drawing/2014/main" val="2669780779"/>
@@ -4869,6 +4114,17 @@
                     <a:p>
                       <a:pPr algn="ctr"/>
                       <a:r>
+                        <a:rPr lang="en-US" sz="2000" dirty="0" err="1"/>
+                        <a:t>Abstact</a:t>
+                      </a:r>
+                      <a:r>
+                        <a:rPr lang="en-US" sz="2000" dirty="0"/>
+                        <a:t> </a:t>
+                      </a:r>
+                    </a:p>
+                    <a:p>
+                      <a:pPr algn="ctr"/>
+                      <a:r>
                         <a:rPr lang="en-US" sz="2000" dirty="0"/>
                         <a:t>Staff</a:t>
                       </a:r>
@@ -4877,7 +4133,15 @@
                       <a:pPr algn="l"/>
                       <a:r>
                         <a:rPr lang="en-US" sz="2000" b="0" dirty="0"/>
-                        <a:t>-     name: string</a:t>
+                        <a:t>-     </a:t>
+                      </a:r>
+                      <a:r>
+                        <a:rPr lang="en-US" sz="2000" b="0" dirty="0" err="1"/>
+                        <a:t>fullName</a:t>
+                      </a:r>
+                      <a:r>
+                        <a:rPr lang="en-US" sz="2000" b="0" dirty="0"/>
+                        <a:t>: string</a:t>
                       </a:r>
                     </a:p>
                     <a:p>
@@ -4887,7 +4151,7 @@
                       </a:pPr>
                       <a:r>
                         <a:rPr lang="en-US" sz="2000" b="0" dirty="0"/>
-                        <a:t>gender :string</a:t>
+                        <a:t>gender :Gender </a:t>
                       </a:r>
                     </a:p>
                     <a:p>
@@ -4910,19 +4174,355 @@
                       </a:pPr>
                       <a:r>
                         <a:rPr lang="en-US" sz="2000" b="0" dirty="0"/>
-                        <a:t>ang : number</a:t>
+                        <a:t>age : number</a:t>
                       </a:r>
                       <a:endParaRPr lang="en-US" sz="2000" dirty="0"/>
                     </a:p>
                     <a:p>
+                      <a:pPr marL="342900" indent="-342900" algn="l">
+                        <a:buFontTx/>
+                        <a:buChar char="-"/>
+                      </a:pPr>
+                      <a:r>
+                        <a:rPr lang="en-US" sz="2000" b="0" dirty="0"/>
+                        <a:t>salary : number</a:t>
+                      </a:r>
+                    </a:p>
+                    <a:p>
+                      <a:pPr marL="342900" indent="-342900" algn="l">
+                        <a:buFontTx/>
+                        <a:buChar char="-"/>
+                      </a:pPr>
+                      <a:r>
+                        <a:rPr lang="en-US" sz="2000" b="0" dirty="0" err="1"/>
+                        <a:t>abaNumber:number</a:t>
+                      </a:r>
+                      <a:endParaRPr lang="en-US" sz="2000" b="0" dirty="0"/>
+                    </a:p>
+                  </a:txBody>
+                  <a:tcPr>
+                    <a:solidFill>
+                      <a:schemeClr val="accent6"/>
+                    </a:solidFill>
+                  </a:tcPr>
+                </a:tc>
+                <a:extLst>
+                  <a:ext uri="{0D108BD9-81ED-4DB2-BD59-A6C34878D82A}">
+                    <a16:rowId xmlns:a16="http://schemas.microsoft.com/office/drawing/2014/main" val="2092005147"/>
+                  </a:ext>
+                </a:extLst>
+              </a:tr>
+            </a:tbl>
+          </a:graphicData>
+        </a:graphic>
+      </p:graphicFrame>
+      <p:graphicFrame>
+        <p:nvGraphicFramePr>
+          <p:cNvPr id="14" name="Table 13">
+            <a:extLst>
+              <a:ext uri="{FF2B5EF4-FFF2-40B4-BE49-F238E27FC236}">
+                <a16:creationId xmlns:a16="http://schemas.microsoft.com/office/drawing/2014/main" id="{C685A234-3787-A082-88AC-A941870DB54C}"/>
+              </a:ext>
+            </a:extLst>
+          </p:cNvPr>
+          <p:cNvGraphicFramePr>
+            <a:graphicFrameLocks noGrp="1"/>
+          </p:cNvGraphicFramePr>
+          <p:nvPr>
+            <p:extLst>
+              <p:ext uri="{D42A27DB-BD31-4B8C-83A1-F6EECF244321}">
+                <p14:modId xmlns:p14="http://schemas.microsoft.com/office/powerpoint/2010/main" val="2511437732"/>
+              </p:ext>
+            </p:extLst>
+          </p:nvPr>
+        </p:nvGraphicFramePr>
+        <p:xfrm>
+          <a:off x="1063264" y="5192916"/>
+          <a:ext cx="2860914" cy="1310640"/>
+        </p:xfrm>
+        <a:graphic>
+          <a:graphicData uri="http://schemas.openxmlformats.org/drawingml/2006/table">
+            <a:tbl>
+              <a:tblPr firstRow="1" bandRow="1">
+                <a:tableStyleId>{5C22544A-7EE6-4342-B048-85BDC9FD1C3A}</a:tableStyleId>
+              </a:tblPr>
+              <a:tblGrid>
+                <a:gridCol w="2860914">
+                  <a:extLst>
+                    <a:ext uri="{9D8B030D-6E8A-4147-A177-3AD203B41FA5}">
+                      <a16:colId xmlns:a16="http://schemas.microsoft.com/office/drawing/2014/main" val="2669780779"/>
+                    </a:ext>
+                  </a:extLst>
+                </a:gridCol>
+              </a:tblGrid>
+              <a:tr h="625717">
+                <a:tc>
+                  <a:txBody>
+                    <a:bodyPr/>
+                    <a:lstStyle/>
+                    <a:p>
+                      <a:pPr algn="ctr"/>
+                      <a:r>
+                        <a:rPr lang="en-US" sz="2000" dirty="0" err="1"/>
+                        <a:t>enum</a:t>
+                      </a:r>
+                      <a:r>
+                        <a:rPr lang="en-US" sz="2000" dirty="0"/>
+                        <a:t> </a:t>
+                      </a:r>
+                    </a:p>
+                    <a:p>
+                      <a:pPr algn="ctr"/>
+                      <a:r>
+                        <a:rPr lang="en-US" sz="2000" dirty="0"/>
+                        <a:t>Gender</a:t>
+                      </a:r>
+                    </a:p>
+                    <a:p>
                       <a:pPr algn="l"/>
                       <a:r>
+                        <a:rPr lang="en-US" sz="2000" b="0" dirty="0"/>
+                        <a:t>-     MALE = “male”,</a:t>
+                      </a:r>
+                    </a:p>
+                    <a:p>
+                      <a:pPr marL="342900" indent="-342900">
+                        <a:buFontTx/>
+                        <a:buChar char="-"/>
+                      </a:pPr>
+                      <a:r>
+                        <a:rPr lang="en-US" sz="2000" b="0" dirty="0"/>
+                        <a:t>FEMALE = “female”</a:t>
+                      </a:r>
+                    </a:p>
+                  </a:txBody>
+                  <a:tcPr/>
+                </a:tc>
+                <a:extLst>
+                  <a:ext uri="{0D108BD9-81ED-4DB2-BD59-A6C34878D82A}">
+                    <a16:rowId xmlns:a16="http://schemas.microsoft.com/office/drawing/2014/main" val="2092005147"/>
+                  </a:ext>
+                </a:extLst>
+              </a:tr>
+            </a:tbl>
+          </a:graphicData>
+        </a:graphic>
+      </p:graphicFrame>
+      <p:graphicFrame>
+        <p:nvGraphicFramePr>
+          <p:cNvPr id="15" name="Table 14">
+            <a:extLst>
+              <a:ext uri="{FF2B5EF4-FFF2-40B4-BE49-F238E27FC236}">
+                <a16:creationId xmlns:a16="http://schemas.microsoft.com/office/drawing/2014/main" id="{F2A36597-9E26-DA73-DE4B-D2382A5E1D7C}"/>
+              </a:ext>
+            </a:extLst>
+          </p:cNvPr>
+          <p:cNvGraphicFramePr>
+            <a:graphicFrameLocks noGrp="1"/>
+          </p:cNvGraphicFramePr>
+          <p:nvPr>
+            <p:extLst>
+              <p:ext uri="{D42A27DB-BD31-4B8C-83A1-F6EECF244321}">
+                <p14:modId xmlns:p14="http://schemas.microsoft.com/office/powerpoint/2010/main" val="1385672664"/>
+              </p:ext>
+            </p:extLst>
+          </p:nvPr>
+        </p:nvGraphicFramePr>
+        <p:xfrm>
+          <a:off x="7316321" y="3973716"/>
+          <a:ext cx="3789679" cy="2529840"/>
+        </p:xfrm>
+        <a:graphic>
+          <a:graphicData uri="http://schemas.openxmlformats.org/drawingml/2006/table">
+            <a:tbl>
+              <a:tblPr firstRow="1" bandRow="1">
+                <a:tableStyleId>{5C22544A-7EE6-4342-B048-85BDC9FD1C3A}</a:tableStyleId>
+              </a:tblPr>
+              <a:tblGrid>
+                <a:gridCol w="3789679">
+                  <a:extLst>
+                    <a:ext uri="{9D8B030D-6E8A-4147-A177-3AD203B41FA5}">
+                      <a16:colId xmlns:a16="http://schemas.microsoft.com/office/drawing/2014/main" val="2669780779"/>
+                    </a:ext>
+                  </a:extLst>
+                </a:gridCol>
+              </a:tblGrid>
+              <a:tr h="625717">
+                <a:tc>
+                  <a:txBody>
+                    <a:bodyPr/>
+                    <a:lstStyle/>
+                    <a:p>
+                      <a:pPr algn="ctr"/>
+                      <a:r>
+                        <a:rPr lang="en-US" sz="2000" dirty="0" err="1"/>
+                        <a:t>enum</a:t>
+                      </a:r>
+                      <a:r>
                         <a:rPr lang="en-US" sz="2000" dirty="0"/>
-                        <a:t>-     </a:t>
+                        <a:t> </a:t>
+                      </a:r>
+                    </a:p>
+                    <a:p>
+                      <a:pPr algn="ctr"/>
+                      <a:r>
+                        <a:rPr lang="en-US" sz="2000" dirty="0"/>
+                        <a:t>Position</a:t>
+                      </a:r>
+                    </a:p>
+                    <a:p>
+                      <a:pPr algn="l"/>
+                      <a:r>
+                        <a:rPr lang="en-US" sz="2000" b="0" dirty="0"/>
+                        <a:t>-     CHEFT = “</a:t>
+                      </a:r>
+                      <a:r>
+                        <a:rPr lang="en-US" sz="2000" b="0" dirty="0" err="1"/>
+                        <a:t>cheft</a:t>
                       </a:r>
                       <a:r>
                         <a:rPr lang="en-US" sz="2000" b="0" dirty="0"/>
-                        <a:t>salary : number</a:t>
+                        <a:t>”,</a:t>
+                      </a:r>
+                    </a:p>
+                    <a:p>
+                      <a:pPr marL="342900" indent="-342900">
+                        <a:buFontTx/>
+                        <a:buChar char="-"/>
+                      </a:pPr>
+                      <a:r>
+                        <a:rPr lang="en-US" sz="2000" b="0" dirty="0"/>
+                        <a:t>WAITER  = “waiter”,</a:t>
+                      </a:r>
+                    </a:p>
+                    <a:p>
+                      <a:pPr marL="342900" marR="0" lvl="0" indent="-342900" algn="l" defTabSz="914400" rtl="0" eaLnBrk="1" fontAlgn="auto" latinLnBrk="0" hangingPunct="1">
+                        <a:lnSpc>
+                          <a:spcPct val="100000"/>
+                        </a:lnSpc>
+                        <a:spcBef>
+                          <a:spcPts val="0"/>
+                        </a:spcBef>
+                        <a:spcAft>
+                          <a:spcPts val="0"/>
+                        </a:spcAft>
+                        <a:buClrTx/>
+                        <a:buSzTx/>
+                        <a:buFontTx/>
+                        <a:buChar char="-"/>
+                        <a:tabLst/>
+                        <a:defRPr/>
+                      </a:pPr>
+                      <a:r>
+                        <a:rPr lang="en-US" sz="2000" b="0" dirty="0"/>
+                        <a:t>MANAGER = “manager”,</a:t>
+                      </a:r>
+                      <a:endParaRPr lang="en-US" sz="2000" dirty="0"/>
+                    </a:p>
+                    <a:p>
+                      <a:pPr marL="342900" indent="-342900" algn="l">
+                        <a:buFontTx/>
+                        <a:buChar char="-"/>
+                      </a:pPr>
+                      <a:r>
+                        <a:rPr lang="en-US" sz="2000" b="0" dirty="0"/>
+                        <a:t>RECEPTIONIST = “receptionist”,</a:t>
+                      </a:r>
+                    </a:p>
+                    <a:p>
+                      <a:pPr marL="342900" indent="-342900" algn="l">
+                        <a:buFontTx/>
+                        <a:buChar char="-"/>
+                      </a:pPr>
+                      <a:r>
+                        <a:rPr lang="en-US" sz="2000" b="0" dirty="0"/>
+                        <a:t>CLERK = “clerk”,</a:t>
+                      </a:r>
+                    </a:p>
+                    <a:p>
+                      <a:pPr marL="342900" indent="-342900" algn="l">
+                        <a:buFontTx/>
+                        <a:buChar char="-"/>
+                      </a:pPr>
+                      <a:r>
+                        <a:rPr lang="en-US" sz="2000" b="0" dirty="0"/>
+                        <a:t>SECURITYMN = “</a:t>
+                      </a:r>
+                      <a:r>
+                        <a:rPr lang="en-US" sz="2000" b="0" dirty="0" err="1"/>
+                        <a:t>securityman</a:t>
+                      </a:r>
+                      <a:r>
+                        <a:rPr lang="en-US" sz="2000" b="0" dirty="0"/>
+                        <a:t>”</a:t>
+                      </a:r>
+                    </a:p>
+                  </a:txBody>
+                  <a:tcPr/>
+                </a:tc>
+                <a:extLst>
+                  <a:ext uri="{0D108BD9-81ED-4DB2-BD59-A6C34878D82A}">
+                    <a16:rowId xmlns:a16="http://schemas.microsoft.com/office/drawing/2014/main" val="2092005147"/>
+                  </a:ext>
+                </a:extLst>
+              </a:tr>
+            </a:tbl>
+          </a:graphicData>
+        </a:graphic>
+      </p:graphicFrame>
+      <p:graphicFrame>
+        <p:nvGraphicFramePr>
+          <p:cNvPr id="5" name="Table 4">
+            <a:extLst>
+              <a:ext uri="{FF2B5EF4-FFF2-40B4-BE49-F238E27FC236}">
+                <a16:creationId xmlns:a16="http://schemas.microsoft.com/office/drawing/2014/main" id="{BBE12FDD-B9A4-B175-8EAF-44BEF8954A25}"/>
+              </a:ext>
+            </a:extLst>
+          </p:cNvPr>
+          <p:cNvGraphicFramePr>
+            <a:graphicFrameLocks noGrp="1"/>
+          </p:cNvGraphicFramePr>
+          <p:nvPr>
+            <p:extLst>
+              <p:ext uri="{D42A27DB-BD31-4B8C-83A1-F6EECF244321}">
+                <p14:modId xmlns:p14="http://schemas.microsoft.com/office/powerpoint/2010/main" val="3326074840"/>
+              </p:ext>
+            </p:extLst>
+          </p:nvPr>
+        </p:nvGraphicFramePr>
+        <p:xfrm>
+          <a:off x="7789239" y="721359"/>
+          <a:ext cx="2557145" cy="625717"/>
+        </p:xfrm>
+        <a:graphic>
+          <a:graphicData uri="http://schemas.openxmlformats.org/drawingml/2006/table">
+            <a:tbl>
+              <a:tblPr firstRow="1" bandRow="1">
+                <a:tableStyleId>{5C22544A-7EE6-4342-B048-85BDC9FD1C3A}</a:tableStyleId>
+              </a:tblPr>
+              <a:tblGrid>
+                <a:gridCol w="2557145">
+                  <a:extLst>
+                    <a:ext uri="{9D8B030D-6E8A-4147-A177-3AD203B41FA5}">
+                      <a16:colId xmlns:a16="http://schemas.microsoft.com/office/drawing/2014/main" val="2669780779"/>
+                    </a:ext>
+                  </a:extLst>
+                </a:gridCol>
+              </a:tblGrid>
+              <a:tr h="625717">
+                <a:tc>
+                  <a:txBody>
+                    <a:bodyPr/>
+                    <a:lstStyle/>
+                    <a:p>
+                      <a:pPr algn="ctr">
+                        <a:lnSpc>
+                          <a:spcPct val="150000"/>
+                        </a:lnSpc>
+                      </a:pPr>
+                      <a:r>
+                        <a:rPr lang="en-US" sz="2000" b="1" dirty="0"/>
+                        <a:t>Address</a:t>
                       </a:r>
                     </a:p>
                   </a:txBody>
@@ -4943,7 +4543,7 @@
           <p:cNvPr id="6" name="Table 5">
             <a:extLst>
               <a:ext uri="{FF2B5EF4-FFF2-40B4-BE49-F238E27FC236}">
-                <a16:creationId xmlns:a16="http://schemas.microsoft.com/office/drawing/2014/main" id="{59392FD6-B496-EBA8-E65B-F009B981D43D}"/>
+                <a16:creationId xmlns:a16="http://schemas.microsoft.com/office/drawing/2014/main" id="{268489B4-6A8A-4C04-716E-1685D7B4D31D}"/>
               </a:ext>
             </a:extLst>
           </p:cNvPr>
@@ -4953,13 +4553,13 @@
           <p:nvPr>
             <p:extLst>
               <p:ext uri="{D42A27DB-BD31-4B8C-83A1-F6EECF244321}">
-                <p14:modId xmlns:p14="http://schemas.microsoft.com/office/powerpoint/2010/main" val="1359456786"/>
+                <p14:modId xmlns:p14="http://schemas.microsoft.com/office/powerpoint/2010/main" val="2070721552"/>
               </p:ext>
             </p:extLst>
           </p:nvPr>
         </p:nvGraphicFramePr>
         <p:xfrm>
-          <a:off x="5787698" y="2202092"/>
+          <a:off x="1063264" y="721360"/>
           <a:ext cx="3230179" cy="1310640"/>
         </p:xfrm>
         <a:graphic>
@@ -5079,25 +4679,991 @@
           </a:graphicData>
         </a:graphic>
       </p:graphicFrame>
+      <p:grpSp>
+        <p:nvGrpSpPr>
+          <p:cNvPr id="13" name="Group 12">
+            <a:extLst>
+              <a:ext uri="{FF2B5EF4-FFF2-40B4-BE49-F238E27FC236}">
+                <a16:creationId xmlns:a16="http://schemas.microsoft.com/office/drawing/2014/main" id="{97768D8A-AF89-D312-5D7E-DE85872E7C75}"/>
+              </a:ext>
+            </a:extLst>
+          </p:cNvPr>
+          <p:cNvGrpSpPr/>
+          <p:nvPr/>
+        </p:nvGrpSpPr>
+        <p:grpSpPr>
+          <a:xfrm>
+            <a:off x="2286000" y="2184400"/>
+            <a:ext cx="1433996" cy="2926498"/>
+            <a:chOff x="2286000" y="2184400"/>
+            <a:chExt cx="1433996" cy="2926498"/>
+          </a:xfrm>
+        </p:grpSpPr>
+        <p:cxnSp>
+          <p:nvCxnSpPr>
+            <p:cNvPr id="4" name="Straight Arrow Connector 3">
+              <a:extLst>
+                <a:ext uri="{FF2B5EF4-FFF2-40B4-BE49-F238E27FC236}">
+                  <a16:creationId xmlns:a16="http://schemas.microsoft.com/office/drawing/2014/main" id="{8C0924E2-86ED-D5AB-D1F6-013F0550E491}"/>
+                </a:ext>
+              </a:extLst>
+            </p:cNvPr>
+            <p:cNvCxnSpPr>
+              <a:cxnSpLocks/>
+            </p:cNvCxnSpPr>
+            <p:nvPr/>
+          </p:nvCxnSpPr>
+          <p:spPr>
+            <a:xfrm>
+              <a:off x="2286000" y="3810000"/>
+              <a:ext cx="0" cy="1300898"/>
+            </a:xfrm>
+            <a:prstGeom prst="straightConnector1">
+              <a:avLst/>
+            </a:prstGeom>
+            <a:ln>
+              <a:tailEnd type="triangle"/>
+            </a:ln>
+          </p:spPr>
+          <p:style>
+            <a:lnRef idx="3">
+              <a:schemeClr val="accent1"/>
+            </a:lnRef>
+            <a:fillRef idx="0">
+              <a:schemeClr val="accent1"/>
+            </a:fillRef>
+            <a:effectRef idx="2">
+              <a:schemeClr val="accent1"/>
+            </a:effectRef>
+            <a:fontRef idx="minor">
+              <a:schemeClr val="tx1"/>
+            </a:fontRef>
+          </p:style>
+        </p:cxnSp>
+        <p:cxnSp>
+          <p:nvCxnSpPr>
+            <p:cNvPr id="9" name="Straight Connector 8">
+              <a:extLst>
+                <a:ext uri="{FF2B5EF4-FFF2-40B4-BE49-F238E27FC236}">
+                  <a16:creationId xmlns:a16="http://schemas.microsoft.com/office/drawing/2014/main" id="{C3D46B75-FDBA-CEC9-08B6-3EE8D27F1404}"/>
+                </a:ext>
+              </a:extLst>
+            </p:cNvPr>
+            <p:cNvCxnSpPr/>
+            <p:nvPr/>
+          </p:nvCxnSpPr>
+          <p:spPr>
+            <a:xfrm>
+              <a:off x="2286000" y="3810000"/>
+              <a:ext cx="1433996" cy="0"/>
+            </a:xfrm>
+            <a:prstGeom prst="line">
+              <a:avLst/>
+            </a:prstGeom>
+          </p:spPr>
+          <p:style>
+            <a:lnRef idx="3">
+              <a:schemeClr val="accent1"/>
+            </a:lnRef>
+            <a:fillRef idx="0">
+              <a:schemeClr val="accent1"/>
+            </a:fillRef>
+            <a:effectRef idx="2">
+              <a:schemeClr val="accent1"/>
+            </a:effectRef>
+            <a:fontRef idx="minor">
+              <a:schemeClr val="tx1"/>
+            </a:fontRef>
+          </p:style>
+        </p:cxnSp>
+        <p:cxnSp>
+          <p:nvCxnSpPr>
+            <p:cNvPr id="11" name="Straight Arrow Connector 10">
+              <a:extLst>
+                <a:ext uri="{FF2B5EF4-FFF2-40B4-BE49-F238E27FC236}">
+                  <a16:creationId xmlns:a16="http://schemas.microsoft.com/office/drawing/2014/main" id="{5B18F064-C38C-78D7-0329-CC8394FE737F}"/>
+                </a:ext>
+              </a:extLst>
+            </p:cNvPr>
+            <p:cNvCxnSpPr>
+              <a:cxnSpLocks/>
+            </p:cNvCxnSpPr>
+            <p:nvPr/>
+          </p:nvCxnSpPr>
+          <p:spPr>
+            <a:xfrm flipV="1">
+              <a:off x="2286000" y="2184400"/>
+              <a:ext cx="0" cy="1625600"/>
+            </a:xfrm>
+            <a:prstGeom prst="straightConnector1">
+              <a:avLst/>
+            </a:prstGeom>
+            <a:ln>
+              <a:tailEnd type="triangle"/>
+            </a:ln>
+          </p:spPr>
+          <p:style>
+            <a:lnRef idx="3">
+              <a:schemeClr val="accent1"/>
+            </a:lnRef>
+            <a:fillRef idx="0">
+              <a:schemeClr val="accent1"/>
+            </a:fillRef>
+            <a:effectRef idx="2">
+              <a:schemeClr val="accent1"/>
+            </a:effectRef>
+            <a:fontRef idx="minor">
+              <a:schemeClr val="tx1"/>
+            </a:fontRef>
+          </p:style>
+        </p:cxnSp>
+      </p:grpSp>
+      <p:grpSp>
+        <p:nvGrpSpPr>
+          <p:cNvPr id="16" name="Group 15">
+            <a:extLst>
+              <a:ext uri="{FF2B5EF4-FFF2-40B4-BE49-F238E27FC236}">
+                <a16:creationId xmlns:a16="http://schemas.microsoft.com/office/drawing/2014/main" id="{0903D0DB-A892-26D6-EDEF-AF6246168B2F}"/>
+              </a:ext>
+            </a:extLst>
+          </p:cNvPr>
+          <p:cNvGrpSpPr/>
+          <p:nvPr/>
+        </p:nvGrpSpPr>
+        <p:grpSpPr>
+          <a:xfrm flipH="1">
+            <a:off x="6580908" y="1347077"/>
+            <a:ext cx="2624021" cy="2462921"/>
+            <a:chOff x="2286000" y="2184400"/>
+            <a:chExt cx="1433996" cy="2926498"/>
+          </a:xfrm>
+        </p:grpSpPr>
+        <p:cxnSp>
+          <p:nvCxnSpPr>
+            <p:cNvPr id="17" name="Straight Arrow Connector 16">
+              <a:extLst>
+                <a:ext uri="{FF2B5EF4-FFF2-40B4-BE49-F238E27FC236}">
+                  <a16:creationId xmlns:a16="http://schemas.microsoft.com/office/drawing/2014/main" id="{B601E52E-4B38-2263-CD05-275552144B46}"/>
+                </a:ext>
+              </a:extLst>
+            </p:cNvPr>
+            <p:cNvCxnSpPr>
+              <a:cxnSpLocks/>
+            </p:cNvCxnSpPr>
+            <p:nvPr/>
+          </p:nvCxnSpPr>
+          <p:spPr>
+            <a:xfrm>
+              <a:off x="2286000" y="3810000"/>
+              <a:ext cx="0" cy="1300898"/>
+            </a:xfrm>
+            <a:prstGeom prst="straightConnector1">
+              <a:avLst/>
+            </a:prstGeom>
+            <a:ln>
+              <a:tailEnd type="triangle"/>
+            </a:ln>
+          </p:spPr>
+          <p:style>
+            <a:lnRef idx="3">
+              <a:schemeClr val="accent1"/>
+            </a:lnRef>
+            <a:fillRef idx="0">
+              <a:schemeClr val="accent1"/>
+            </a:fillRef>
+            <a:effectRef idx="2">
+              <a:schemeClr val="accent1"/>
+            </a:effectRef>
+            <a:fontRef idx="minor">
+              <a:schemeClr val="tx1"/>
+            </a:fontRef>
+          </p:style>
+        </p:cxnSp>
+        <p:cxnSp>
+          <p:nvCxnSpPr>
+            <p:cNvPr id="18" name="Straight Connector 17">
+              <a:extLst>
+                <a:ext uri="{FF2B5EF4-FFF2-40B4-BE49-F238E27FC236}">
+                  <a16:creationId xmlns:a16="http://schemas.microsoft.com/office/drawing/2014/main" id="{431B58B6-AFCF-6A19-729E-25D13B4E454F}"/>
+                </a:ext>
+              </a:extLst>
+            </p:cNvPr>
+            <p:cNvCxnSpPr/>
+            <p:nvPr/>
+          </p:nvCxnSpPr>
+          <p:spPr>
+            <a:xfrm>
+              <a:off x="2286000" y="3810000"/>
+              <a:ext cx="1433996" cy="0"/>
+            </a:xfrm>
+            <a:prstGeom prst="line">
+              <a:avLst/>
+            </a:prstGeom>
+          </p:spPr>
+          <p:style>
+            <a:lnRef idx="3">
+              <a:schemeClr val="accent1"/>
+            </a:lnRef>
+            <a:fillRef idx="0">
+              <a:schemeClr val="accent1"/>
+            </a:fillRef>
+            <a:effectRef idx="2">
+              <a:schemeClr val="accent1"/>
+            </a:effectRef>
+            <a:fontRef idx="minor">
+              <a:schemeClr val="tx1"/>
+            </a:fontRef>
+          </p:style>
+        </p:cxnSp>
+        <p:cxnSp>
+          <p:nvCxnSpPr>
+            <p:cNvPr id="19" name="Straight Arrow Connector 18">
+              <a:extLst>
+                <a:ext uri="{FF2B5EF4-FFF2-40B4-BE49-F238E27FC236}">
+                  <a16:creationId xmlns:a16="http://schemas.microsoft.com/office/drawing/2014/main" id="{5F1B2C36-28B1-B8F3-B765-E23D3EE5AF9B}"/>
+                </a:ext>
+              </a:extLst>
+            </p:cNvPr>
+            <p:cNvCxnSpPr>
+              <a:cxnSpLocks/>
+            </p:cNvCxnSpPr>
+            <p:nvPr/>
+          </p:nvCxnSpPr>
+          <p:spPr>
+            <a:xfrm flipV="1">
+              <a:off x="2286000" y="2184400"/>
+              <a:ext cx="0" cy="1625600"/>
+            </a:xfrm>
+            <a:prstGeom prst="straightConnector1">
+              <a:avLst/>
+            </a:prstGeom>
+            <a:ln>
+              <a:tailEnd type="triangle"/>
+            </a:ln>
+          </p:spPr>
+          <p:style>
+            <a:lnRef idx="3">
+              <a:schemeClr val="accent1"/>
+            </a:lnRef>
+            <a:fillRef idx="0">
+              <a:schemeClr val="accent1"/>
+            </a:fillRef>
+            <a:effectRef idx="2">
+              <a:schemeClr val="accent1"/>
+            </a:effectRef>
+            <a:fontRef idx="minor">
+              <a:schemeClr val="tx1"/>
+            </a:fontRef>
+          </p:style>
+        </p:cxnSp>
+      </p:grpSp>
+      <p:sp>
+        <p:nvSpPr>
+          <p:cNvPr id="20" name="TextBox 19">
+            <a:extLst>
+              <a:ext uri="{FF2B5EF4-FFF2-40B4-BE49-F238E27FC236}">
+                <a16:creationId xmlns:a16="http://schemas.microsoft.com/office/drawing/2014/main" id="{49561414-DB20-B079-F5E6-12A176E3DE4E}"/>
+              </a:ext>
+            </a:extLst>
+          </p:cNvPr>
+          <p:cNvSpPr txBox="1"/>
+          <p:nvPr/>
+        </p:nvSpPr>
+        <p:spPr>
+          <a:xfrm>
+            <a:off x="2001520" y="2316480"/>
+            <a:ext cx="45719" cy="369332"/>
+          </a:xfrm>
+          <a:prstGeom prst="rect">
+            <a:avLst/>
+          </a:prstGeom>
+          <a:noFill/>
+        </p:spPr>
+        <p:txBody>
+          <a:bodyPr wrap="square" rtlCol="0">
+            <a:spAutoFit/>
+          </a:bodyPr>
+          <a:lstStyle/>
+          <a:p>
+            <a:r>
+              <a:rPr lang="en-US" dirty="0"/>
+              <a:t>1</a:t>
+            </a:r>
+          </a:p>
+        </p:txBody>
+      </p:sp>
+      <p:sp>
+        <p:nvSpPr>
+          <p:cNvPr id="21" name="TextBox 20">
+            <a:extLst>
+              <a:ext uri="{FF2B5EF4-FFF2-40B4-BE49-F238E27FC236}">
+                <a16:creationId xmlns:a16="http://schemas.microsoft.com/office/drawing/2014/main" id="{A30C8993-8604-5A5B-F040-EE851F568A5C}"/>
+              </a:ext>
+            </a:extLst>
+          </p:cNvPr>
+          <p:cNvSpPr txBox="1"/>
+          <p:nvPr/>
+        </p:nvSpPr>
+        <p:spPr>
+          <a:xfrm>
+            <a:off x="1935479" y="4741566"/>
+            <a:ext cx="45719" cy="369332"/>
+          </a:xfrm>
+          <a:prstGeom prst="rect">
+            <a:avLst/>
+          </a:prstGeom>
+          <a:noFill/>
+        </p:spPr>
+        <p:txBody>
+          <a:bodyPr wrap="square" rtlCol="0">
+            <a:spAutoFit/>
+          </a:bodyPr>
+          <a:lstStyle/>
+          <a:p>
+            <a:r>
+              <a:rPr lang="en-US" dirty="0"/>
+              <a:t>1</a:t>
+            </a:r>
+          </a:p>
+        </p:txBody>
+      </p:sp>
+      <p:sp>
+        <p:nvSpPr>
+          <p:cNvPr id="22" name="TextBox 21">
+            <a:extLst>
+              <a:ext uri="{FF2B5EF4-FFF2-40B4-BE49-F238E27FC236}">
+                <a16:creationId xmlns:a16="http://schemas.microsoft.com/office/drawing/2014/main" id="{0C20EA88-1383-058E-6B47-4487524A2E1A}"/>
+              </a:ext>
+            </a:extLst>
+          </p:cNvPr>
+          <p:cNvSpPr txBox="1"/>
+          <p:nvPr/>
+        </p:nvSpPr>
+        <p:spPr>
+          <a:xfrm>
+            <a:off x="8849360" y="1615440"/>
+            <a:ext cx="45719" cy="369332"/>
+          </a:xfrm>
+          <a:prstGeom prst="rect">
+            <a:avLst/>
+          </a:prstGeom>
+          <a:noFill/>
+        </p:spPr>
+        <p:txBody>
+          <a:bodyPr wrap="square" rtlCol="0">
+            <a:spAutoFit/>
+          </a:bodyPr>
+          <a:lstStyle/>
+          <a:p>
+            <a:r>
+              <a:rPr lang="en-US" dirty="0"/>
+              <a:t>1</a:t>
+            </a:r>
+          </a:p>
+        </p:txBody>
+      </p:sp>
+      <p:sp>
+        <p:nvSpPr>
+          <p:cNvPr id="23" name="TextBox 22">
+            <a:extLst>
+              <a:ext uri="{FF2B5EF4-FFF2-40B4-BE49-F238E27FC236}">
+                <a16:creationId xmlns:a16="http://schemas.microsoft.com/office/drawing/2014/main" id="{743E6BDD-66E0-805E-EB6C-B25E35C3116E}"/>
+              </a:ext>
+            </a:extLst>
+          </p:cNvPr>
+          <p:cNvSpPr txBox="1"/>
+          <p:nvPr/>
+        </p:nvSpPr>
+        <p:spPr>
+          <a:xfrm>
+            <a:off x="9448799" y="3601929"/>
+            <a:ext cx="45719" cy="369332"/>
+          </a:xfrm>
+          <a:prstGeom prst="rect">
+            <a:avLst/>
+          </a:prstGeom>
+          <a:noFill/>
+        </p:spPr>
+        <p:txBody>
+          <a:bodyPr wrap="square" rtlCol="0">
+            <a:spAutoFit/>
+          </a:bodyPr>
+          <a:lstStyle/>
+          <a:p>
+            <a:r>
+              <a:rPr lang="en-US" dirty="0"/>
+              <a:t>1</a:t>
+            </a:r>
+          </a:p>
+        </p:txBody>
+      </p:sp>
+    </p:spTree>
+    <p:extLst>
+      <p:ext uri="{BB962C8B-B14F-4D97-AF65-F5344CB8AC3E}">
+        <p14:creationId xmlns:p14="http://schemas.microsoft.com/office/powerpoint/2010/main" val="2953334974"/>
+      </p:ext>
+    </p:extLst>
+  </p:cSld>
+  <p:clrMapOvr>
+    <a:masterClrMapping/>
+  </p:clrMapOvr>
+</p:sld>
+</file>
+
+<file path=ppt/slides/slide3.xml><?xml version="1.0" encoding="utf-8"?>
+<p:sld xmlns:a="http://schemas.openxmlformats.org/drawingml/2006/main" xmlns:r="http://schemas.openxmlformats.org/officeDocument/2006/relationships" xmlns:p="http://schemas.openxmlformats.org/presentationml/2006/main">
+  <p:cSld>
+    <p:spTree>
+      <p:nvGrpSpPr>
+        <p:cNvPr id="1" name=""/>
+        <p:cNvGrpSpPr/>
+        <p:nvPr/>
+      </p:nvGrpSpPr>
+      <p:grpSpPr>
+        <a:xfrm>
+          <a:off x="0" y="0"/>
+          <a:ext cx="0" cy="0"/>
+          <a:chOff x="0" y="0"/>
+          <a:chExt cx="0" cy="0"/>
+        </a:xfrm>
+      </p:grpSpPr>
+      <p:graphicFrame>
+        <p:nvGraphicFramePr>
+          <p:cNvPr id="4" name="Table 3">
+            <a:extLst>
+              <a:ext uri="{FF2B5EF4-FFF2-40B4-BE49-F238E27FC236}">
+                <a16:creationId xmlns:a16="http://schemas.microsoft.com/office/drawing/2014/main" id="{5647DAE1-45F6-3A8C-B069-622DC175D4C6}"/>
+              </a:ext>
+            </a:extLst>
+          </p:cNvPr>
+          <p:cNvGraphicFramePr>
+            <a:graphicFrameLocks noGrp="1"/>
+          </p:cNvGraphicFramePr>
+          <p:nvPr>
+            <p:extLst>
+              <p:ext uri="{D42A27DB-BD31-4B8C-83A1-F6EECF244321}">
+                <p14:modId xmlns:p14="http://schemas.microsoft.com/office/powerpoint/2010/main" val="729024726"/>
+              </p:ext>
+            </p:extLst>
+          </p:nvPr>
+        </p:nvGraphicFramePr>
+        <p:xfrm>
+          <a:off x="5004674" y="3286176"/>
+          <a:ext cx="2605645" cy="547041"/>
+        </p:xfrm>
+        <a:graphic>
+          <a:graphicData uri="http://schemas.openxmlformats.org/drawingml/2006/table">
+            <a:tbl>
+              <a:tblPr firstRow="1" bandRow="1">
+                <a:tableStyleId>{5C22544A-7EE6-4342-B048-85BDC9FD1C3A}</a:tableStyleId>
+              </a:tblPr>
+              <a:tblGrid>
+                <a:gridCol w="2605645">
+                  <a:extLst>
+                    <a:ext uri="{9D8B030D-6E8A-4147-A177-3AD203B41FA5}">
+                      <a16:colId xmlns:a16="http://schemas.microsoft.com/office/drawing/2014/main" val="2669780779"/>
+                    </a:ext>
+                  </a:extLst>
+                </a:gridCol>
+              </a:tblGrid>
+              <a:tr h="547041">
+                <a:tc>
+                  <a:txBody>
+                    <a:bodyPr/>
+                    <a:lstStyle/>
+                    <a:p>
+                      <a:pPr algn="ctr"/>
+                      <a:r>
+                        <a:rPr lang="en-US" sz="2000" dirty="0" err="1"/>
+                        <a:t>StaffList</a:t>
+                      </a:r>
+                      <a:endParaRPr lang="en-US" sz="2000" dirty="0"/>
+                    </a:p>
+                  </a:txBody>
+                  <a:tcPr>
+                    <a:solidFill>
+                      <a:schemeClr val="accent4">
+                        <a:lumMod val="75000"/>
+                      </a:schemeClr>
+                    </a:solidFill>
+                  </a:tcPr>
+                </a:tc>
+                <a:extLst>
+                  <a:ext uri="{0D108BD9-81ED-4DB2-BD59-A6C34878D82A}">
+                    <a16:rowId xmlns:a16="http://schemas.microsoft.com/office/drawing/2014/main" val="2092005147"/>
+                  </a:ext>
+                </a:extLst>
+              </a:tr>
+            </a:tbl>
+          </a:graphicData>
+        </a:graphic>
+      </p:graphicFrame>
+      <p:graphicFrame>
+        <p:nvGraphicFramePr>
+          <p:cNvPr id="8" name="Table 7">
+            <a:extLst>
+              <a:ext uri="{FF2B5EF4-FFF2-40B4-BE49-F238E27FC236}">
+                <a16:creationId xmlns:a16="http://schemas.microsoft.com/office/drawing/2014/main" id="{53B9E366-B6A7-7152-4F2A-C0E28C971128}"/>
+              </a:ext>
+            </a:extLst>
+          </p:cNvPr>
+          <p:cNvGraphicFramePr>
+            <a:graphicFrameLocks noGrp="1"/>
+          </p:cNvGraphicFramePr>
+          <p:nvPr>
+            <p:extLst>
+              <p:ext uri="{D42A27DB-BD31-4B8C-83A1-F6EECF244321}">
+                <p14:modId xmlns:p14="http://schemas.microsoft.com/office/powerpoint/2010/main" val="4253516209"/>
+              </p:ext>
+            </p:extLst>
+          </p:nvPr>
+        </p:nvGraphicFramePr>
+        <p:xfrm>
+          <a:off x="9197141" y="1157434"/>
+          <a:ext cx="2605645" cy="547041"/>
+        </p:xfrm>
+        <a:graphic>
+          <a:graphicData uri="http://schemas.openxmlformats.org/drawingml/2006/table">
+            <a:tbl>
+              <a:tblPr firstRow="1" bandRow="1">
+                <a:tableStyleId>{5C22544A-7EE6-4342-B048-85BDC9FD1C3A}</a:tableStyleId>
+              </a:tblPr>
+              <a:tblGrid>
+                <a:gridCol w="2605645">
+                  <a:extLst>
+                    <a:ext uri="{9D8B030D-6E8A-4147-A177-3AD203B41FA5}">
+                      <a16:colId xmlns:a16="http://schemas.microsoft.com/office/drawing/2014/main" val="2669780779"/>
+                    </a:ext>
+                  </a:extLst>
+                </a:gridCol>
+              </a:tblGrid>
+              <a:tr h="547041">
+                <a:tc>
+                  <a:txBody>
+                    <a:bodyPr/>
+                    <a:lstStyle/>
+                    <a:p>
+                      <a:pPr algn="ctr"/>
+                      <a:r>
+                        <a:rPr lang="en-US" sz="2000" dirty="0" err="1"/>
+                        <a:t>Securityman</a:t>
+                      </a:r>
+                      <a:r>
+                        <a:rPr lang="en-US" sz="2000" dirty="0"/>
+                        <a:t> </a:t>
+                      </a:r>
+                    </a:p>
+                  </a:txBody>
+                  <a:tcPr>
+                    <a:solidFill>
+                      <a:schemeClr val="accent6"/>
+                    </a:solidFill>
+                  </a:tcPr>
+                </a:tc>
+                <a:extLst>
+                  <a:ext uri="{0D108BD9-81ED-4DB2-BD59-A6C34878D82A}">
+                    <a16:rowId xmlns:a16="http://schemas.microsoft.com/office/drawing/2014/main" val="2092005147"/>
+                  </a:ext>
+                </a:extLst>
+              </a:tr>
+            </a:tbl>
+          </a:graphicData>
+        </a:graphic>
+      </p:graphicFrame>
+      <p:graphicFrame>
+        <p:nvGraphicFramePr>
+          <p:cNvPr id="9" name="Table 8">
+            <a:extLst>
+              <a:ext uri="{FF2B5EF4-FFF2-40B4-BE49-F238E27FC236}">
+                <a16:creationId xmlns:a16="http://schemas.microsoft.com/office/drawing/2014/main" id="{C6C50F0C-C3FB-D394-BBF8-7A3058DFDCE9}"/>
+              </a:ext>
+            </a:extLst>
+          </p:cNvPr>
+          <p:cNvGraphicFramePr>
+            <a:graphicFrameLocks noGrp="1"/>
+          </p:cNvGraphicFramePr>
+          <p:nvPr>
+            <p:extLst>
+              <p:ext uri="{D42A27DB-BD31-4B8C-83A1-F6EECF244321}">
+                <p14:modId xmlns:p14="http://schemas.microsoft.com/office/powerpoint/2010/main" val="2413376496"/>
+              </p:ext>
+            </p:extLst>
+          </p:nvPr>
+        </p:nvGraphicFramePr>
+        <p:xfrm>
+          <a:off x="1218607" y="1165190"/>
+          <a:ext cx="2605645" cy="547041"/>
+        </p:xfrm>
+        <a:graphic>
+          <a:graphicData uri="http://schemas.openxmlformats.org/drawingml/2006/table">
+            <a:tbl>
+              <a:tblPr firstRow="1" bandRow="1">
+                <a:tableStyleId>{5C22544A-7EE6-4342-B048-85BDC9FD1C3A}</a:tableStyleId>
+              </a:tblPr>
+              <a:tblGrid>
+                <a:gridCol w="2605645">
+                  <a:extLst>
+                    <a:ext uri="{9D8B030D-6E8A-4147-A177-3AD203B41FA5}">
+                      <a16:colId xmlns:a16="http://schemas.microsoft.com/office/drawing/2014/main" val="2669780779"/>
+                    </a:ext>
+                  </a:extLst>
+                </a:gridCol>
+              </a:tblGrid>
+              <a:tr h="547041">
+                <a:tc>
+                  <a:txBody>
+                    <a:bodyPr/>
+                    <a:lstStyle/>
+                    <a:p>
+                      <a:pPr algn="ctr"/>
+                      <a:r>
+                        <a:rPr lang="en-US" sz="2000" dirty="0"/>
+                        <a:t>clerk</a:t>
+                      </a:r>
+                    </a:p>
+                  </a:txBody>
+                  <a:tcPr>
+                    <a:solidFill>
+                      <a:schemeClr val="accent6"/>
+                    </a:solidFill>
+                  </a:tcPr>
+                </a:tc>
+                <a:extLst>
+                  <a:ext uri="{0D108BD9-81ED-4DB2-BD59-A6C34878D82A}">
+                    <a16:rowId xmlns:a16="http://schemas.microsoft.com/office/drawing/2014/main" val="2092005147"/>
+                  </a:ext>
+                </a:extLst>
+              </a:tr>
+            </a:tbl>
+          </a:graphicData>
+        </a:graphic>
+      </p:graphicFrame>
+      <p:graphicFrame>
+        <p:nvGraphicFramePr>
+          <p:cNvPr id="10" name="Table 9">
+            <a:extLst>
+              <a:ext uri="{FF2B5EF4-FFF2-40B4-BE49-F238E27FC236}">
+                <a16:creationId xmlns:a16="http://schemas.microsoft.com/office/drawing/2014/main" id="{7D6CA4B6-1D75-A8AB-1CE6-3AD0DC2C3ED8}"/>
+              </a:ext>
+            </a:extLst>
+          </p:cNvPr>
+          <p:cNvGraphicFramePr>
+            <a:graphicFrameLocks noGrp="1"/>
+          </p:cNvGraphicFramePr>
+          <p:nvPr>
+            <p:extLst>
+              <p:ext uri="{D42A27DB-BD31-4B8C-83A1-F6EECF244321}">
+                <p14:modId xmlns:p14="http://schemas.microsoft.com/office/powerpoint/2010/main" val="3383260371"/>
+              </p:ext>
+            </p:extLst>
+          </p:nvPr>
+        </p:nvGraphicFramePr>
+        <p:xfrm>
+          <a:off x="9197141" y="3286176"/>
+          <a:ext cx="2605645" cy="547041"/>
+        </p:xfrm>
+        <a:graphic>
+          <a:graphicData uri="http://schemas.openxmlformats.org/drawingml/2006/table">
+            <a:tbl>
+              <a:tblPr firstRow="1" bandRow="1">
+                <a:tableStyleId>{5C22544A-7EE6-4342-B048-85BDC9FD1C3A}</a:tableStyleId>
+              </a:tblPr>
+              <a:tblGrid>
+                <a:gridCol w="2605645">
+                  <a:extLst>
+                    <a:ext uri="{9D8B030D-6E8A-4147-A177-3AD203B41FA5}">
+                      <a16:colId xmlns:a16="http://schemas.microsoft.com/office/drawing/2014/main" val="2669780779"/>
+                    </a:ext>
+                  </a:extLst>
+                </a:gridCol>
+              </a:tblGrid>
+              <a:tr h="547041">
+                <a:tc>
+                  <a:txBody>
+                    <a:bodyPr/>
+                    <a:lstStyle/>
+                    <a:p>
+                      <a:pPr algn="ctr"/>
+                      <a:r>
+                        <a:rPr lang="en-US" sz="2000" dirty="0" err="1"/>
+                        <a:t>receeptionist</a:t>
+                      </a:r>
+                      <a:endParaRPr lang="en-US" sz="2000" dirty="0"/>
+                    </a:p>
+                  </a:txBody>
+                  <a:tcPr>
+                    <a:solidFill>
+                      <a:schemeClr val="accent6"/>
+                    </a:solidFill>
+                  </a:tcPr>
+                </a:tc>
+                <a:extLst>
+                  <a:ext uri="{0D108BD9-81ED-4DB2-BD59-A6C34878D82A}">
+                    <a16:rowId xmlns:a16="http://schemas.microsoft.com/office/drawing/2014/main" val="2092005147"/>
+                  </a:ext>
+                </a:extLst>
+              </a:tr>
+            </a:tbl>
+          </a:graphicData>
+        </a:graphic>
+      </p:graphicFrame>
+      <p:graphicFrame>
+        <p:nvGraphicFramePr>
+          <p:cNvPr id="11" name="Table 10">
+            <a:extLst>
+              <a:ext uri="{FF2B5EF4-FFF2-40B4-BE49-F238E27FC236}">
+                <a16:creationId xmlns:a16="http://schemas.microsoft.com/office/drawing/2014/main" id="{F92F141B-98B7-7194-D1F7-121F6355E7C6}"/>
+              </a:ext>
+            </a:extLst>
+          </p:cNvPr>
+          <p:cNvGraphicFramePr>
+            <a:graphicFrameLocks noGrp="1"/>
+          </p:cNvGraphicFramePr>
+          <p:nvPr>
+            <p:extLst>
+              <p:ext uri="{D42A27DB-BD31-4B8C-83A1-F6EECF244321}">
+                <p14:modId xmlns:p14="http://schemas.microsoft.com/office/powerpoint/2010/main" val="901281519"/>
+              </p:ext>
+            </p:extLst>
+          </p:nvPr>
+        </p:nvGraphicFramePr>
+        <p:xfrm>
+          <a:off x="5004674" y="1219999"/>
+          <a:ext cx="2605645" cy="547041"/>
+        </p:xfrm>
+        <a:graphic>
+          <a:graphicData uri="http://schemas.openxmlformats.org/drawingml/2006/table">
+            <a:tbl>
+              <a:tblPr firstRow="1" bandRow="1">
+                <a:tableStyleId>{5C22544A-7EE6-4342-B048-85BDC9FD1C3A}</a:tableStyleId>
+              </a:tblPr>
+              <a:tblGrid>
+                <a:gridCol w="2605645">
+                  <a:extLst>
+                    <a:ext uri="{9D8B030D-6E8A-4147-A177-3AD203B41FA5}">
+                      <a16:colId xmlns:a16="http://schemas.microsoft.com/office/drawing/2014/main" val="2669780779"/>
+                    </a:ext>
+                  </a:extLst>
+                </a:gridCol>
+              </a:tblGrid>
+              <a:tr h="547041">
+                <a:tc>
+                  <a:txBody>
+                    <a:bodyPr/>
+                    <a:lstStyle/>
+                    <a:p>
+                      <a:pPr algn="ctr"/>
+                      <a:r>
+                        <a:rPr lang="en-US" sz="2000" dirty="0"/>
+                        <a:t>waiter</a:t>
+                      </a:r>
+                    </a:p>
+                  </a:txBody>
+                  <a:tcPr>
+                    <a:solidFill>
+                      <a:schemeClr val="accent6"/>
+                    </a:solidFill>
+                  </a:tcPr>
+                </a:tc>
+                <a:extLst>
+                  <a:ext uri="{0D108BD9-81ED-4DB2-BD59-A6C34878D82A}">
+                    <a16:rowId xmlns:a16="http://schemas.microsoft.com/office/drawing/2014/main" val="2092005147"/>
+                  </a:ext>
+                </a:extLst>
+              </a:tr>
+            </a:tbl>
+          </a:graphicData>
+        </a:graphic>
+      </p:graphicFrame>
+      <p:graphicFrame>
+        <p:nvGraphicFramePr>
+          <p:cNvPr id="12" name="Table 11">
+            <a:extLst>
+              <a:ext uri="{FF2B5EF4-FFF2-40B4-BE49-F238E27FC236}">
+                <a16:creationId xmlns:a16="http://schemas.microsoft.com/office/drawing/2014/main" id="{B37AB067-026E-3FC7-812C-2994192EA78E}"/>
+              </a:ext>
+            </a:extLst>
+          </p:cNvPr>
+          <p:cNvGraphicFramePr>
+            <a:graphicFrameLocks noGrp="1"/>
+          </p:cNvGraphicFramePr>
+          <p:nvPr>
+            <p:extLst>
+              <p:ext uri="{D42A27DB-BD31-4B8C-83A1-F6EECF244321}">
+                <p14:modId xmlns:p14="http://schemas.microsoft.com/office/powerpoint/2010/main" val="352322836"/>
+              </p:ext>
+            </p:extLst>
+          </p:nvPr>
+        </p:nvGraphicFramePr>
+        <p:xfrm>
+          <a:off x="8062355" y="5233297"/>
+          <a:ext cx="2605645" cy="547041"/>
+        </p:xfrm>
+        <a:graphic>
+          <a:graphicData uri="http://schemas.openxmlformats.org/drawingml/2006/table">
+            <a:tbl>
+              <a:tblPr firstRow="1" bandRow="1">
+                <a:tableStyleId>{5C22544A-7EE6-4342-B048-85BDC9FD1C3A}</a:tableStyleId>
+              </a:tblPr>
+              <a:tblGrid>
+                <a:gridCol w="2605645">
+                  <a:extLst>
+                    <a:ext uri="{9D8B030D-6E8A-4147-A177-3AD203B41FA5}">
+                      <a16:colId xmlns:a16="http://schemas.microsoft.com/office/drawing/2014/main" val="2669780779"/>
+                    </a:ext>
+                  </a:extLst>
+                </a:gridCol>
+              </a:tblGrid>
+              <a:tr h="547041">
+                <a:tc>
+                  <a:txBody>
+                    <a:bodyPr/>
+                    <a:lstStyle/>
+                    <a:p>
+                      <a:pPr algn="ctr"/>
+                      <a:r>
+                        <a:rPr lang="en-US" sz="2000" dirty="0"/>
+                        <a:t>manager</a:t>
+                      </a:r>
+                    </a:p>
+                  </a:txBody>
+                  <a:tcPr>
+                    <a:solidFill>
+                      <a:schemeClr val="accent6"/>
+                    </a:solidFill>
+                  </a:tcPr>
+                </a:tc>
+                <a:extLst>
+                  <a:ext uri="{0D108BD9-81ED-4DB2-BD59-A6C34878D82A}">
+                    <a16:rowId xmlns:a16="http://schemas.microsoft.com/office/drawing/2014/main" val="2092005147"/>
+                  </a:ext>
+                </a:extLst>
+              </a:tr>
+            </a:tbl>
+          </a:graphicData>
+        </a:graphic>
+      </p:graphicFrame>
+      <p:graphicFrame>
+        <p:nvGraphicFramePr>
+          <p:cNvPr id="13" name="Table 12">
+            <a:extLst>
+              <a:ext uri="{FF2B5EF4-FFF2-40B4-BE49-F238E27FC236}">
+                <a16:creationId xmlns:a16="http://schemas.microsoft.com/office/drawing/2014/main" id="{BAC292BF-A1EC-3CB5-A970-ACB162C431C9}"/>
+              </a:ext>
+            </a:extLst>
+          </p:cNvPr>
+          <p:cNvGraphicFramePr>
+            <a:graphicFrameLocks noGrp="1"/>
+          </p:cNvGraphicFramePr>
+          <p:nvPr>
+            <p:extLst>
+              <p:ext uri="{D42A27DB-BD31-4B8C-83A1-F6EECF244321}">
+                <p14:modId xmlns:p14="http://schemas.microsoft.com/office/powerpoint/2010/main" val="169753081"/>
+              </p:ext>
+            </p:extLst>
+          </p:nvPr>
+        </p:nvGraphicFramePr>
+        <p:xfrm>
+          <a:off x="1218607" y="3286176"/>
+          <a:ext cx="2605645" cy="547041"/>
+        </p:xfrm>
+        <a:graphic>
+          <a:graphicData uri="http://schemas.openxmlformats.org/drawingml/2006/table">
+            <a:tbl>
+              <a:tblPr firstRow="1" bandRow="1">
+                <a:tableStyleId>{5C22544A-7EE6-4342-B048-85BDC9FD1C3A}</a:tableStyleId>
+              </a:tblPr>
+              <a:tblGrid>
+                <a:gridCol w="2605645">
+                  <a:extLst>
+                    <a:ext uri="{9D8B030D-6E8A-4147-A177-3AD203B41FA5}">
+                      <a16:colId xmlns:a16="http://schemas.microsoft.com/office/drawing/2014/main" val="2669780779"/>
+                    </a:ext>
+                  </a:extLst>
+                </a:gridCol>
+              </a:tblGrid>
+              <a:tr h="547041">
+                <a:tc>
+                  <a:txBody>
+                    <a:bodyPr/>
+                    <a:lstStyle/>
+                    <a:p>
+                      <a:pPr algn="ctr"/>
+                      <a:r>
+                        <a:rPr lang="en-US" sz="2000" dirty="0" err="1"/>
+                        <a:t>sheft</a:t>
+                      </a:r>
+                      <a:endParaRPr lang="en-US" sz="2000" dirty="0"/>
+                    </a:p>
+                  </a:txBody>
+                  <a:tcPr>
+                    <a:solidFill>
+                      <a:schemeClr val="accent6"/>
+                    </a:solidFill>
+                  </a:tcPr>
+                </a:tc>
+                <a:extLst>
+                  <a:ext uri="{0D108BD9-81ED-4DB2-BD59-A6C34878D82A}">
+                    <a16:rowId xmlns:a16="http://schemas.microsoft.com/office/drawing/2014/main" val="2092005147"/>
+                  </a:ext>
+                </a:extLst>
+              </a:tr>
+            </a:tbl>
+          </a:graphicData>
+        </a:graphic>
+      </p:graphicFrame>
       <p:cxnSp>
         <p:nvCxnSpPr>
-          <p:cNvPr id="7" name="Straight Arrow Connector 6">
-            <a:extLst>
-              <a:ext uri="{FF2B5EF4-FFF2-40B4-BE49-F238E27FC236}">
-                <a16:creationId xmlns:a16="http://schemas.microsoft.com/office/drawing/2014/main" id="{5E8207BE-A5B1-7FC0-B309-976D3D022972}"/>
-              </a:ext>
-            </a:extLst>
-          </p:cNvPr>
-          <p:cNvCxnSpPr>
-            <a:cxnSpLocks/>
-            <a:endCxn id="6" idx="1"/>
-          </p:cNvCxnSpPr>
+          <p:cNvPr id="3" name="Straight Connector 2">
+            <a:extLst>
+              <a:ext uri="{FF2B5EF4-FFF2-40B4-BE49-F238E27FC236}">
+                <a16:creationId xmlns:a16="http://schemas.microsoft.com/office/drawing/2014/main" id="{A982591D-1759-FF87-6405-F105E8895089}"/>
+              </a:ext>
+            </a:extLst>
+          </p:cNvPr>
+          <p:cNvCxnSpPr/>
+          <p:nvPr/>
+        </p:nvCxnSpPr>
+        <p:spPr>
+          <a:xfrm>
+            <a:off x="2133600" y="2275840"/>
+            <a:ext cx="8534400" cy="0"/>
+          </a:xfrm>
+          <a:prstGeom prst="line">
+            <a:avLst/>
+          </a:prstGeom>
+        </p:spPr>
+        <p:style>
+          <a:lnRef idx="3">
+            <a:schemeClr val="accent1"/>
+          </a:lnRef>
+          <a:fillRef idx="0">
+            <a:schemeClr val="accent1"/>
+          </a:fillRef>
+          <a:effectRef idx="2">
+            <a:schemeClr val="accent1"/>
+          </a:effectRef>
+          <a:fontRef idx="minor">
+            <a:schemeClr val="tx1"/>
+          </a:fontRef>
+        </p:style>
+      </p:cxnSp>
+      <p:cxnSp>
+        <p:nvCxnSpPr>
+          <p:cNvPr id="16" name="Straight Arrow Connector 15">
+            <a:extLst>
+              <a:ext uri="{FF2B5EF4-FFF2-40B4-BE49-F238E27FC236}">
+                <a16:creationId xmlns:a16="http://schemas.microsoft.com/office/drawing/2014/main" id="{C8F43B00-3FC0-9A72-EB02-7A6413A99BA5}"/>
+              </a:ext>
+            </a:extLst>
+          </p:cNvPr>
+          <p:cNvCxnSpPr/>
           <p:nvPr/>
         </p:nvCxnSpPr>
         <p:spPr>
           <a:xfrm flipV="1">
-            <a:off x="4204574" y="2857412"/>
-            <a:ext cx="1583124" cy="1137657"/>
+            <a:off x="2133600" y="1696719"/>
+            <a:ext cx="0" cy="563609"/>
           </a:xfrm>
           <a:prstGeom prst="straightConnector1">
             <a:avLst/>
@@ -5121,12 +5687,427 @@
           </a:fontRef>
         </p:style>
       </p:cxnSp>
+      <p:cxnSp>
+        <p:nvCxnSpPr>
+          <p:cNvPr id="17" name="Straight Arrow Connector 16">
+            <a:extLst>
+              <a:ext uri="{FF2B5EF4-FFF2-40B4-BE49-F238E27FC236}">
+                <a16:creationId xmlns:a16="http://schemas.microsoft.com/office/drawing/2014/main" id="{FBF34198-E249-8F8F-FDA2-8CEA119A75E4}"/>
+              </a:ext>
+            </a:extLst>
+          </p:cNvPr>
+          <p:cNvCxnSpPr>
+            <a:cxnSpLocks/>
+          </p:cNvCxnSpPr>
+          <p:nvPr/>
+        </p:nvCxnSpPr>
+        <p:spPr>
+          <a:xfrm flipV="1">
+            <a:off x="6264992" y="1767040"/>
+            <a:ext cx="0" cy="1400113"/>
+          </a:xfrm>
+          <a:prstGeom prst="straightConnector1">
+            <a:avLst/>
+          </a:prstGeom>
+          <a:ln>
+            <a:tailEnd type="triangle"/>
+          </a:ln>
+        </p:spPr>
+        <p:style>
+          <a:lnRef idx="3">
+            <a:schemeClr val="accent1"/>
+          </a:lnRef>
+          <a:fillRef idx="0">
+            <a:schemeClr val="accent1"/>
+          </a:fillRef>
+          <a:effectRef idx="2">
+            <a:schemeClr val="accent1"/>
+          </a:effectRef>
+          <a:fontRef idx="minor">
+            <a:schemeClr val="tx1"/>
+          </a:fontRef>
+        </p:style>
+      </p:cxnSp>
+      <p:cxnSp>
+        <p:nvCxnSpPr>
+          <p:cNvPr id="18" name="Straight Arrow Connector 17">
+            <a:extLst>
+              <a:ext uri="{FF2B5EF4-FFF2-40B4-BE49-F238E27FC236}">
+                <a16:creationId xmlns:a16="http://schemas.microsoft.com/office/drawing/2014/main" id="{64012E5E-9C75-F5BB-3CF1-46FEFB19AB67}"/>
+              </a:ext>
+            </a:extLst>
+          </p:cNvPr>
+          <p:cNvCxnSpPr/>
+          <p:nvPr/>
+        </p:nvCxnSpPr>
+        <p:spPr>
+          <a:xfrm flipV="1">
+            <a:off x="10635656" y="1712231"/>
+            <a:ext cx="0" cy="563609"/>
+          </a:xfrm>
+          <a:prstGeom prst="straightConnector1">
+            <a:avLst/>
+          </a:prstGeom>
+          <a:ln>
+            <a:tailEnd type="triangle"/>
+          </a:ln>
+        </p:spPr>
+        <p:style>
+          <a:lnRef idx="3">
+            <a:schemeClr val="accent1"/>
+          </a:lnRef>
+          <a:fillRef idx="0">
+            <a:schemeClr val="accent1"/>
+          </a:fillRef>
+          <a:effectRef idx="2">
+            <a:schemeClr val="accent1"/>
+          </a:effectRef>
+          <a:fontRef idx="minor">
+            <a:schemeClr val="tx1"/>
+          </a:fontRef>
+        </p:style>
+      </p:cxnSp>
+      <p:cxnSp>
+        <p:nvCxnSpPr>
+          <p:cNvPr id="20" name="Straight Arrow Connector 19">
+            <a:extLst>
+              <a:ext uri="{FF2B5EF4-FFF2-40B4-BE49-F238E27FC236}">
+                <a16:creationId xmlns:a16="http://schemas.microsoft.com/office/drawing/2014/main" id="{AD742CA5-A4DA-CC83-8CF6-660E2718A2C8}"/>
+              </a:ext>
+            </a:extLst>
+          </p:cNvPr>
+          <p:cNvCxnSpPr>
+            <a:cxnSpLocks/>
+            <a:stCxn id="4" idx="3"/>
+          </p:cNvCxnSpPr>
+          <p:nvPr/>
+        </p:nvCxnSpPr>
+        <p:spPr>
+          <a:xfrm>
+            <a:off x="7610319" y="3559696"/>
+            <a:ext cx="1455546" cy="1636869"/>
+          </a:xfrm>
+          <a:prstGeom prst="straightConnector1">
+            <a:avLst/>
+          </a:prstGeom>
+          <a:ln>
+            <a:tailEnd type="triangle"/>
+          </a:ln>
+        </p:spPr>
+        <p:style>
+          <a:lnRef idx="3">
+            <a:schemeClr val="accent1"/>
+          </a:lnRef>
+          <a:fillRef idx="0">
+            <a:schemeClr val="accent1"/>
+          </a:fillRef>
+          <a:effectRef idx="2">
+            <a:schemeClr val="accent1"/>
+          </a:effectRef>
+          <a:fontRef idx="minor">
+            <a:schemeClr val="tx1"/>
+          </a:fontRef>
+        </p:style>
+      </p:cxnSp>
+      <p:cxnSp>
+        <p:nvCxnSpPr>
+          <p:cNvPr id="23" name="Straight Arrow Connector 22">
+            <a:extLst>
+              <a:ext uri="{FF2B5EF4-FFF2-40B4-BE49-F238E27FC236}">
+                <a16:creationId xmlns:a16="http://schemas.microsoft.com/office/drawing/2014/main" id="{A9D3E54F-12E5-0C27-8D42-7CBC750C3BA7}"/>
+              </a:ext>
+            </a:extLst>
+          </p:cNvPr>
+          <p:cNvCxnSpPr>
+            <a:endCxn id="10" idx="1"/>
+          </p:cNvCxnSpPr>
+          <p:nvPr/>
+        </p:nvCxnSpPr>
+        <p:spPr>
+          <a:xfrm>
+            <a:off x="7610319" y="3559696"/>
+            <a:ext cx="1586822" cy="0"/>
+          </a:xfrm>
+          <a:prstGeom prst="straightConnector1">
+            <a:avLst/>
+          </a:prstGeom>
+          <a:ln>
+            <a:tailEnd type="triangle"/>
+          </a:ln>
+        </p:spPr>
+        <p:style>
+          <a:lnRef idx="3">
+            <a:schemeClr val="accent1"/>
+          </a:lnRef>
+          <a:fillRef idx="0">
+            <a:schemeClr val="accent1"/>
+          </a:fillRef>
+          <a:effectRef idx="2">
+            <a:schemeClr val="accent1"/>
+          </a:effectRef>
+          <a:fontRef idx="minor">
+            <a:schemeClr val="tx1"/>
+          </a:fontRef>
+        </p:style>
+      </p:cxnSp>
+      <p:cxnSp>
+        <p:nvCxnSpPr>
+          <p:cNvPr id="25" name="Straight Arrow Connector 24">
+            <a:extLst>
+              <a:ext uri="{FF2B5EF4-FFF2-40B4-BE49-F238E27FC236}">
+                <a16:creationId xmlns:a16="http://schemas.microsoft.com/office/drawing/2014/main" id="{82B9DD85-E5AE-7ED6-158F-62F778F1E8F5}"/>
+              </a:ext>
+            </a:extLst>
+          </p:cNvPr>
+          <p:cNvCxnSpPr>
+            <a:endCxn id="13" idx="3"/>
+          </p:cNvCxnSpPr>
+          <p:nvPr/>
+        </p:nvCxnSpPr>
+        <p:spPr>
+          <a:xfrm flipH="1">
+            <a:off x="3824252" y="3559696"/>
+            <a:ext cx="1180422" cy="0"/>
+          </a:xfrm>
+          <a:prstGeom prst="straightConnector1">
+            <a:avLst/>
+          </a:prstGeom>
+          <a:ln>
+            <a:tailEnd type="triangle"/>
+          </a:ln>
+        </p:spPr>
+        <p:style>
+          <a:lnRef idx="3">
+            <a:schemeClr val="accent1"/>
+          </a:lnRef>
+          <a:fillRef idx="0">
+            <a:schemeClr val="accent1"/>
+          </a:fillRef>
+          <a:effectRef idx="2">
+            <a:schemeClr val="accent1"/>
+          </a:effectRef>
+          <a:fontRef idx="minor">
+            <a:schemeClr val="tx1"/>
+          </a:fontRef>
+        </p:style>
+      </p:cxnSp>
+      <p:sp>
+        <p:nvSpPr>
+          <p:cNvPr id="30" name="TextBox 29">
+            <a:extLst>
+              <a:ext uri="{FF2B5EF4-FFF2-40B4-BE49-F238E27FC236}">
+                <a16:creationId xmlns:a16="http://schemas.microsoft.com/office/drawing/2014/main" id="{799DC86F-4820-070D-13A8-E018E7D5DB8B}"/>
+              </a:ext>
+            </a:extLst>
+          </p:cNvPr>
+          <p:cNvSpPr txBox="1"/>
+          <p:nvPr/>
+        </p:nvSpPr>
+        <p:spPr>
+          <a:xfrm>
+            <a:off x="2245360" y="1767040"/>
+            <a:ext cx="45719" cy="369332"/>
+          </a:xfrm>
+          <a:prstGeom prst="rect">
+            <a:avLst/>
+          </a:prstGeom>
+          <a:noFill/>
+        </p:spPr>
+        <p:txBody>
+          <a:bodyPr wrap="square" rtlCol="0">
+            <a:spAutoFit/>
+          </a:bodyPr>
+          <a:lstStyle/>
+          <a:p>
+            <a:r>
+              <a:rPr lang="en-US" dirty="0"/>
+              <a:t>2</a:t>
+            </a:r>
+          </a:p>
+        </p:txBody>
+      </p:sp>
+      <p:sp>
+        <p:nvSpPr>
+          <p:cNvPr id="31" name="TextBox 30">
+            <a:extLst>
+              <a:ext uri="{FF2B5EF4-FFF2-40B4-BE49-F238E27FC236}">
+                <a16:creationId xmlns:a16="http://schemas.microsoft.com/office/drawing/2014/main" id="{D6ADA2F5-CA56-F267-D87D-1CCBA4A55A80}"/>
+              </a:ext>
+            </a:extLst>
+          </p:cNvPr>
+          <p:cNvSpPr txBox="1"/>
+          <p:nvPr/>
+        </p:nvSpPr>
+        <p:spPr>
+          <a:xfrm>
+            <a:off x="6307496" y="1677970"/>
+            <a:ext cx="45719" cy="461665"/>
+          </a:xfrm>
+          <a:prstGeom prst="rect">
+            <a:avLst/>
+          </a:prstGeom>
+          <a:noFill/>
+        </p:spPr>
+        <p:txBody>
+          <a:bodyPr wrap="square" rtlCol="0">
+            <a:spAutoFit/>
+          </a:bodyPr>
+          <a:lstStyle/>
+          <a:p>
+            <a:r>
+              <a:rPr lang="en-US" sz="2400" dirty="0"/>
+              <a:t>*</a:t>
+            </a:r>
+          </a:p>
+        </p:txBody>
+      </p:sp>
+      <p:sp>
+        <p:nvSpPr>
+          <p:cNvPr id="32" name="TextBox 31">
+            <a:extLst>
+              <a:ext uri="{FF2B5EF4-FFF2-40B4-BE49-F238E27FC236}">
+                <a16:creationId xmlns:a16="http://schemas.microsoft.com/office/drawing/2014/main" id="{5FD6DAAA-4E79-24CB-D6B0-53A9B5DA6D07}"/>
+              </a:ext>
+            </a:extLst>
+          </p:cNvPr>
+          <p:cNvSpPr txBox="1"/>
+          <p:nvPr/>
+        </p:nvSpPr>
+        <p:spPr>
+          <a:xfrm>
+            <a:off x="10291467" y="1624703"/>
+            <a:ext cx="301686" cy="369332"/>
+          </a:xfrm>
+          <a:prstGeom prst="rect">
+            <a:avLst/>
+          </a:prstGeom>
+          <a:noFill/>
+        </p:spPr>
+        <p:txBody>
+          <a:bodyPr wrap="none" rtlCol="0">
+            <a:spAutoFit/>
+          </a:bodyPr>
+          <a:lstStyle/>
+          <a:p>
+            <a:r>
+              <a:rPr lang="en-US" dirty="0"/>
+              <a:t>2</a:t>
+            </a:r>
+          </a:p>
+        </p:txBody>
+      </p:sp>
+      <p:sp>
+        <p:nvSpPr>
+          <p:cNvPr id="33" name="TextBox 32">
+            <a:extLst>
+              <a:ext uri="{FF2B5EF4-FFF2-40B4-BE49-F238E27FC236}">
+                <a16:creationId xmlns:a16="http://schemas.microsoft.com/office/drawing/2014/main" id="{FB2A81FC-D40B-E01E-7C37-2114E4B0F93A}"/>
+              </a:ext>
+            </a:extLst>
+          </p:cNvPr>
+          <p:cNvSpPr txBox="1"/>
+          <p:nvPr/>
+        </p:nvSpPr>
+        <p:spPr>
+          <a:xfrm>
+            <a:off x="3871277" y="3167153"/>
+            <a:ext cx="45719" cy="369332"/>
+          </a:xfrm>
+          <a:prstGeom prst="rect">
+            <a:avLst/>
+          </a:prstGeom>
+          <a:noFill/>
+        </p:spPr>
+        <p:txBody>
+          <a:bodyPr wrap="square" rtlCol="0">
+            <a:spAutoFit/>
+          </a:bodyPr>
+          <a:lstStyle/>
+          <a:p>
+            <a:r>
+              <a:rPr lang="en-US" dirty="0"/>
+              <a:t>5</a:t>
+            </a:r>
+          </a:p>
+        </p:txBody>
+      </p:sp>
+      <p:sp>
+        <p:nvSpPr>
+          <p:cNvPr id="34" name="TextBox 33">
+            <a:extLst>
+              <a:ext uri="{FF2B5EF4-FFF2-40B4-BE49-F238E27FC236}">
+                <a16:creationId xmlns:a16="http://schemas.microsoft.com/office/drawing/2014/main" id="{0D76A2F5-4583-F9F4-69A0-70A399374A5C}"/>
+              </a:ext>
+            </a:extLst>
+          </p:cNvPr>
+          <p:cNvSpPr txBox="1"/>
+          <p:nvPr/>
+        </p:nvSpPr>
+        <p:spPr>
+          <a:xfrm>
+            <a:off x="9065865" y="4759722"/>
+            <a:ext cx="262551" cy="400110"/>
+          </a:xfrm>
+          <a:prstGeom prst="rect">
+            <a:avLst/>
+          </a:prstGeom>
+          <a:noFill/>
+        </p:spPr>
+        <p:txBody>
+          <a:bodyPr wrap="square" rtlCol="0">
+            <a:spAutoFit/>
+          </a:bodyPr>
+          <a:lstStyle/>
+          <a:p>
+            <a:r>
+              <a:rPr lang="en-US" sz="2000" dirty="0"/>
+              <a:t>1</a:t>
+            </a:r>
+            <a:endParaRPr lang="en-US" sz="2800" dirty="0"/>
+          </a:p>
+        </p:txBody>
+      </p:sp>
+      <p:sp>
+        <p:nvSpPr>
+          <p:cNvPr id="35" name="TextBox 34">
+            <a:extLst>
+              <a:ext uri="{FF2B5EF4-FFF2-40B4-BE49-F238E27FC236}">
+                <a16:creationId xmlns:a16="http://schemas.microsoft.com/office/drawing/2014/main" id="{33E1D174-BF54-7C73-0E8C-DD2FBC889B55}"/>
+              </a:ext>
+            </a:extLst>
+          </p:cNvPr>
+          <p:cNvSpPr txBox="1"/>
+          <p:nvPr/>
+        </p:nvSpPr>
+        <p:spPr>
+          <a:xfrm>
+            <a:off x="8976359" y="3190364"/>
+            <a:ext cx="45719" cy="369332"/>
+          </a:xfrm>
+          <a:prstGeom prst="rect">
+            <a:avLst/>
+          </a:prstGeom>
+          <a:noFill/>
+        </p:spPr>
+        <p:txBody>
+          <a:bodyPr wrap="square" rtlCol="0">
+            <a:spAutoFit/>
+          </a:bodyPr>
+          <a:lstStyle/>
+          <a:p>
+            <a:r>
+              <a:rPr lang="en-US" dirty="0"/>
+              <a:t>3</a:t>
+            </a:r>
+          </a:p>
+        </p:txBody>
+      </p:sp>
       <p:graphicFrame>
         <p:nvGraphicFramePr>
-          <p:cNvPr id="13" name="Table 12">
-            <a:extLst>
-              <a:ext uri="{FF2B5EF4-FFF2-40B4-BE49-F238E27FC236}">
-                <a16:creationId xmlns:a16="http://schemas.microsoft.com/office/drawing/2014/main" id="{728FDB45-9985-038A-71D6-722D9EC6A5B3}"/>
+          <p:cNvPr id="36" name="Table 35">
+            <a:extLst>
+              <a:ext uri="{FF2B5EF4-FFF2-40B4-BE49-F238E27FC236}">
+                <a16:creationId xmlns:a16="http://schemas.microsoft.com/office/drawing/2014/main" id="{430926BC-745F-ED19-8AAF-BECF51981343}"/>
               </a:ext>
             </a:extLst>
           </p:cNvPr>
@@ -5136,14 +6117,14 @@
           <p:nvPr>
             <p:extLst>
               <p:ext uri="{D42A27DB-BD31-4B8C-83A1-F6EECF244321}">
-                <p14:modId xmlns:p14="http://schemas.microsoft.com/office/powerpoint/2010/main" val="252946206"/>
+                <p14:modId xmlns:p14="http://schemas.microsoft.com/office/powerpoint/2010/main" val="3328803359"/>
               </p:ext>
             </p:extLst>
           </p:nvPr>
         </p:nvGraphicFramePr>
         <p:xfrm>
-          <a:off x="6448119" y="4841317"/>
-          <a:ext cx="2557145" cy="625717"/>
+          <a:off x="2546205" y="4677881"/>
+          <a:ext cx="3256850" cy="1920240"/>
         </p:xfrm>
         <a:graphic>
           <a:graphicData uri="http://schemas.openxmlformats.org/drawingml/2006/table">
@@ -5152,7 +6133,7 @@
                 <a:tableStyleId>{5C22544A-7EE6-4342-B048-85BDC9FD1C3A}</a:tableStyleId>
               </a:tblPr>
               <a:tblGrid>
-                <a:gridCol w="2557145">
+                <a:gridCol w="3256850">
                   <a:extLst>
                     <a:ext uri="{9D8B030D-6E8A-4147-A177-3AD203B41FA5}">
                       <a16:colId xmlns:a16="http://schemas.microsoft.com/office/drawing/2014/main" val="2669780779"/>
@@ -5160,7 +6141,7 @@
                   </a:extLst>
                 </a:gridCol>
               </a:tblGrid>
-              <a:tr h="625717">
+              <a:tr h="613832">
                 <a:tc>
                   <a:txBody>
                     <a:bodyPr/>
@@ -5172,8 +6153,64 @@
                         </a:lnSpc>
                       </a:pPr>
                       <a:r>
-                        <a:rPr lang="en-US" sz="2000" b="1" dirty="0"/>
-                        <a:t>Address</a:t>
+                        <a:rPr lang="en-US" sz="2000" b="1" dirty="0" err="1"/>
+                        <a:t>MonthPayment</a:t>
+                      </a:r>
+                      <a:endParaRPr lang="en-US" sz="2000" b="1" dirty="0"/>
+                    </a:p>
+                    <a:p>
+                      <a:pPr algn="l">
+                        <a:lnSpc>
+                          <a:spcPct val="150000"/>
+                        </a:lnSpc>
+                      </a:pPr>
+                      <a:r>
+                        <a:rPr lang="en-US" sz="2000" b="0" dirty="0"/>
+                        <a:t>-     month : string</a:t>
+                      </a:r>
+                    </a:p>
+                    <a:p>
+                      <a:pPr marL="342900" indent="-342900" algn="l">
+                        <a:lnSpc>
+                          <a:spcPct val="100000"/>
+                        </a:lnSpc>
+                        <a:buFontTx/>
+                        <a:buChar char="-"/>
+                      </a:pPr>
+                      <a:r>
+                        <a:rPr lang="en-US" sz="2000" b="0" dirty="0" err="1"/>
+                        <a:t>foodIngredients:number</a:t>
+                      </a:r>
+                      <a:endParaRPr lang="en-US" sz="2000" b="0" dirty="0"/>
+                    </a:p>
+                    <a:p>
+                      <a:pPr marL="342900" indent="-342900" algn="l">
+                        <a:lnSpc>
+                          <a:spcPct val="100000"/>
+                        </a:lnSpc>
+                        <a:buFontTx/>
+                        <a:buChar char="-"/>
+                      </a:pPr>
+                      <a:r>
+                        <a:rPr lang="en-US" sz="2000" b="0" dirty="0" err="1"/>
+                        <a:t>RestProperty</a:t>
+                      </a:r>
+                      <a:r>
+                        <a:rPr lang="en-US" sz="2000" b="0" dirty="0"/>
+                        <a:t> : number </a:t>
+                      </a:r>
+                    </a:p>
+                    <a:p>
+                      <a:pPr marL="342900" indent="-342900" algn="l">
+                        <a:lnSpc>
+                          <a:spcPct val="100000"/>
+                        </a:lnSpc>
+                        <a:buFontTx/>
+                        <a:buChar char="-"/>
+                      </a:pPr>
+                      <a:r>
+                        <a:rPr lang="en-US" sz="2000" b="0" dirty="0"/>
+                        <a:t>Income : number</a:t>
                       </a:r>
                     </a:p>
                   </a:txBody>
@@ -5191,23 +6228,22 @@
       </p:graphicFrame>
       <p:cxnSp>
         <p:nvCxnSpPr>
-          <p:cNvPr id="17" name="Straight Arrow Connector 16">
-            <a:extLst>
-              <a:ext uri="{FF2B5EF4-FFF2-40B4-BE49-F238E27FC236}">
-                <a16:creationId xmlns:a16="http://schemas.microsoft.com/office/drawing/2014/main" id="{60B428F0-9CAF-90E3-C940-FDB6164D856E}"/>
+          <p:cNvPr id="41" name="Straight Arrow Connector 40">
+            <a:extLst>
+              <a:ext uri="{FF2B5EF4-FFF2-40B4-BE49-F238E27FC236}">
+                <a16:creationId xmlns:a16="http://schemas.microsoft.com/office/drawing/2014/main" id="{9610638E-7A1F-2EBE-1CDD-B7475E78FE96}"/>
               </a:ext>
             </a:extLst>
           </p:cNvPr>
           <p:cNvCxnSpPr>
             <a:cxnSpLocks/>
-            <a:endCxn id="13" idx="1"/>
           </p:cNvCxnSpPr>
           <p:nvPr/>
         </p:nvCxnSpPr>
         <p:spPr>
-          <a:xfrm>
-            <a:off x="4110595" y="4542098"/>
-            <a:ext cx="2337524" cy="612077"/>
+          <a:xfrm flipH="1">
+            <a:off x="5803055" y="5506815"/>
+            <a:ext cx="2084237" cy="0"/>
           </a:xfrm>
           <a:prstGeom prst="straightConnector1">
             <a:avLst/>
@@ -5233,10 +6269,10 @@
       </p:cxnSp>
       <p:sp>
         <p:nvSpPr>
-          <p:cNvPr id="20" name="TextBox 19">
-            <a:extLst>
-              <a:ext uri="{FF2B5EF4-FFF2-40B4-BE49-F238E27FC236}">
-                <a16:creationId xmlns:a16="http://schemas.microsoft.com/office/drawing/2014/main" id="{ED536E2D-E042-81B8-CC29-6FB35D33D325}"/>
+          <p:cNvPr id="45" name="TextBox 44">
+            <a:extLst>
+              <a:ext uri="{FF2B5EF4-FFF2-40B4-BE49-F238E27FC236}">
+                <a16:creationId xmlns:a16="http://schemas.microsoft.com/office/drawing/2014/main" id="{8166CCAA-7058-0E41-A98D-4E0D62AD2D62}"/>
               </a:ext>
             </a:extLst>
           </p:cNvPr>
@@ -5245,8 +6281,8 @@
         </p:nvSpPr>
         <p:spPr>
           <a:xfrm>
-            <a:off x="5486012" y="2562954"/>
-            <a:ext cx="301686" cy="369332"/>
+            <a:off x="5875218" y="5114781"/>
+            <a:ext cx="45719" cy="523220"/>
           </a:xfrm>
           <a:prstGeom prst="rect">
             <a:avLst/>
@@ -5254,182 +6290,22 @@
           <a:noFill/>
         </p:spPr>
         <p:txBody>
-          <a:bodyPr wrap="none" rtlCol="0">
-            <a:spAutoFit/>
-          </a:bodyPr>
-          <a:lstStyle/>
-          <a:p>
-            <a:r>
-              <a:rPr lang="en-US" dirty="0"/>
-              <a:t>1</a:t>
-            </a:r>
-          </a:p>
-        </p:txBody>
-      </p:sp>
-      <p:sp>
-        <p:nvSpPr>
-          <p:cNvPr id="22" name="TextBox 21">
-            <a:extLst>
-              <a:ext uri="{FF2B5EF4-FFF2-40B4-BE49-F238E27FC236}">
-                <a16:creationId xmlns:a16="http://schemas.microsoft.com/office/drawing/2014/main" id="{55307D1E-973A-CB2A-B6A6-649988B0CDAD}"/>
-              </a:ext>
-            </a:extLst>
-          </p:cNvPr>
-          <p:cNvSpPr txBox="1"/>
-          <p:nvPr/>
-        </p:nvSpPr>
-        <p:spPr>
-          <a:xfrm>
-            <a:off x="6088956" y="4784844"/>
-            <a:ext cx="231879" cy="369332"/>
-          </a:xfrm>
-          <a:prstGeom prst="rect">
-            <a:avLst/>
-          </a:prstGeom>
-          <a:noFill/>
-        </p:spPr>
-        <p:txBody>
           <a:bodyPr wrap="square" rtlCol="0">
             <a:spAutoFit/>
           </a:bodyPr>
           <a:lstStyle/>
           <a:p>
             <a:r>
-              <a:rPr lang="en-US" dirty="0"/>
-              <a:t>1</a:t>
-            </a:r>
-          </a:p>
-        </p:txBody>
-      </p:sp>
-      <p:cxnSp>
-        <p:nvCxnSpPr>
-          <p:cNvPr id="8" name="Straight Arrow Connector 7">
-            <a:extLst>
-              <a:ext uri="{FF2B5EF4-FFF2-40B4-BE49-F238E27FC236}">
-                <a16:creationId xmlns:a16="http://schemas.microsoft.com/office/drawing/2014/main" id="{7C079FC5-9F5D-35EA-4A0C-0408CF061597}"/>
-              </a:ext>
-            </a:extLst>
-          </p:cNvPr>
-          <p:cNvCxnSpPr/>
-          <p:nvPr/>
-        </p:nvCxnSpPr>
-        <p:spPr>
-          <a:xfrm>
-            <a:off x="2783091" y="3429000"/>
-            <a:ext cx="0" cy="514350"/>
-          </a:xfrm>
-          <a:prstGeom prst="straightConnector1">
-            <a:avLst/>
-          </a:prstGeom>
-          <a:ln>
-            <a:tailEnd type="triangle"/>
-          </a:ln>
-        </p:spPr>
-        <p:style>
-          <a:lnRef idx="3">
-            <a:schemeClr val="accent1"/>
-          </a:lnRef>
-          <a:fillRef idx="0">
-            <a:schemeClr val="accent1"/>
-          </a:fillRef>
-          <a:effectRef idx="2">
-            <a:schemeClr val="accent1"/>
-          </a:effectRef>
-          <a:fontRef idx="minor">
-            <a:schemeClr val="tx1"/>
-          </a:fontRef>
-        </p:style>
-      </p:cxnSp>
-      <p:sp>
-        <p:nvSpPr>
-          <p:cNvPr id="10" name="TextBox 9">
-            <a:extLst>
-              <a:ext uri="{FF2B5EF4-FFF2-40B4-BE49-F238E27FC236}">
-                <a16:creationId xmlns:a16="http://schemas.microsoft.com/office/drawing/2014/main" id="{A36710A3-45CE-8C66-CC87-105B3864D7CC}"/>
-              </a:ext>
-            </a:extLst>
-          </p:cNvPr>
-          <p:cNvSpPr txBox="1"/>
-          <p:nvPr/>
-        </p:nvSpPr>
-        <p:spPr>
-          <a:xfrm>
-            <a:off x="2810115" y="3681740"/>
-            <a:ext cx="231139" cy="523220"/>
-          </a:xfrm>
-          <a:prstGeom prst="rect">
-            <a:avLst/>
-          </a:prstGeom>
-          <a:noFill/>
-        </p:spPr>
-        <p:txBody>
-          <a:bodyPr wrap="square" rtlCol="0">
-            <a:spAutoFit/>
-          </a:bodyPr>
-          <a:lstStyle/>
-          <a:p>
-            <a:r>
               <a:rPr lang="en-US" sz="2800" dirty="0"/>
               <a:t>*</a:t>
             </a:r>
           </a:p>
         </p:txBody>
       </p:sp>
-      <mc:AlternateContent xmlns:mc="http://schemas.openxmlformats.org/markup-compatibility/2006">
-        <mc:Choice xmlns:p14="http://schemas.microsoft.com/office/powerpoint/2010/main" xmlns:aink="http://schemas.microsoft.com/office/drawing/2016/ink" Requires="p14 aink">
-          <p:contentPart p14:bwMode="auto" r:id="rId2">
-            <p14:nvContentPartPr>
-              <p14:cNvPr id="2" name="Ink 1">
-                <a:extLst>
-                  <a:ext uri="{FF2B5EF4-FFF2-40B4-BE49-F238E27FC236}">
-                    <a16:creationId xmlns:a16="http://schemas.microsoft.com/office/drawing/2014/main" id="{889B93C6-3A7E-9AB9-D988-FAC74944EEF2}"/>
-                  </a:ext>
-                </a:extLst>
-              </p14:cNvPr>
-              <p14:cNvContentPartPr/>
-              <p14:nvPr/>
-            </p14:nvContentPartPr>
-            <p14:xfrm>
-              <a:off x="4927440" y="564080"/>
-              <a:ext cx="1886760" cy="1000800"/>
-            </p14:xfrm>
-          </p:contentPart>
-        </mc:Choice>
-        <mc:Fallback>
-          <p:pic>
-            <p:nvPicPr>
-              <p:cNvPr id="2" name="Ink 1">
-                <a:extLst>
-                  <a:ext uri="{FF2B5EF4-FFF2-40B4-BE49-F238E27FC236}">
-                    <a16:creationId xmlns:a16="http://schemas.microsoft.com/office/drawing/2014/main" id="{889B93C6-3A7E-9AB9-D988-FAC74944EEF2}"/>
-                  </a:ext>
-                </a:extLst>
-              </p:cNvPr>
-              <p:cNvPicPr/>
-              <p:nvPr/>
-            </p:nvPicPr>
-            <p:blipFill>
-              <a:blip r:embed="rId3"/>
-              <a:stretch>
-                <a:fillRect/>
-              </a:stretch>
-            </p:blipFill>
-            <p:spPr>
-              <a:xfrm>
-                <a:off x="4918440" y="555440"/>
-                <a:ext cx="1904400" cy="1018440"/>
-              </a:xfrm>
-              <a:prstGeom prst="rect">
-                <a:avLst/>
-              </a:prstGeom>
-            </p:spPr>
-          </p:pic>
-        </mc:Fallback>
-      </mc:AlternateContent>
     </p:spTree>
     <p:extLst>
       <p:ext uri="{BB962C8B-B14F-4D97-AF65-F5344CB8AC3E}">
-        <p14:creationId xmlns:p14="http://schemas.microsoft.com/office/powerpoint/2010/main" val="2953334974"/>
+        <p14:creationId xmlns:p14="http://schemas.microsoft.com/office/powerpoint/2010/main" val="1977563185"/>
       </p:ext>
     </p:extLst>
   </p:cSld>
@@ -5458,10 +6334,10 @@
       </p:grpSpPr>
       <p:graphicFrame>
         <p:nvGraphicFramePr>
-          <p:cNvPr id="6" name="Table 5">
-            <a:extLst>
-              <a:ext uri="{FF2B5EF4-FFF2-40B4-BE49-F238E27FC236}">
-                <a16:creationId xmlns:a16="http://schemas.microsoft.com/office/drawing/2014/main" id="{769826E5-5531-4871-EC77-1EECBDD8DDC1}"/>
+          <p:cNvPr id="4" name="Table 3">
+            <a:extLst>
+              <a:ext uri="{FF2B5EF4-FFF2-40B4-BE49-F238E27FC236}">
+                <a16:creationId xmlns:a16="http://schemas.microsoft.com/office/drawing/2014/main" id="{EADF3388-7E27-E27D-5C7C-498A86E1812E}"/>
               </a:ext>
             </a:extLst>
           </p:cNvPr>
@@ -5471,14 +6347,14 @@
           <p:nvPr>
             <p:extLst>
               <p:ext uri="{D42A27DB-BD31-4B8C-83A1-F6EECF244321}">
-                <p14:modId xmlns:p14="http://schemas.microsoft.com/office/powerpoint/2010/main" val="1930255682"/>
+                <p14:modId xmlns:p14="http://schemas.microsoft.com/office/powerpoint/2010/main" val="3676358869"/>
               </p:ext>
             </p:extLst>
           </p:nvPr>
         </p:nvGraphicFramePr>
         <p:xfrm>
-          <a:off x="4531360" y="921174"/>
-          <a:ext cx="2966720" cy="1119294"/>
+          <a:off x="6761640" y="1806575"/>
+          <a:ext cx="2829398" cy="701040"/>
         </p:xfrm>
         <a:graphic>
           <a:graphicData uri="http://schemas.openxmlformats.org/drawingml/2006/table">
@@ -5487,7 +6363,7 @@
                 <a:tableStyleId>{5C22544A-7EE6-4342-B048-85BDC9FD1C3A}</a:tableStyleId>
               </a:tblPr>
               <a:tblGrid>
-                <a:gridCol w="2966720">
+                <a:gridCol w="2829398">
                   <a:extLst>
                     <a:ext uri="{9D8B030D-6E8A-4147-A177-3AD203B41FA5}">
                       <a16:colId xmlns:a16="http://schemas.microsoft.com/office/drawing/2014/main" val="2669780779"/>
@@ -5495,95 +6371,7 @@
                   </a:extLst>
                 </a:gridCol>
               </a:tblGrid>
-              <a:tr h="1119294">
-                <a:tc>
-                  <a:txBody>
-                    <a:bodyPr/>
-                    <a:lstStyle/>
-                    <a:p>
-                      <a:pPr algn="ctr"/>
-                      <a:r>
-                        <a:rPr lang="en-US" sz="2000" dirty="0" err="1"/>
-                        <a:t>RestaurantInfo</a:t>
-                      </a:r>
-                      <a:endParaRPr lang="en-US" sz="2000" dirty="0"/>
-                    </a:p>
-                    <a:p>
-                      <a:pPr marL="342900" indent="-342900">
-                        <a:buFontTx/>
-                        <a:buChar char="-"/>
-                      </a:pPr>
-                      <a:r>
-                        <a:rPr lang="en-US" sz="2000" b="0" dirty="0"/>
-                        <a:t>address: Address</a:t>
-                      </a:r>
-                    </a:p>
-                    <a:p>
-                      <a:pPr marL="0" indent="0">
-                        <a:buFontTx/>
-                        <a:buNone/>
-                      </a:pPr>
-                      <a:endParaRPr lang="en-US" sz="2000" dirty="0"/>
-                    </a:p>
-                  </a:txBody>
-                  <a:tcPr>
-                    <a:solidFill>
-                      <a:schemeClr val="accent4">
-                        <a:lumMod val="75000"/>
-                      </a:schemeClr>
-                    </a:solidFill>
-                  </a:tcPr>
-                </a:tc>
-                <a:extLst>
-                  <a:ext uri="{0D108BD9-81ED-4DB2-BD59-A6C34878D82A}">
-                    <a16:rowId xmlns:a16="http://schemas.microsoft.com/office/drawing/2014/main" val="2092005147"/>
-                  </a:ext>
-                </a:extLst>
-              </a:tr>
-            </a:tbl>
-          </a:graphicData>
-        </a:graphic>
-      </p:graphicFrame>
-      <p:graphicFrame>
-        <p:nvGraphicFramePr>
-          <p:cNvPr id="9" name="Table 8">
-            <a:extLst>
-              <a:ext uri="{FF2B5EF4-FFF2-40B4-BE49-F238E27FC236}">
-                <a16:creationId xmlns:a16="http://schemas.microsoft.com/office/drawing/2014/main" id="{D51D1713-2E2B-B2F9-E0DC-2EEE6DAE2DC9}"/>
-              </a:ext>
-            </a:extLst>
-          </p:cNvPr>
-          <p:cNvGraphicFramePr>
-            <a:graphicFrameLocks noGrp="1"/>
-          </p:cNvGraphicFramePr>
-          <p:nvPr>
-            <p:extLst>
-              <p:ext uri="{D42A27DB-BD31-4B8C-83A1-F6EECF244321}">
-                <p14:modId xmlns:p14="http://schemas.microsoft.com/office/powerpoint/2010/main" val="455253158"/>
-              </p:ext>
-            </p:extLst>
-          </p:nvPr>
-        </p:nvGraphicFramePr>
-        <p:xfrm>
-          <a:off x="853440" y="3594937"/>
-          <a:ext cx="2966720" cy="1119294"/>
-        </p:xfrm>
-        <a:graphic>
-          <a:graphicData uri="http://schemas.openxmlformats.org/drawingml/2006/table">
-            <a:tbl>
-              <a:tblPr firstRow="1" bandRow="1">
-                <a:tableStyleId>{5C22544A-7EE6-4342-B048-85BDC9FD1C3A}</a:tableStyleId>
-              </a:tblPr>
-              <a:tblGrid>
-                <a:gridCol w="2966720">
-                  <a:extLst>
-                    <a:ext uri="{9D8B030D-6E8A-4147-A177-3AD203B41FA5}">
-                      <a16:colId xmlns:a16="http://schemas.microsoft.com/office/drawing/2014/main" val="2669780779"/>
-                    </a:ext>
-                  </a:extLst>
-                </a:gridCol>
-              </a:tblGrid>
-              <a:tr h="1119294">
+              <a:tr h="686222">
                 <a:tc>
                   <a:txBody>
                     <a:bodyPr/>
@@ -5592,529 +6380,27 @@
                       <a:pPr algn="ctr"/>
                       <a:r>
                         <a:rPr lang="en-US" sz="2000" dirty="0"/>
-                        <a:t>Food</a:t>
+                        <a:t>Abstract Customers</a:t>
                       </a:r>
                     </a:p>
                     <a:p>
-                      <a:pPr marL="342900" indent="-342900">
+                      <a:pPr marL="342900" indent="-342900" algn="ctr">
                         <a:buFontTx/>
                         <a:buChar char="-"/>
                       </a:pPr>
                       <a:r>
-                        <a:rPr lang="en-US" sz="2000" b="0" dirty="0"/>
-                        <a:t>name : string</a:t>
+                        <a:rPr lang="en-US" sz="2000" dirty="0" err="1"/>
+                        <a:t>fullName</a:t>
                       </a:r>
-                    </a:p>
-                    <a:p>
-                      <a:pPr marL="342900" marR="0" lvl="0" indent="-342900" algn="l" defTabSz="914400" rtl="0" eaLnBrk="1" fontAlgn="auto" latinLnBrk="0" hangingPunct="1">
-                        <a:lnSpc>
-                          <a:spcPct val="100000"/>
-                        </a:lnSpc>
-                        <a:spcBef>
-                          <a:spcPts val="0"/>
-                        </a:spcBef>
-                        <a:spcAft>
-                          <a:spcPts val="0"/>
-                        </a:spcAft>
-                        <a:buClrTx/>
-                        <a:buSzTx/>
-                        <a:buFontTx/>
-                        <a:buChar char="-"/>
-                        <a:tabLst/>
-                        <a:defRPr/>
-                      </a:pPr>
-                      <a:r>
-                        <a:rPr lang="en-US" sz="2000" b="0" dirty="0"/>
-                        <a:t>price : number</a:t>
-                      </a:r>
-                    </a:p>
-                  </a:txBody>
-                  <a:tcPr/>
-                </a:tc>
-                <a:extLst>
-                  <a:ext uri="{0D108BD9-81ED-4DB2-BD59-A6C34878D82A}">
-                    <a16:rowId xmlns:a16="http://schemas.microsoft.com/office/drawing/2014/main" val="2092005147"/>
-                  </a:ext>
-                </a:extLst>
-              </a:tr>
-            </a:tbl>
-          </a:graphicData>
-        </a:graphic>
-      </p:graphicFrame>
-      <p:graphicFrame>
-        <p:nvGraphicFramePr>
-          <p:cNvPr id="14" name="Table 13">
-            <a:extLst>
-              <a:ext uri="{FF2B5EF4-FFF2-40B4-BE49-F238E27FC236}">
-                <a16:creationId xmlns:a16="http://schemas.microsoft.com/office/drawing/2014/main" id="{B65B468C-1E08-AD20-AB97-B98D2CC9E70B}"/>
-              </a:ext>
-            </a:extLst>
-          </p:cNvPr>
-          <p:cNvGraphicFramePr>
-            <a:graphicFrameLocks noGrp="1"/>
-          </p:cNvGraphicFramePr>
-          <p:nvPr>
-            <p:extLst>
-              <p:ext uri="{D42A27DB-BD31-4B8C-83A1-F6EECF244321}">
-                <p14:modId xmlns:p14="http://schemas.microsoft.com/office/powerpoint/2010/main" val="2223030677"/>
-              </p:ext>
-            </p:extLst>
-          </p:nvPr>
-        </p:nvGraphicFramePr>
-        <p:xfrm>
-          <a:off x="7325360" y="3594937"/>
-          <a:ext cx="2966720" cy="1310640"/>
-        </p:xfrm>
-        <a:graphic>
-          <a:graphicData uri="http://schemas.openxmlformats.org/drawingml/2006/table">
-            <a:tbl>
-              <a:tblPr firstRow="1" bandRow="1">
-                <a:tableStyleId>{5C22544A-7EE6-4342-B048-85BDC9FD1C3A}</a:tableStyleId>
-              </a:tblPr>
-              <a:tblGrid>
-                <a:gridCol w="2966720">
-                  <a:extLst>
-                    <a:ext uri="{9D8B030D-6E8A-4147-A177-3AD203B41FA5}">
-                      <a16:colId xmlns:a16="http://schemas.microsoft.com/office/drawing/2014/main" val="2669780779"/>
-                    </a:ext>
-                  </a:extLst>
-                </a:gridCol>
-              </a:tblGrid>
-              <a:tr h="1119294">
-                <a:tc>
-                  <a:txBody>
-                    <a:bodyPr/>
-                    <a:lstStyle/>
-                    <a:p>
-                      <a:pPr algn="ctr"/>
                       <a:r>
                         <a:rPr lang="en-US" sz="2000" dirty="0"/>
-                        <a:t>Table list</a:t>
-                      </a:r>
-                    </a:p>
-                    <a:p>
-                      <a:pPr marL="342900" indent="-342900">
-                        <a:buFontTx/>
-                        <a:buChar char="-"/>
-                      </a:pPr>
-                      <a:r>
-                        <a:rPr lang="en-US" sz="2000" b="0" dirty="0"/>
-                        <a:t>Id : number</a:t>
-                      </a:r>
-                    </a:p>
-                    <a:p>
-                      <a:pPr marL="342900" indent="-342900">
-                        <a:buFontTx/>
-                        <a:buChar char="-"/>
-                      </a:pPr>
-                      <a:r>
-                        <a:rPr lang="en-US" sz="2000" b="0" dirty="0"/>
-                        <a:t>chair : number</a:t>
-                      </a:r>
-                    </a:p>
-                    <a:p>
-                      <a:pPr marL="0" indent="0">
-                        <a:buFontTx/>
-                        <a:buNone/>
-                      </a:pPr>
-                      <a:endParaRPr lang="en-US" sz="2000" dirty="0"/>
-                    </a:p>
-                  </a:txBody>
-                  <a:tcPr/>
-                </a:tc>
-                <a:extLst>
-                  <a:ext uri="{0D108BD9-81ED-4DB2-BD59-A6C34878D82A}">
-                    <a16:rowId xmlns:a16="http://schemas.microsoft.com/office/drawing/2014/main" val="2092005147"/>
-                  </a:ext>
-                </a:extLst>
-              </a:tr>
-            </a:tbl>
-          </a:graphicData>
-        </a:graphic>
-      </p:graphicFrame>
-      <p:sp>
-        <p:nvSpPr>
-          <p:cNvPr id="17" name="TextBox 16">
-            <a:extLst>
-              <a:ext uri="{FF2B5EF4-FFF2-40B4-BE49-F238E27FC236}">
-                <a16:creationId xmlns:a16="http://schemas.microsoft.com/office/drawing/2014/main" id="{F6732865-E6F2-A162-ED53-6A1EE2E8C916}"/>
-              </a:ext>
-            </a:extLst>
-          </p:cNvPr>
-          <p:cNvSpPr txBox="1"/>
-          <p:nvPr/>
-        </p:nvSpPr>
-        <p:spPr>
-          <a:xfrm>
-            <a:off x="2532380" y="3255428"/>
-            <a:ext cx="421640" cy="523220"/>
-          </a:xfrm>
-          <a:prstGeom prst="rect">
-            <a:avLst/>
-          </a:prstGeom>
-          <a:noFill/>
-        </p:spPr>
-        <p:txBody>
-          <a:bodyPr wrap="square" rtlCol="0">
-            <a:spAutoFit/>
-          </a:bodyPr>
-          <a:lstStyle/>
-          <a:p>
-            <a:r>
-              <a:rPr lang="en-US" sz="2800" dirty="0"/>
-              <a:t>*</a:t>
-            </a:r>
-          </a:p>
-        </p:txBody>
-      </p:sp>
-      <p:cxnSp>
-        <p:nvCxnSpPr>
-          <p:cNvPr id="29" name="Straight Connector 28">
-            <a:extLst>
-              <a:ext uri="{FF2B5EF4-FFF2-40B4-BE49-F238E27FC236}">
-                <a16:creationId xmlns:a16="http://schemas.microsoft.com/office/drawing/2014/main" id="{A4146F2F-DE12-5AE1-621B-0E65D49AE8A4}"/>
-              </a:ext>
-            </a:extLst>
-          </p:cNvPr>
-          <p:cNvCxnSpPr/>
-          <p:nvPr/>
-        </p:nvCxnSpPr>
-        <p:spPr>
-          <a:xfrm>
-            <a:off x="2509520" y="2915920"/>
-            <a:ext cx="6299200" cy="0"/>
-          </a:xfrm>
-          <a:prstGeom prst="line">
-            <a:avLst/>
-          </a:prstGeom>
-        </p:spPr>
-        <p:style>
-          <a:lnRef idx="3">
-            <a:schemeClr val="accent1"/>
-          </a:lnRef>
-          <a:fillRef idx="0">
-            <a:schemeClr val="accent1"/>
-          </a:fillRef>
-          <a:effectRef idx="2">
-            <a:schemeClr val="accent1"/>
-          </a:effectRef>
-          <a:fontRef idx="minor">
-            <a:schemeClr val="tx1"/>
-          </a:fontRef>
-        </p:style>
-      </p:cxnSp>
-      <p:cxnSp>
-        <p:nvCxnSpPr>
-          <p:cNvPr id="31" name="Straight Arrow Connector 30">
-            <a:extLst>
-              <a:ext uri="{FF2B5EF4-FFF2-40B4-BE49-F238E27FC236}">
-                <a16:creationId xmlns:a16="http://schemas.microsoft.com/office/drawing/2014/main" id="{08239C2B-18D2-CD9B-EF63-9D21BC51CFCA}"/>
-              </a:ext>
-            </a:extLst>
-          </p:cNvPr>
-          <p:cNvCxnSpPr/>
-          <p:nvPr/>
-        </p:nvCxnSpPr>
-        <p:spPr>
-          <a:xfrm>
-            <a:off x="2509520" y="2915920"/>
-            <a:ext cx="0" cy="679017"/>
-          </a:xfrm>
-          <a:prstGeom prst="straightConnector1">
-            <a:avLst/>
-          </a:prstGeom>
-          <a:ln>
-            <a:tailEnd type="triangle"/>
-          </a:ln>
-        </p:spPr>
-        <p:style>
-          <a:lnRef idx="3">
-            <a:schemeClr val="accent1"/>
-          </a:lnRef>
-          <a:fillRef idx="0">
-            <a:schemeClr val="accent1"/>
-          </a:fillRef>
-          <a:effectRef idx="2">
-            <a:schemeClr val="accent1"/>
-          </a:effectRef>
-          <a:fontRef idx="minor">
-            <a:schemeClr val="tx1"/>
-          </a:fontRef>
-        </p:style>
-      </p:cxnSp>
-      <p:cxnSp>
-        <p:nvCxnSpPr>
-          <p:cNvPr id="32" name="Straight Arrow Connector 31">
-            <a:extLst>
-              <a:ext uri="{FF2B5EF4-FFF2-40B4-BE49-F238E27FC236}">
-                <a16:creationId xmlns:a16="http://schemas.microsoft.com/office/drawing/2014/main" id="{C838E2F4-DF8A-3721-2D7D-392C8ABD6338}"/>
-              </a:ext>
-            </a:extLst>
-          </p:cNvPr>
-          <p:cNvCxnSpPr/>
-          <p:nvPr/>
-        </p:nvCxnSpPr>
-        <p:spPr>
-          <a:xfrm>
-            <a:off x="8808720" y="2915920"/>
-            <a:ext cx="0" cy="679017"/>
-          </a:xfrm>
-          <a:prstGeom prst="straightConnector1">
-            <a:avLst/>
-          </a:prstGeom>
-          <a:ln>
-            <a:tailEnd type="triangle"/>
-          </a:ln>
-        </p:spPr>
-        <p:style>
-          <a:lnRef idx="3">
-            <a:schemeClr val="accent1"/>
-          </a:lnRef>
-          <a:fillRef idx="0">
-            <a:schemeClr val="accent1"/>
-          </a:fillRef>
-          <a:effectRef idx="2">
-            <a:schemeClr val="accent1"/>
-          </a:effectRef>
-          <a:fontRef idx="minor">
-            <a:schemeClr val="tx1"/>
-          </a:fontRef>
-        </p:style>
-      </p:cxnSp>
-      <p:sp>
-        <p:nvSpPr>
-          <p:cNvPr id="33" name="TextBox 32">
-            <a:extLst>
-              <a:ext uri="{FF2B5EF4-FFF2-40B4-BE49-F238E27FC236}">
-                <a16:creationId xmlns:a16="http://schemas.microsoft.com/office/drawing/2014/main" id="{0D5D2BE5-9D33-EAF1-8FDB-C14C65F07186}"/>
-              </a:ext>
-            </a:extLst>
-          </p:cNvPr>
-          <p:cNvSpPr txBox="1"/>
-          <p:nvPr/>
-        </p:nvSpPr>
-        <p:spPr>
-          <a:xfrm>
-            <a:off x="8387080" y="3255428"/>
-            <a:ext cx="421640" cy="523220"/>
-          </a:xfrm>
-          <a:prstGeom prst="rect">
-            <a:avLst/>
-          </a:prstGeom>
-          <a:noFill/>
-        </p:spPr>
-        <p:txBody>
-          <a:bodyPr wrap="square" rtlCol="0">
-            <a:spAutoFit/>
-          </a:bodyPr>
-          <a:lstStyle/>
-          <a:p>
-            <a:r>
-              <a:rPr lang="en-US" sz="2800" dirty="0"/>
-              <a:t>*</a:t>
-            </a:r>
-          </a:p>
-        </p:txBody>
-      </p:sp>
-      <p:cxnSp>
-        <p:nvCxnSpPr>
-          <p:cNvPr id="35" name="Straight Connector 34">
-            <a:extLst>
-              <a:ext uri="{FF2B5EF4-FFF2-40B4-BE49-F238E27FC236}">
-                <a16:creationId xmlns:a16="http://schemas.microsoft.com/office/drawing/2014/main" id="{029F1F78-5505-2000-BB33-7E7EC13BD580}"/>
-              </a:ext>
-            </a:extLst>
-          </p:cNvPr>
-          <p:cNvCxnSpPr>
-            <a:cxnSpLocks/>
-          </p:cNvCxnSpPr>
-          <p:nvPr/>
-        </p:nvCxnSpPr>
-        <p:spPr>
-          <a:xfrm>
-            <a:off x="5892800" y="1959188"/>
-            <a:ext cx="0" cy="956732"/>
-          </a:xfrm>
-          <a:prstGeom prst="line">
-            <a:avLst/>
-          </a:prstGeom>
-        </p:spPr>
-        <p:style>
-          <a:lnRef idx="3">
-            <a:schemeClr val="accent1"/>
-          </a:lnRef>
-          <a:fillRef idx="0">
-            <a:schemeClr val="accent1"/>
-          </a:fillRef>
-          <a:effectRef idx="2">
-            <a:schemeClr val="accent1"/>
-          </a:effectRef>
-          <a:fontRef idx="minor">
-            <a:schemeClr val="tx1"/>
-          </a:fontRef>
-        </p:style>
-      </p:cxnSp>
-      <mc:AlternateContent xmlns:mc="http://schemas.openxmlformats.org/markup-compatibility/2006">
-        <mc:Choice xmlns:p14="http://schemas.microsoft.com/office/powerpoint/2010/main" xmlns:aink="http://schemas.microsoft.com/office/drawing/2016/ink" Requires="p14 aink">
-          <p:contentPart p14:bwMode="auto" r:id="rId2">
-            <p14:nvContentPartPr>
-              <p14:cNvPr id="2" name="Ink 1">
-                <a:extLst>
-                  <a:ext uri="{FF2B5EF4-FFF2-40B4-BE49-F238E27FC236}">
-                    <a16:creationId xmlns:a16="http://schemas.microsoft.com/office/drawing/2014/main" id="{39F57519-9F32-D6EA-F496-483D322C9D5E}"/>
-                  </a:ext>
-                </a:extLst>
-              </p14:cNvPr>
-              <p14:cNvContentPartPr/>
-              <p14:nvPr/>
-            </p14:nvContentPartPr>
-            <p14:xfrm>
-              <a:off x="2682120" y="384440"/>
-              <a:ext cx="1311480" cy="1290960"/>
-            </p14:xfrm>
-          </p:contentPart>
-        </mc:Choice>
-        <mc:Fallback>
-          <p:pic>
-            <p:nvPicPr>
-              <p:cNvPr id="2" name="Ink 1">
-                <a:extLst>
-                  <a:ext uri="{FF2B5EF4-FFF2-40B4-BE49-F238E27FC236}">
-                    <a16:creationId xmlns:a16="http://schemas.microsoft.com/office/drawing/2014/main" id="{39F57519-9F32-D6EA-F496-483D322C9D5E}"/>
-                  </a:ext>
-                </a:extLst>
-              </p:cNvPr>
-              <p:cNvPicPr/>
-              <p:nvPr/>
-            </p:nvPicPr>
-            <p:blipFill>
-              <a:blip r:embed="rId3"/>
-              <a:stretch>
-                <a:fillRect/>
-              </a:stretch>
-            </p:blipFill>
-            <p:spPr>
-              <a:xfrm>
-                <a:off x="2673120" y="375440"/>
-                <a:ext cx="1329120" cy="1308600"/>
-              </a:xfrm>
-              <a:prstGeom prst="rect">
-                <a:avLst/>
-              </a:prstGeom>
-            </p:spPr>
-          </p:pic>
-        </mc:Fallback>
-      </mc:AlternateContent>
-    </p:spTree>
-    <p:extLst>
-      <p:ext uri="{BB962C8B-B14F-4D97-AF65-F5344CB8AC3E}">
-        <p14:creationId xmlns:p14="http://schemas.microsoft.com/office/powerpoint/2010/main" val="230112213"/>
-      </p:ext>
-    </p:extLst>
-  </p:cSld>
-  <p:clrMapOvr>
-    <a:masterClrMapping/>
-  </p:clrMapOvr>
-</p:sld>
-</file>
-
-<file path=ppt/slides/slide5.xml><?xml version="1.0" encoding="utf-8"?>
-<p:sld xmlns:a="http://schemas.openxmlformats.org/drawingml/2006/main" xmlns:r="http://schemas.openxmlformats.org/officeDocument/2006/relationships" xmlns:p="http://schemas.openxmlformats.org/presentationml/2006/main">
-  <p:cSld>
-    <p:spTree>
-      <p:nvGrpSpPr>
-        <p:cNvPr id="1" name=""/>
-        <p:cNvGrpSpPr/>
-        <p:nvPr/>
-      </p:nvGrpSpPr>
-      <p:grpSpPr>
-        <a:xfrm>
-          <a:off x="0" y="0"/>
-          <a:ext cx="0" cy="0"/>
-          <a:chOff x="0" y="0"/>
-          <a:chExt cx="0" cy="0"/>
-        </a:xfrm>
-      </p:grpSpPr>
-      <p:graphicFrame>
-        <p:nvGraphicFramePr>
-          <p:cNvPr id="4" name="Table 3">
-            <a:extLst>
-              <a:ext uri="{FF2B5EF4-FFF2-40B4-BE49-F238E27FC236}">
-                <a16:creationId xmlns:a16="http://schemas.microsoft.com/office/drawing/2014/main" id="{EADF3388-7E27-E27D-5C7C-498A86E1812E}"/>
-              </a:ext>
-            </a:extLst>
-          </p:cNvPr>
-          <p:cNvGraphicFramePr>
-            <a:graphicFrameLocks noGrp="1"/>
-          </p:cNvGraphicFramePr>
-          <p:nvPr>
-            <p:extLst>
-              <p:ext uri="{D42A27DB-BD31-4B8C-83A1-F6EECF244321}">
-                <p14:modId xmlns:p14="http://schemas.microsoft.com/office/powerpoint/2010/main" val="1082969114"/>
-              </p:ext>
-            </p:extLst>
-          </p:nvPr>
-        </p:nvGraphicFramePr>
-        <p:xfrm>
-          <a:off x="6647338" y="923078"/>
-          <a:ext cx="2966720" cy="1029970"/>
-        </p:xfrm>
-        <a:graphic>
-          <a:graphicData uri="http://schemas.openxmlformats.org/drawingml/2006/table">
-            <a:tbl>
-              <a:tblPr firstRow="1" bandRow="1">
-                <a:tableStyleId>{5C22544A-7EE6-4342-B048-85BDC9FD1C3A}</a:tableStyleId>
-              </a:tblPr>
-              <a:tblGrid>
-                <a:gridCol w="2966720">
-                  <a:extLst>
-                    <a:ext uri="{9D8B030D-6E8A-4147-A177-3AD203B41FA5}">
-                      <a16:colId xmlns:a16="http://schemas.microsoft.com/office/drawing/2014/main" val="2669780779"/>
-                    </a:ext>
-                  </a:extLst>
-                </a:gridCol>
-              </a:tblGrid>
-              <a:tr h="1029970">
-                <a:tc>
-                  <a:txBody>
-                    <a:bodyPr/>
-                    <a:lstStyle/>
-                    <a:p>
-                      <a:pPr algn="ctr"/>
-                      <a:r>
-                        <a:rPr lang="en-US" sz="2000" dirty="0"/>
-                        <a:t>Customers </a:t>
-                      </a:r>
-                    </a:p>
-                    <a:p>
-                      <a:pPr marL="342900" marR="0" lvl="0" indent="-342900" algn="l" defTabSz="914400" rtl="0" eaLnBrk="1" fontAlgn="auto" latinLnBrk="0" hangingPunct="1">
-                        <a:lnSpc>
-                          <a:spcPct val="100000"/>
-                        </a:lnSpc>
-                        <a:spcBef>
-                          <a:spcPts val="0"/>
-                        </a:spcBef>
-                        <a:spcAft>
-                          <a:spcPts val="0"/>
-                        </a:spcAft>
-                        <a:buClrTx/>
-                        <a:buSzTx/>
-                        <a:buFontTx/>
-                        <a:buChar char="-"/>
-                        <a:tabLst/>
-                        <a:defRPr/>
-                      </a:pPr>
-                      <a:r>
-                        <a:rPr lang="en-US" sz="2000" b="0" dirty="0"/>
-                        <a:t>gender: Gender</a:t>
+                        <a:t> : string  </a:t>
                       </a:r>
                     </a:p>
                   </a:txBody>
                   <a:tcPr>
                     <a:solidFill>
-                      <a:schemeClr val="accent4">
-                        <a:lumMod val="75000"/>
-                      </a:schemeClr>
+                      <a:srgbClr val="7030A0"/>
                     </a:solidFill>
                   </a:tcPr>
                 </a:tc>
@@ -6143,14 +6429,14 @@
           <p:nvPr>
             <p:extLst>
               <p:ext uri="{D42A27DB-BD31-4B8C-83A1-F6EECF244321}">
-                <p14:modId xmlns:p14="http://schemas.microsoft.com/office/powerpoint/2010/main" val="3537800879"/>
+                <p14:modId xmlns:p14="http://schemas.microsoft.com/office/powerpoint/2010/main" val="459985593"/>
               </p:ext>
             </p:extLst>
           </p:nvPr>
         </p:nvGraphicFramePr>
         <p:xfrm>
           <a:off x="5069523" y="3213735"/>
-          <a:ext cx="2305049" cy="650026"/>
+          <a:ext cx="2305049" cy="1005840"/>
         </p:xfrm>
         <a:graphic>
           <a:graphicData uri="http://schemas.openxmlformats.org/drawingml/2006/table">
@@ -6167,7 +6453,7 @@
                   </a:extLst>
                 </a:gridCol>
               </a:tblGrid>
-              <a:tr h="650026">
+              <a:tr h="416664">
                 <a:tc>
                   <a:txBody>
                     <a:bodyPr/>
@@ -6176,12 +6462,45 @@
                       <a:pPr algn="ctr"/>
                       <a:r>
                         <a:rPr lang="en-US" sz="2000" dirty="0"/>
-                        <a:t>Online Customers </a:t>
+                        <a:t>Online Customers</a:t>
                       </a:r>
-                      <a:endParaRPr lang="en-US" sz="2000" b="0" dirty="0"/>
+                    </a:p>
+                    <a:p>
+                      <a:pPr algn="l"/>
+                      <a:r>
+                        <a:rPr lang="en-US" sz="2000" b="0" dirty="0"/>
+                        <a:t>- name: string </a:t>
+                      </a:r>
+                    </a:p>
+                    <a:p>
+                      <a:pPr marL="0" marR="0" lvl="0" indent="0" algn="l" defTabSz="914400" rtl="0" eaLnBrk="1" fontAlgn="auto" latinLnBrk="0" hangingPunct="1">
+                        <a:lnSpc>
+                          <a:spcPct val="100000"/>
+                        </a:lnSpc>
+                        <a:spcBef>
+                          <a:spcPts val="0"/>
+                        </a:spcBef>
+                        <a:spcAft>
+                          <a:spcPts val="0"/>
+                        </a:spcAft>
+                        <a:buClrTx/>
+                        <a:buSzTx/>
+                        <a:buFontTx/>
+                        <a:buNone/>
+                        <a:tabLst/>
+                        <a:defRPr/>
+                      </a:pPr>
+                      <a:r>
+                        <a:rPr lang="en-US" sz="2000" b="0" dirty="0"/>
+                        <a:t>- gender: Gender</a:t>
+                      </a:r>
                     </a:p>
                   </a:txBody>
-                  <a:tcPr/>
+                  <a:tcPr>
+                    <a:solidFill>
+                      <a:srgbClr val="7030A0"/>
+                    </a:solidFill>
+                  </a:tcPr>
                 </a:tc>
                 <a:extLst>
                   <a:ext uri="{0D108BD9-81ED-4DB2-BD59-A6C34878D82A}">
@@ -6336,14 +6655,14 @@
           <p:nvPr>
             <p:extLst>
               <p:ext uri="{D42A27DB-BD31-4B8C-83A1-F6EECF244321}">
-                <p14:modId xmlns:p14="http://schemas.microsoft.com/office/powerpoint/2010/main" val="3639700130"/>
+                <p14:modId xmlns:p14="http://schemas.microsoft.com/office/powerpoint/2010/main" val="1901935184"/>
               </p:ext>
             </p:extLst>
           </p:nvPr>
         </p:nvGraphicFramePr>
         <p:xfrm>
           <a:off x="8796021" y="3249930"/>
-          <a:ext cx="2305049" cy="701040"/>
+          <a:ext cx="2305049" cy="1005840"/>
         </p:xfrm>
         <a:graphic>
           <a:graphicData uri="http://schemas.openxmlformats.org/drawingml/2006/table">
@@ -6373,7 +6692,14 @@
                       </a:r>
                     </a:p>
                     <a:p>
-                      <a:pPr marL="342900" marR="0" lvl="0" indent="-342900" algn="l" defTabSz="914400" rtl="0" eaLnBrk="1" fontAlgn="auto" latinLnBrk="0" hangingPunct="1">
+                      <a:pPr algn="l"/>
+                      <a:r>
+                        <a:rPr lang="en-US" sz="2000" b="0" dirty="0"/>
+                        <a:t>- name: string </a:t>
+                      </a:r>
+                    </a:p>
+                    <a:p>
+                      <a:pPr marL="0" marR="0" lvl="0" indent="0" algn="l" defTabSz="914400" rtl="0" eaLnBrk="1" fontAlgn="auto" latinLnBrk="0" hangingPunct="1">
                         <a:lnSpc>
                           <a:spcPct val="100000"/>
                         </a:lnSpc>
@@ -6386,14 +6712,21 @@
                         <a:buClrTx/>
                         <a:buSzTx/>
                         <a:buFontTx/>
-                        <a:buChar char="-"/>
+                        <a:buNone/>
                         <a:tabLst/>
                         <a:defRPr/>
                       </a:pPr>
-                      <a:endParaRPr lang="en-US" sz="2000" b="0" dirty="0"/>
+                      <a:r>
+                        <a:rPr lang="en-US" sz="2000" b="0" dirty="0"/>
+                        <a:t>- gender: Gender</a:t>
+                      </a:r>
                     </a:p>
                   </a:txBody>
-                  <a:tcPr/>
+                  <a:tcPr>
+                    <a:solidFill>
+                      <a:srgbClr val="7030A0"/>
+                    </a:solidFill>
+                  </a:tcPr>
                 </a:tc>
                 <a:extLst>
                   <a:ext uri="{0D108BD9-81ED-4DB2-BD59-A6C34878D82A}">
@@ -6405,52 +6738,6 @@
           </a:graphicData>
         </a:graphic>
       </p:graphicFrame>
-      <p:sp>
-        <p:nvSpPr>
-          <p:cNvPr id="8" name="Arrow: Down 7">
-            <a:extLst>
-              <a:ext uri="{FF2B5EF4-FFF2-40B4-BE49-F238E27FC236}">
-                <a16:creationId xmlns:a16="http://schemas.microsoft.com/office/drawing/2014/main" id="{3FF2372F-4A42-B401-87FC-E63254E444A7}"/>
-              </a:ext>
-            </a:extLst>
-          </p:cNvPr>
-          <p:cNvSpPr/>
-          <p:nvPr/>
-        </p:nvSpPr>
-        <p:spPr>
-          <a:xfrm rot="10800000">
-            <a:off x="7854473" y="1982682"/>
-            <a:ext cx="552450" cy="538269"/>
-          </a:xfrm>
-          <a:prstGeom prst="downArrow">
-            <a:avLst/>
-          </a:prstGeom>
-        </p:spPr>
-        <p:style>
-          <a:lnRef idx="2">
-            <a:schemeClr val="accent1">
-              <a:shade val="50000"/>
-            </a:schemeClr>
-          </a:lnRef>
-          <a:fillRef idx="1">
-            <a:schemeClr val="accent1"/>
-          </a:fillRef>
-          <a:effectRef idx="0">
-            <a:schemeClr val="accent1"/>
-          </a:effectRef>
-          <a:fontRef idx="minor">
-            <a:schemeClr val="lt1"/>
-          </a:fontRef>
-        </p:style>
-        <p:txBody>
-          <a:bodyPr rtlCol="0" anchor="ctr"/>
-          <a:lstStyle/>
-          <a:p>
-            <a:pPr algn="ctr"/>
-            <a:endParaRPr lang="en-US"/>
-          </a:p>
-        </p:txBody>
-      </p:sp>
       <p:cxnSp>
         <p:nvCxnSpPr>
           <p:cNvPr id="17" name="Straight Arrow Connector 16">
@@ -6492,47 +6779,6 @@
           </a:fontRef>
         </p:style>
       </p:cxnSp>
-      <p:cxnSp>
-        <p:nvCxnSpPr>
-          <p:cNvPr id="20" name="Straight Arrow Connector 19">
-            <a:extLst>
-              <a:ext uri="{FF2B5EF4-FFF2-40B4-BE49-F238E27FC236}">
-                <a16:creationId xmlns:a16="http://schemas.microsoft.com/office/drawing/2014/main" id="{66480FAC-5EE2-00C5-57CA-7A8488D1BD39}"/>
-              </a:ext>
-            </a:extLst>
-          </p:cNvPr>
-          <p:cNvCxnSpPr>
-            <a:cxnSpLocks/>
-          </p:cNvCxnSpPr>
-          <p:nvPr/>
-        </p:nvCxnSpPr>
-        <p:spPr>
-          <a:xfrm>
-            <a:off x="6222047" y="2563707"/>
-            <a:ext cx="0" cy="613833"/>
-          </a:xfrm>
-          <a:prstGeom prst="straightConnector1">
-            <a:avLst/>
-          </a:prstGeom>
-          <a:ln>
-            <a:tailEnd type="triangle"/>
-          </a:ln>
-        </p:spPr>
-        <p:style>
-          <a:lnRef idx="3">
-            <a:schemeClr val="accent1"/>
-          </a:lnRef>
-          <a:fillRef idx="0">
-            <a:schemeClr val="accent1"/>
-          </a:fillRef>
-          <a:effectRef idx="2">
-            <a:schemeClr val="accent1"/>
-          </a:effectRef>
-          <a:fontRef idx="minor">
-            <a:schemeClr val="tx1"/>
-          </a:fontRef>
-        </p:style>
-      </p:cxnSp>
       <p:sp>
         <p:nvSpPr>
           <p:cNvPr id="27" name="TextBox 26">
@@ -6568,85 +6814,6 @@
           </a:p>
         </p:txBody>
       </p:sp>
-      <p:cxnSp>
-        <p:nvCxnSpPr>
-          <p:cNvPr id="30" name="Straight Connector 29">
-            <a:extLst>
-              <a:ext uri="{FF2B5EF4-FFF2-40B4-BE49-F238E27FC236}">
-                <a16:creationId xmlns:a16="http://schemas.microsoft.com/office/drawing/2014/main" id="{DF814215-B2BF-02D1-2DE6-6ADBCC75BB8C}"/>
-              </a:ext>
-            </a:extLst>
-          </p:cNvPr>
-          <p:cNvCxnSpPr>
-            <a:cxnSpLocks/>
-          </p:cNvCxnSpPr>
-          <p:nvPr/>
-        </p:nvCxnSpPr>
-        <p:spPr>
-          <a:xfrm>
-            <a:off x="6222047" y="2543175"/>
-            <a:ext cx="3817303" cy="0"/>
-          </a:xfrm>
-          <a:prstGeom prst="line">
-            <a:avLst/>
-          </a:prstGeom>
-        </p:spPr>
-        <p:style>
-          <a:lnRef idx="3">
-            <a:schemeClr val="accent1"/>
-          </a:lnRef>
-          <a:fillRef idx="0">
-            <a:schemeClr val="accent1"/>
-          </a:fillRef>
-          <a:effectRef idx="2">
-            <a:schemeClr val="accent1"/>
-          </a:effectRef>
-          <a:fontRef idx="minor">
-            <a:schemeClr val="tx1"/>
-          </a:fontRef>
-        </p:style>
-      </p:cxnSp>
-      <p:cxnSp>
-        <p:nvCxnSpPr>
-          <p:cNvPr id="32" name="Straight Arrow Connector 31">
-            <a:extLst>
-              <a:ext uri="{FF2B5EF4-FFF2-40B4-BE49-F238E27FC236}">
-                <a16:creationId xmlns:a16="http://schemas.microsoft.com/office/drawing/2014/main" id="{9903C76E-6B84-3310-C31B-55DB179B2CAF}"/>
-              </a:ext>
-            </a:extLst>
-          </p:cNvPr>
-          <p:cNvCxnSpPr>
-            <a:cxnSpLocks/>
-          </p:cNvCxnSpPr>
-          <p:nvPr/>
-        </p:nvCxnSpPr>
-        <p:spPr>
-          <a:xfrm>
-            <a:off x="10043795" y="2563707"/>
-            <a:ext cx="0" cy="650028"/>
-          </a:xfrm>
-          <a:prstGeom prst="straightConnector1">
-            <a:avLst/>
-          </a:prstGeom>
-          <a:ln>
-            <a:tailEnd type="triangle"/>
-          </a:ln>
-        </p:spPr>
-        <p:style>
-          <a:lnRef idx="3">
-            <a:schemeClr val="accent1"/>
-          </a:lnRef>
-          <a:fillRef idx="0">
-            <a:schemeClr val="accent1"/>
-          </a:fillRef>
-          <a:effectRef idx="2">
-            <a:schemeClr val="accent1"/>
-          </a:effectRef>
-          <a:fontRef idx="minor">
-            <a:schemeClr val="tx1"/>
-          </a:fontRef>
-        </p:style>
-      </p:cxnSp>
       <p:graphicFrame>
         <p:nvGraphicFramePr>
           <p:cNvPr id="38" name="Table 37">
@@ -6662,14 +6829,14 @@
           <p:nvPr>
             <p:extLst>
               <p:ext uri="{D42A27DB-BD31-4B8C-83A1-F6EECF244321}">
-                <p14:modId xmlns:p14="http://schemas.microsoft.com/office/powerpoint/2010/main" val="1861041433"/>
+                <p14:modId xmlns:p14="http://schemas.microsoft.com/office/powerpoint/2010/main" val="4147830999"/>
               </p:ext>
             </p:extLst>
           </p:nvPr>
         </p:nvGraphicFramePr>
         <p:xfrm>
-          <a:off x="5069523" y="4534320"/>
-          <a:ext cx="2305049" cy="650026"/>
+          <a:off x="848922" y="1266826"/>
+          <a:ext cx="2305049" cy="1005840"/>
         </p:xfrm>
         <a:graphic>
           <a:graphicData uri="http://schemas.openxmlformats.org/drawingml/2006/table">
@@ -6695,7 +6862,21 @@
                       <a:pPr algn="ctr"/>
                       <a:r>
                         <a:rPr lang="en-US" sz="2000" b="1" dirty="0"/>
+                        <a:t>Enum</a:t>
+                      </a:r>
+                    </a:p>
+                    <a:p>
+                      <a:pPr algn="ctr"/>
+                      <a:r>
+                        <a:rPr lang="en-US" sz="2000" b="1" dirty="0"/>
                         <a:t>Foods</a:t>
+                      </a:r>
+                    </a:p>
+                    <a:p>
+                      <a:pPr algn="ctr"/>
+                      <a:r>
+                        <a:rPr lang="en-US" sz="2000" b="1" dirty="0"/>
+                        <a:t>-….</a:t>
                       </a:r>
                     </a:p>
                   </a:txBody>
@@ -6711,196 +6892,6 @@
           </a:graphicData>
         </a:graphic>
       </p:graphicFrame>
-      <p:cxnSp>
-        <p:nvCxnSpPr>
-          <p:cNvPr id="39" name="Straight Arrow Connector 38">
-            <a:extLst>
-              <a:ext uri="{FF2B5EF4-FFF2-40B4-BE49-F238E27FC236}">
-                <a16:creationId xmlns:a16="http://schemas.microsoft.com/office/drawing/2014/main" id="{8647EFB6-8567-B929-62A1-325A93C0DB54}"/>
-              </a:ext>
-            </a:extLst>
-          </p:cNvPr>
-          <p:cNvCxnSpPr>
-            <a:cxnSpLocks/>
-          </p:cNvCxnSpPr>
-          <p:nvPr/>
-        </p:nvCxnSpPr>
-        <p:spPr>
-          <a:xfrm>
-            <a:off x="6222047" y="3863761"/>
-            <a:ext cx="0" cy="613833"/>
-          </a:xfrm>
-          <a:prstGeom prst="straightConnector1">
-            <a:avLst/>
-          </a:prstGeom>
-          <a:ln>
-            <a:tailEnd type="triangle"/>
-          </a:ln>
-        </p:spPr>
-        <p:style>
-          <a:lnRef idx="3">
-            <a:schemeClr val="accent1"/>
-          </a:lnRef>
-          <a:fillRef idx="0">
-            <a:schemeClr val="accent1"/>
-          </a:fillRef>
-          <a:effectRef idx="2">
-            <a:schemeClr val="accent1"/>
-          </a:effectRef>
-          <a:fontRef idx="minor">
-            <a:schemeClr val="tx1"/>
-          </a:fontRef>
-        </p:style>
-      </p:cxnSp>
-      <p:sp>
-        <p:nvSpPr>
-          <p:cNvPr id="40" name="TextBox 39">
-            <a:extLst>
-              <a:ext uri="{FF2B5EF4-FFF2-40B4-BE49-F238E27FC236}">
-                <a16:creationId xmlns:a16="http://schemas.microsoft.com/office/drawing/2014/main" id="{DC3E121F-68B1-7073-2CBF-3955419E55C4}"/>
-              </a:ext>
-            </a:extLst>
-          </p:cNvPr>
-          <p:cNvSpPr txBox="1"/>
-          <p:nvPr/>
-        </p:nvSpPr>
-        <p:spPr>
-          <a:xfrm>
-            <a:off x="7389775" y="4818105"/>
-            <a:ext cx="200024" cy="584775"/>
-          </a:xfrm>
-          <a:prstGeom prst="rect">
-            <a:avLst/>
-          </a:prstGeom>
-          <a:noFill/>
-        </p:spPr>
-        <p:txBody>
-          <a:bodyPr wrap="square" rtlCol="0">
-            <a:spAutoFit/>
-          </a:bodyPr>
-          <a:lstStyle/>
-          <a:p>
-            <a:r>
-              <a:rPr lang="en-US" sz="3200" dirty="0"/>
-              <a:t>*</a:t>
-            </a:r>
-          </a:p>
-        </p:txBody>
-      </p:sp>
-      <p:cxnSp>
-        <p:nvCxnSpPr>
-          <p:cNvPr id="41" name="Straight Connector 40">
-            <a:extLst>
-              <a:ext uri="{FF2B5EF4-FFF2-40B4-BE49-F238E27FC236}">
-                <a16:creationId xmlns:a16="http://schemas.microsoft.com/office/drawing/2014/main" id="{42752D75-BE6F-2A7F-CDAE-63C04677647D}"/>
-              </a:ext>
-            </a:extLst>
-          </p:cNvPr>
-          <p:cNvCxnSpPr>
-            <a:cxnSpLocks/>
-          </p:cNvCxnSpPr>
-          <p:nvPr/>
-        </p:nvCxnSpPr>
-        <p:spPr>
-          <a:xfrm flipV="1">
-            <a:off x="10039350" y="3950970"/>
-            <a:ext cx="0" cy="1219200"/>
-          </a:xfrm>
-          <a:prstGeom prst="line">
-            <a:avLst/>
-          </a:prstGeom>
-        </p:spPr>
-        <p:style>
-          <a:lnRef idx="3">
-            <a:schemeClr val="accent1"/>
-          </a:lnRef>
-          <a:fillRef idx="0">
-            <a:schemeClr val="accent1"/>
-          </a:fillRef>
-          <a:effectRef idx="2">
-            <a:schemeClr val="accent1"/>
-          </a:effectRef>
-          <a:fontRef idx="minor">
-            <a:schemeClr val="tx1"/>
-          </a:fontRef>
-        </p:style>
-      </p:cxnSp>
-      <p:cxnSp>
-        <p:nvCxnSpPr>
-          <p:cNvPr id="46" name="Straight Arrow Connector 45">
-            <a:extLst>
-              <a:ext uri="{FF2B5EF4-FFF2-40B4-BE49-F238E27FC236}">
-                <a16:creationId xmlns:a16="http://schemas.microsoft.com/office/drawing/2014/main" id="{99DEA091-BAEA-3199-9739-8B9F1430F255}"/>
-              </a:ext>
-            </a:extLst>
-          </p:cNvPr>
-          <p:cNvCxnSpPr>
-            <a:cxnSpLocks/>
-          </p:cNvCxnSpPr>
-          <p:nvPr/>
-        </p:nvCxnSpPr>
-        <p:spPr>
-          <a:xfrm flipH="1" flipV="1">
-            <a:off x="7467600" y="4863783"/>
-            <a:ext cx="2571750" cy="10795"/>
-          </a:xfrm>
-          <a:prstGeom prst="straightConnector1">
-            <a:avLst/>
-          </a:prstGeom>
-          <a:ln>
-            <a:tailEnd type="triangle"/>
-          </a:ln>
-        </p:spPr>
-        <p:style>
-          <a:lnRef idx="3">
-            <a:schemeClr val="accent1"/>
-          </a:lnRef>
-          <a:fillRef idx="0">
-            <a:schemeClr val="accent1"/>
-          </a:fillRef>
-          <a:effectRef idx="2">
-            <a:schemeClr val="accent1"/>
-          </a:effectRef>
-          <a:fontRef idx="minor">
-            <a:schemeClr val="tx1"/>
-          </a:fontRef>
-        </p:style>
-      </p:cxnSp>
-      <p:sp>
-        <p:nvSpPr>
-          <p:cNvPr id="48" name="TextBox 47">
-            <a:extLst>
-              <a:ext uri="{FF2B5EF4-FFF2-40B4-BE49-F238E27FC236}">
-                <a16:creationId xmlns:a16="http://schemas.microsoft.com/office/drawing/2014/main" id="{BB2C47D5-972B-9D4D-A25C-EAFD4C6A6F45}"/>
-              </a:ext>
-            </a:extLst>
-          </p:cNvPr>
-          <p:cNvSpPr txBox="1"/>
-          <p:nvPr/>
-        </p:nvSpPr>
-        <p:spPr>
-          <a:xfrm>
-            <a:off x="6312853" y="4146292"/>
-            <a:ext cx="200024" cy="584775"/>
-          </a:xfrm>
-          <a:prstGeom prst="rect">
-            <a:avLst/>
-          </a:prstGeom>
-          <a:noFill/>
-        </p:spPr>
-        <p:txBody>
-          <a:bodyPr wrap="square" rtlCol="0">
-            <a:spAutoFit/>
-          </a:bodyPr>
-          <a:lstStyle/>
-          <a:p>
-            <a:r>
-              <a:rPr lang="en-US" sz="3200" dirty="0"/>
-              <a:t>*</a:t>
-            </a:r>
-          </a:p>
-        </p:txBody>
-      </p:sp>
       <p:graphicFrame>
         <p:nvGraphicFramePr>
           <p:cNvPr id="18" name="Table 17">
@@ -6980,13 +6971,14 @@
           </p:cNvPr>
           <p:cNvCxnSpPr>
             <a:cxnSpLocks/>
+            <a:endCxn id="18" idx="0"/>
           </p:cNvCxnSpPr>
           <p:nvPr/>
         </p:nvCxnSpPr>
         <p:spPr>
           <a:xfrm>
-            <a:off x="10039350" y="5110492"/>
-            <a:ext cx="0" cy="502205"/>
+            <a:off x="10088880" y="4255770"/>
+            <a:ext cx="47942" cy="1484630"/>
           </a:xfrm>
           <a:prstGeom prst="straightConnector1">
             <a:avLst/>
@@ -7024,7 +7016,7 @@
         </p:nvSpPr>
         <p:spPr>
           <a:xfrm>
-            <a:off x="10177928" y="5429189"/>
+            <a:off x="10228812" y="5371068"/>
             <a:ext cx="390133" cy="369332"/>
           </a:xfrm>
           <a:prstGeom prst="rect">
@@ -7045,61 +7037,1356 @@
           </a:p>
         </p:txBody>
       </p:sp>
-      <mc:AlternateContent xmlns:mc="http://schemas.openxmlformats.org/markup-compatibility/2006">
-        <mc:Choice xmlns:p14="http://schemas.microsoft.com/office/powerpoint/2010/main" xmlns:aink="http://schemas.microsoft.com/office/drawing/2016/ink" Requires="p14 aink">
-          <p:contentPart p14:bwMode="auto" r:id="rId2">
-            <p14:nvContentPartPr>
-              <p14:cNvPr id="2" name="Ink 1">
+      <p:sp>
+        <p:nvSpPr>
+          <p:cNvPr id="2" name="Arrow: Down 1">
+            <a:extLst>
+              <a:ext uri="{FF2B5EF4-FFF2-40B4-BE49-F238E27FC236}">
+                <a16:creationId xmlns:a16="http://schemas.microsoft.com/office/drawing/2014/main" id="{17733B67-0EC5-C490-87ED-989FF4F6CE70}"/>
+              </a:ext>
+            </a:extLst>
+          </p:cNvPr>
+          <p:cNvSpPr/>
+          <p:nvPr/>
+        </p:nvSpPr>
+        <p:spPr>
+          <a:xfrm rot="10800000">
+            <a:off x="7914163" y="2507614"/>
+            <a:ext cx="497813" cy="398145"/>
+          </a:xfrm>
+          <a:prstGeom prst="downArrow">
+            <a:avLst/>
+          </a:prstGeom>
+        </p:spPr>
+        <p:style>
+          <a:lnRef idx="2">
+            <a:schemeClr val="accent1">
+              <a:shade val="50000"/>
+            </a:schemeClr>
+          </a:lnRef>
+          <a:fillRef idx="1">
+            <a:schemeClr val="accent1"/>
+          </a:fillRef>
+          <a:effectRef idx="0">
+            <a:schemeClr val="accent1"/>
+          </a:effectRef>
+          <a:fontRef idx="minor">
+            <a:schemeClr val="lt1"/>
+          </a:fontRef>
+        </p:style>
+        <p:txBody>
+          <a:bodyPr rtlCol="0" anchor="ctr"/>
+          <a:lstStyle/>
+          <a:p>
+            <a:pPr algn="ctr"/>
+            <a:endParaRPr lang="en-US"/>
+          </a:p>
+        </p:txBody>
+      </p:sp>
+      <p:graphicFrame>
+        <p:nvGraphicFramePr>
+          <p:cNvPr id="31" name="Table 30">
+            <a:extLst>
+              <a:ext uri="{FF2B5EF4-FFF2-40B4-BE49-F238E27FC236}">
+                <a16:creationId xmlns:a16="http://schemas.microsoft.com/office/drawing/2014/main" id="{8CA0EC06-BD1F-CC15-EA8A-1A5F409FCFE2}"/>
+              </a:ext>
+            </a:extLst>
+          </p:cNvPr>
+          <p:cNvGraphicFramePr>
+            <a:graphicFrameLocks noGrp="1"/>
+          </p:cNvGraphicFramePr>
+          <p:nvPr>
+            <p:extLst>
+              <p:ext uri="{D42A27DB-BD31-4B8C-83A1-F6EECF244321}">
+                <p14:modId xmlns:p14="http://schemas.microsoft.com/office/powerpoint/2010/main" val="3850445129"/>
+              </p:ext>
+            </p:extLst>
+          </p:nvPr>
+        </p:nvGraphicFramePr>
+        <p:xfrm>
+          <a:off x="3648074" y="2445383"/>
+          <a:ext cx="2305049" cy="650026"/>
+        </p:xfrm>
+        <a:graphic>
+          <a:graphicData uri="http://schemas.openxmlformats.org/drawingml/2006/table">
+            <a:tbl>
+              <a:tblPr firstRow="1" bandRow="1">
+                <a:tableStyleId>{5C22544A-7EE6-4342-B048-85BDC9FD1C3A}</a:tableStyleId>
+              </a:tblPr>
+              <a:tblGrid>
+                <a:gridCol w="2305049">
+                  <a:extLst>
+                    <a:ext uri="{9D8B030D-6E8A-4147-A177-3AD203B41FA5}">
+                      <a16:colId xmlns:a16="http://schemas.microsoft.com/office/drawing/2014/main" val="2669780779"/>
+                    </a:ext>
+                  </a:extLst>
+                </a:gridCol>
+              </a:tblGrid>
+              <a:tr h="650026">
+                <a:tc>
+                  <a:txBody>
+                    <a:bodyPr/>
+                    <a:lstStyle/>
+                    <a:p>
+                      <a:pPr algn="ctr"/>
+                      <a:r>
+                        <a:rPr lang="en-US" sz="2000" b="1" dirty="0"/>
+                        <a:t>Gender</a:t>
+                      </a:r>
+                    </a:p>
+                  </a:txBody>
+                  <a:tcPr/>
+                </a:tc>
                 <a:extLst>
-                  <a:ext uri="{FF2B5EF4-FFF2-40B4-BE49-F238E27FC236}">
-                    <a16:creationId xmlns:a16="http://schemas.microsoft.com/office/drawing/2014/main" id="{1D5D3260-4514-D441-1846-D7F722DB4B6E}"/>
+                  <a:ext uri="{0D108BD9-81ED-4DB2-BD59-A6C34878D82A}">
+                    <a16:rowId xmlns:a16="http://schemas.microsoft.com/office/drawing/2014/main" val="2092005147"/>
                   </a:ext>
                 </a:extLst>
-              </p14:cNvPr>
-              <p14:cNvContentPartPr/>
-              <p14:nvPr/>
-            </p14:nvContentPartPr>
-            <p14:xfrm>
-              <a:off x="2244720" y="478760"/>
-              <a:ext cx="1503000" cy="1173240"/>
-            </p14:xfrm>
-          </p:contentPart>
-        </mc:Choice>
-        <mc:Fallback>
-          <p:pic>
-            <p:nvPicPr>
-              <p:cNvPr id="2" name="Ink 1">
+              </a:tr>
+            </a:tbl>
+          </a:graphicData>
+        </a:graphic>
+      </p:graphicFrame>
+      <p:graphicFrame>
+        <p:nvGraphicFramePr>
+          <p:cNvPr id="33" name="Table 32">
+            <a:extLst>
+              <a:ext uri="{FF2B5EF4-FFF2-40B4-BE49-F238E27FC236}">
+                <a16:creationId xmlns:a16="http://schemas.microsoft.com/office/drawing/2014/main" id="{2343B038-1EB8-6FBE-E104-74B317E47F3D}"/>
+              </a:ext>
+            </a:extLst>
+          </p:cNvPr>
+          <p:cNvGraphicFramePr>
+            <a:graphicFrameLocks noGrp="1"/>
+          </p:cNvGraphicFramePr>
+          <p:nvPr>
+            <p:extLst>
+              <p:ext uri="{D42A27DB-BD31-4B8C-83A1-F6EECF244321}">
+                <p14:modId xmlns:p14="http://schemas.microsoft.com/office/powerpoint/2010/main" val="3676856491"/>
+              </p:ext>
+            </p:extLst>
+          </p:nvPr>
+        </p:nvGraphicFramePr>
+        <p:xfrm>
+          <a:off x="3648075" y="1213932"/>
+          <a:ext cx="2305049" cy="701040"/>
+        </p:xfrm>
+        <a:graphic>
+          <a:graphicData uri="http://schemas.openxmlformats.org/drawingml/2006/table">
+            <a:tbl>
+              <a:tblPr firstRow="1" bandRow="1">
+                <a:tableStyleId>{5C22544A-7EE6-4342-B048-85BDC9FD1C3A}</a:tableStyleId>
+              </a:tblPr>
+              <a:tblGrid>
+                <a:gridCol w="2305049">
+                  <a:extLst>
+                    <a:ext uri="{9D8B030D-6E8A-4147-A177-3AD203B41FA5}">
+                      <a16:colId xmlns:a16="http://schemas.microsoft.com/office/drawing/2014/main" val="2669780779"/>
+                    </a:ext>
+                  </a:extLst>
+                </a:gridCol>
+              </a:tblGrid>
+              <a:tr h="650026">
+                <a:tc>
+                  <a:txBody>
+                    <a:bodyPr/>
+                    <a:lstStyle/>
+                    <a:p>
+                      <a:pPr algn="ctr"/>
+                      <a:r>
+                        <a:rPr lang="en-US" sz="2000" b="1" dirty="0"/>
+                        <a:t>Foods</a:t>
+                      </a:r>
+                    </a:p>
+                    <a:p>
+                      <a:pPr algn="ctr"/>
+                      <a:r>
+                        <a:rPr lang="en-US" sz="2000" b="1" dirty="0"/>
+                        <a:t>- price : number</a:t>
+                      </a:r>
+                    </a:p>
+                  </a:txBody>
+                  <a:tcPr/>
+                </a:tc>
                 <a:extLst>
-                  <a:ext uri="{FF2B5EF4-FFF2-40B4-BE49-F238E27FC236}">
-                    <a16:creationId xmlns:a16="http://schemas.microsoft.com/office/drawing/2014/main" id="{1D5D3260-4514-D441-1846-D7F722DB4B6E}"/>
+                  <a:ext uri="{0D108BD9-81ED-4DB2-BD59-A6C34878D82A}">
+                    <a16:rowId xmlns:a16="http://schemas.microsoft.com/office/drawing/2014/main" val="2092005147"/>
                   </a:ext>
                 </a:extLst>
-              </p:cNvPr>
-              <p:cNvPicPr/>
-              <p:nvPr/>
-            </p:nvPicPr>
-            <p:blipFill>
-              <a:blip r:embed="rId3"/>
-              <a:stretch>
-                <a:fillRect/>
-              </a:stretch>
-            </p:blipFill>
-            <p:spPr>
-              <a:xfrm>
-                <a:off x="2236080" y="470120"/>
-                <a:ext cx="1520640" cy="1190880"/>
-              </a:xfrm>
-              <a:prstGeom prst="rect">
-                <a:avLst/>
-              </a:prstGeom>
-            </p:spPr>
-          </p:pic>
-        </mc:Fallback>
-      </mc:AlternateContent>
+              </a:tr>
+            </a:tbl>
+          </a:graphicData>
+        </a:graphic>
+      </p:graphicFrame>
+      <p:cxnSp>
+        <p:nvCxnSpPr>
+          <p:cNvPr id="8" name="Straight Connector 7">
+            <a:extLst>
+              <a:ext uri="{FF2B5EF4-FFF2-40B4-BE49-F238E27FC236}">
+                <a16:creationId xmlns:a16="http://schemas.microsoft.com/office/drawing/2014/main" id="{4E5E5364-119A-B636-E07D-24152172E30B}"/>
+              </a:ext>
+            </a:extLst>
+          </p:cNvPr>
+          <p:cNvCxnSpPr>
+            <a:cxnSpLocks/>
+          </p:cNvCxnSpPr>
+          <p:nvPr/>
+        </p:nvCxnSpPr>
+        <p:spPr>
+          <a:xfrm>
+            <a:off x="1880317" y="683520"/>
+            <a:ext cx="2920282" cy="0"/>
+          </a:xfrm>
+          <a:prstGeom prst="line">
+            <a:avLst/>
+          </a:prstGeom>
+        </p:spPr>
+        <p:style>
+          <a:lnRef idx="3">
+            <a:schemeClr val="accent1"/>
+          </a:lnRef>
+          <a:fillRef idx="0">
+            <a:schemeClr val="accent1"/>
+          </a:fillRef>
+          <a:effectRef idx="2">
+            <a:schemeClr val="accent1"/>
+          </a:effectRef>
+          <a:fontRef idx="minor">
+            <a:schemeClr val="tx1"/>
+          </a:fontRef>
+        </p:style>
+      </p:cxnSp>
+      <p:cxnSp>
+        <p:nvCxnSpPr>
+          <p:cNvPr id="14" name="Straight Arrow Connector 13">
+            <a:extLst>
+              <a:ext uri="{FF2B5EF4-FFF2-40B4-BE49-F238E27FC236}">
+                <a16:creationId xmlns:a16="http://schemas.microsoft.com/office/drawing/2014/main" id="{FA6DBDBC-05C5-053D-9CCE-F8C9FAAC12F8}"/>
+              </a:ext>
+            </a:extLst>
+          </p:cNvPr>
+          <p:cNvCxnSpPr/>
+          <p:nvPr/>
+        </p:nvCxnSpPr>
+        <p:spPr>
+          <a:xfrm>
+            <a:off x="1880317" y="702440"/>
+            <a:ext cx="0" cy="511492"/>
+          </a:xfrm>
+          <a:prstGeom prst="straightConnector1">
+            <a:avLst/>
+          </a:prstGeom>
+          <a:ln>
+            <a:tailEnd type="triangle"/>
+          </a:ln>
+        </p:spPr>
+        <p:style>
+          <a:lnRef idx="3">
+            <a:schemeClr val="accent1"/>
+          </a:lnRef>
+          <a:fillRef idx="0">
+            <a:schemeClr val="accent1"/>
+          </a:fillRef>
+          <a:effectRef idx="2">
+            <a:schemeClr val="accent1"/>
+          </a:effectRef>
+          <a:fontRef idx="minor">
+            <a:schemeClr val="tx1"/>
+          </a:fontRef>
+        </p:style>
+      </p:cxnSp>
+      <p:cxnSp>
+        <p:nvCxnSpPr>
+          <p:cNvPr id="21" name="Straight Arrow Connector 20">
+            <a:extLst>
+              <a:ext uri="{FF2B5EF4-FFF2-40B4-BE49-F238E27FC236}">
+                <a16:creationId xmlns:a16="http://schemas.microsoft.com/office/drawing/2014/main" id="{81588220-C638-B800-7FB6-AFD369FF4AB1}"/>
+              </a:ext>
+            </a:extLst>
+          </p:cNvPr>
+          <p:cNvCxnSpPr>
+            <a:cxnSpLocks/>
+          </p:cNvCxnSpPr>
+          <p:nvPr/>
+        </p:nvCxnSpPr>
+        <p:spPr>
+          <a:xfrm>
+            <a:off x="4800598" y="1914972"/>
+            <a:ext cx="0" cy="477517"/>
+          </a:xfrm>
+          <a:prstGeom prst="straightConnector1">
+            <a:avLst/>
+          </a:prstGeom>
+          <a:ln>
+            <a:headEnd type="triangle"/>
+            <a:tailEnd type="triangle"/>
+          </a:ln>
+        </p:spPr>
+        <p:style>
+          <a:lnRef idx="3">
+            <a:schemeClr val="accent1"/>
+          </a:lnRef>
+          <a:fillRef idx="0">
+            <a:schemeClr val="accent1"/>
+          </a:fillRef>
+          <a:effectRef idx="2">
+            <a:schemeClr val="accent1"/>
+          </a:effectRef>
+          <a:fontRef idx="minor">
+            <a:schemeClr val="tx1"/>
+          </a:fontRef>
+        </p:style>
+      </p:cxnSp>
+      <p:cxnSp>
+        <p:nvCxnSpPr>
+          <p:cNvPr id="47" name="Straight Connector 46">
+            <a:extLst>
+              <a:ext uri="{FF2B5EF4-FFF2-40B4-BE49-F238E27FC236}">
+                <a16:creationId xmlns:a16="http://schemas.microsoft.com/office/drawing/2014/main" id="{D4E5A4FB-8B0B-8175-F50F-799156F0E9CE}"/>
+              </a:ext>
+            </a:extLst>
+          </p:cNvPr>
+          <p:cNvCxnSpPr/>
+          <p:nvPr/>
+        </p:nvCxnSpPr>
+        <p:spPr>
+          <a:xfrm>
+            <a:off x="4800598" y="683520"/>
+            <a:ext cx="0" cy="530412"/>
+          </a:xfrm>
+          <a:prstGeom prst="line">
+            <a:avLst/>
+          </a:prstGeom>
+        </p:spPr>
+        <p:style>
+          <a:lnRef idx="3">
+            <a:schemeClr val="accent1"/>
+          </a:lnRef>
+          <a:fillRef idx="0">
+            <a:schemeClr val="accent1"/>
+          </a:fillRef>
+          <a:effectRef idx="2">
+            <a:schemeClr val="accent1"/>
+          </a:effectRef>
+          <a:fontRef idx="minor">
+            <a:schemeClr val="tx1"/>
+          </a:fontRef>
+        </p:style>
+      </p:cxnSp>
+      <p:cxnSp>
+        <p:nvCxnSpPr>
+          <p:cNvPr id="59" name="Straight Connector 58">
+            <a:extLst>
+              <a:ext uri="{FF2B5EF4-FFF2-40B4-BE49-F238E27FC236}">
+                <a16:creationId xmlns:a16="http://schemas.microsoft.com/office/drawing/2014/main" id="{5315983C-44F7-39B8-6D6E-87CC09A6B854}"/>
+              </a:ext>
+            </a:extLst>
+          </p:cNvPr>
+          <p:cNvCxnSpPr/>
+          <p:nvPr/>
+        </p:nvCxnSpPr>
+        <p:spPr>
+          <a:xfrm>
+            <a:off x="4800598" y="2133600"/>
+            <a:ext cx="1961042" cy="0"/>
+          </a:xfrm>
+          <a:prstGeom prst="line">
+            <a:avLst/>
+          </a:prstGeom>
+        </p:spPr>
+        <p:style>
+          <a:lnRef idx="3">
+            <a:schemeClr val="accent1"/>
+          </a:lnRef>
+          <a:fillRef idx="0">
+            <a:schemeClr val="accent1"/>
+          </a:fillRef>
+          <a:effectRef idx="2">
+            <a:schemeClr val="accent1"/>
+          </a:effectRef>
+          <a:fontRef idx="minor">
+            <a:schemeClr val="tx1"/>
+          </a:fontRef>
+        </p:style>
+      </p:cxnSp>
+      <p:cxnSp>
+        <p:nvCxnSpPr>
+          <p:cNvPr id="63" name="Straight Connector 62">
+            <a:extLst>
+              <a:ext uri="{FF2B5EF4-FFF2-40B4-BE49-F238E27FC236}">
+                <a16:creationId xmlns:a16="http://schemas.microsoft.com/office/drawing/2014/main" id="{86036AAA-292B-3895-E2EB-2D1636D6E7AF}"/>
+              </a:ext>
+            </a:extLst>
+          </p:cNvPr>
+          <p:cNvCxnSpPr>
+            <a:cxnSpLocks/>
+          </p:cNvCxnSpPr>
+          <p:nvPr/>
+        </p:nvCxnSpPr>
+        <p:spPr>
+          <a:xfrm>
+            <a:off x="6553200" y="2905759"/>
+            <a:ext cx="3169920" cy="0"/>
+          </a:xfrm>
+          <a:prstGeom prst="line">
+            <a:avLst/>
+          </a:prstGeom>
+        </p:spPr>
+        <p:style>
+          <a:lnRef idx="3">
+            <a:schemeClr val="accent1"/>
+          </a:lnRef>
+          <a:fillRef idx="0">
+            <a:schemeClr val="accent1"/>
+          </a:fillRef>
+          <a:effectRef idx="2">
+            <a:schemeClr val="accent1"/>
+          </a:effectRef>
+          <a:fontRef idx="minor">
+            <a:schemeClr val="tx1"/>
+          </a:fontRef>
+        </p:style>
+      </p:cxnSp>
+      <p:cxnSp>
+        <p:nvCxnSpPr>
+          <p:cNvPr id="66" name="Straight Arrow Connector 65">
+            <a:extLst>
+              <a:ext uri="{FF2B5EF4-FFF2-40B4-BE49-F238E27FC236}">
+                <a16:creationId xmlns:a16="http://schemas.microsoft.com/office/drawing/2014/main" id="{B3ECDD89-E173-0DB1-825F-46680C069D51}"/>
+              </a:ext>
+            </a:extLst>
+          </p:cNvPr>
+          <p:cNvCxnSpPr>
+            <a:cxnSpLocks/>
+          </p:cNvCxnSpPr>
+          <p:nvPr/>
+        </p:nvCxnSpPr>
+        <p:spPr>
+          <a:xfrm>
+            <a:off x="6563360" y="2905759"/>
+            <a:ext cx="0" cy="307976"/>
+          </a:xfrm>
+          <a:prstGeom prst="straightConnector1">
+            <a:avLst/>
+          </a:prstGeom>
+          <a:ln>
+            <a:tailEnd type="triangle"/>
+          </a:ln>
+        </p:spPr>
+        <p:style>
+          <a:lnRef idx="3">
+            <a:schemeClr val="accent1"/>
+          </a:lnRef>
+          <a:fillRef idx="0">
+            <a:schemeClr val="accent1"/>
+          </a:fillRef>
+          <a:effectRef idx="2">
+            <a:schemeClr val="accent1"/>
+          </a:effectRef>
+          <a:fontRef idx="minor">
+            <a:schemeClr val="tx1"/>
+          </a:fontRef>
+        </p:style>
+      </p:cxnSp>
+      <p:cxnSp>
+        <p:nvCxnSpPr>
+          <p:cNvPr id="69" name="Straight Arrow Connector 68">
+            <a:extLst>
+              <a:ext uri="{FF2B5EF4-FFF2-40B4-BE49-F238E27FC236}">
+                <a16:creationId xmlns:a16="http://schemas.microsoft.com/office/drawing/2014/main" id="{68D63456-6F5E-FB06-CB0F-88F4076BA3BD}"/>
+              </a:ext>
+            </a:extLst>
+          </p:cNvPr>
+          <p:cNvCxnSpPr/>
+          <p:nvPr/>
+        </p:nvCxnSpPr>
+        <p:spPr>
+          <a:xfrm>
+            <a:off x="9723120" y="2905759"/>
+            <a:ext cx="0" cy="307976"/>
+          </a:xfrm>
+          <a:prstGeom prst="straightConnector1">
+            <a:avLst/>
+          </a:prstGeom>
+          <a:ln>
+            <a:tailEnd type="triangle"/>
+          </a:ln>
+        </p:spPr>
+        <p:style>
+          <a:lnRef idx="3">
+            <a:schemeClr val="accent1"/>
+          </a:lnRef>
+          <a:fillRef idx="0">
+            <a:schemeClr val="accent1"/>
+          </a:fillRef>
+          <a:effectRef idx="2">
+            <a:schemeClr val="accent1"/>
+          </a:effectRef>
+          <a:fontRef idx="minor">
+            <a:schemeClr val="tx1"/>
+          </a:fontRef>
+        </p:style>
+      </p:cxnSp>
+      <p:graphicFrame>
+        <p:nvGraphicFramePr>
+          <p:cNvPr id="74" name="Table 73">
+            <a:extLst>
+              <a:ext uri="{FF2B5EF4-FFF2-40B4-BE49-F238E27FC236}">
+                <a16:creationId xmlns:a16="http://schemas.microsoft.com/office/drawing/2014/main" id="{7C5A625C-8E7E-DE7D-0546-BFB2F6BDAFD4}"/>
+              </a:ext>
+            </a:extLst>
+          </p:cNvPr>
+          <p:cNvGraphicFramePr>
+            <a:graphicFrameLocks noGrp="1"/>
+          </p:cNvGraphicFramePr>
+          <p:nvPr>
+            <p:extLst>
+              <p:ext uri="{D42A27DB-BD31-4B8C-83A1-F6EECF244321}">
+                <p14:modId xmlns:p14="http://schemas.microsoft.com/office/powerpoint/2010/main" val="2260450380"/>
+              </p:ext>
+            </p:extLst>
+          </p:nvPr>
+        </p:nvGraphicFramePr>
+        <p:xfrm>
+          <a:off x="5098734" y="5794315"/>
+          <a:ext cx="2305049" cy="650026"/>
+        </p:xfrm>
+        <a:graphic>
+          <a:graphicData uri="http://schemas.openxmlformats.org/drawingml/2006/table">
+            <a:tbl>
+              <a:tblPr firstRow="1" bandRow="1">
+                <a:tableStyleId>{5C22544A-7EE6-4342-B048-85BDC9FD1C3A}</a:tableStyleId>
+              </a:tblPr>
+              <a:tblGrid>
+                <a:gridCol w="2305049">
+                  <a:extLst>
+                    <a:ext uri="{9D8B030D-6E8A-4147-A177-3AD203B41FA5}">
+                      <a16:colId xmlns:a16="http://schemas.microsoft.com/office/drawing/2014/main" val="2669780779"/>
+                    </a:ext>
+                  </a:extLst>
+                </a:gridCol>
+              </a:tblGrid>
+              <a:tr h="650026">
+                <a:tc>
+                  <a:txBody>
+                    <a:bodyPr/>
+                    <a:lstStyle/>
+                    <a:p>
+                      <a:pPr algn="ctr"/>
+                      <a:r>
+                        <a:rPr lang="en-US" sz="2000" b="1" dirty="0" err="1"/>
+                        <a:t>CustomerList</a:t>
+                      </a:r>
+                      <a:endParaRPr lang="en-US" sz="2000" b="1" dirty="0"/>
+                    </a:p>
+                  </a:txBody>
+                  <a:tcPr>
+                    <a:solidFill>
+                      <a:schemeClr val="accent4">
+                        <a:lumMod val="75000"/>
+                      </a:schemeClr>
+                    </a:solidFill>
+                  </a:tcPr>
+                </a:tc>
+                <a:extLst>
+                  <a:ext uri="{0D108BD9-81ED-4DB2-BD59-A6C34878D82A}">
+                    <a16:rowId xmlns:a16="http://schemas.microsoft.com/office/drawing/2014/main" val="2092005147"/>
+                  </a:ext>
+                </a:extLst>
+              </a:tr>
+            </a:tbl>
+          </a:graphicData>
+        </a:graphic>
+      </p:graphicFrame>
+      <p:cxnSp>
+        <p:nvCxnSpPr>
+          <p:cNvPr id="76" name="Straight Arrow Connector 75">
+            <a:extLst>
+              <a:ext uri="{FF2B5EF4-FFF2-40B4-BE49-F238E27FC236}">
+                <a16:creationId xmlns:a16="http://schemas.microsoft.com/office/drawing/2014/main" id="{8A7B1E0F-862B-327A-F8C6-E05E1C8E8E12}"/>
+              </a:ext>
+            </a:extLst>
+          </p:cNvPr>
+          <p:cNvCxnSpPr>
+            <a:cxnSpLocks/>
+          </p:cNvCxnSpPr>
+          <p:nvPr/>
+        </p:nvCxnSpPr>
+        <p:spPr>
+          <a:xfrm flipV="1">
+            <a:off x="6251258" y="4337901"/>
+            <a:ext cx="0" cy="1331379"/>
+          </a:xfrm>
+          <a:prstGeom prst="straightConnector1">
+            <a:avLst/>
+          </a:prstGeom>
+          <a:ln>
+            <a:tailEnd type="triangle"/>
+          </a:ln>
+        </p:spPr>
+        <p:style>
+          <a:lnRef idx="3">
+            <a:schemeClr val="accent1"/>
+          </a:lnRef>
+          <a:fillRef idx="0">
+            <a:schemeClr val="accent1"/>
+          </a:fillRef>
+          <a:effectRef idx="2">
+            <a:schemeClr val="accent1"/>
+          </a:effectRef>
+          <a:fontRef idx="minor">
+            <a:schemeClr val="tx1"/>
+          </a:fontRef>
+        </p:style>
+      </p:cxnSp>
+      <p:cxnSp>
+        <p:nvCxnSpPr>
+          <p:cNvPr id="87" name="Connector: Elbow 86">
+            <a:extLst>
+              <a:ext uri="{FF2B5EF4-FFF2-40B4-BE49-F238E27FC236}">
+                <a16:creationId xmlns:a16="http://schemas.microsoft.com/office/drawing/2014/main" id="{BC816F07-E0D0-5848-A0B7-FA54C49AC4D3}"/>
+              </a:ext>
+            </a:extLst>
+          </p:cNvPr>
+          <p:cNvCxnSpPr/>
+          <p:nvPr/>
+        </p:nvCxnSpPr>
+        <p:spPr>
+          <a:xfrm flipV="1">
+            <a:off x="6251258" y="3809577"/>
+            <a:ext cx="2415222" cy="1077383"/>
+          </a:xfrm>
+          <a:prstGeom prst="bentConnector3">
+            <a:avLst>
+              <a:gd name="adj1" fmla="val 59255"/>
+            </a:avLst>
+          </a:prstGeom>
+          <a:ln>
+            <a:tailEnd type="triangle"/>
+          </a:ln>
+        </p:spPr>
+        <p:style>
+          <a:lnRef idx="3">
+            <a:schemeClr val="accent1"/>
+          </a:lnRef>
+          <a:fillRef idx="0">
+            <a:schemeClr val="accent1"/>
+          </a:fillRef>
+          <a:effectRef idx="2">
+            <a:schemeClr val="accent1"/>
+          </a:effectRef>
+          <a:fontRef idx="minor">
+            <a:schemeClr val="tx1"/>
+          </a:fontRef>
+        </p:style>
+      </p:cxnSp>
+      <p:sp>
+        <p:nvSpPr>
+          <p:cNvPr id="89" name="TextBox 88">
+            <a:extLst>
+              <a:ext uri="{FF2B5EF4-FFF2-40B4-BE49-F238E27FC236}">
+                <a16:creationId xmlns:a16="http://schemas.microsoft.com/office/drawing/2014/main" id="{3C034783-5EC8-1F9F-0D41-EE70E77410C1}"/>
+              </a:ext>
+            </a:extLst>
+          </p:cNvPr>
+          <p:cNvSpPr txBox="1"/>
+          <p:nvPr/>
+        </p:nvSpPr>
+        <p:spPr>
+          <a:xfrm>
+            <a:off x="6251258" y="4527550"/>
+            <a:ext cx="256222" cy="584775"/>
+          </a:xfrm>
+          <a:prstGeom prst="rect">
+            <a:avLst/>
+          </a:prstGeom>
+          <a:noFill/>
+        </p:spPr>
+        <p:txBody>
+          <a:bodyPr wrap="square" rtlCol="0">
+            <a:spAutoFit/>
+          </a:bodyPr>
+          <a:lstStyle/>
+          <a:p>
+            <a:r>
+              <a:rPr lang="en-US" sz="3200" dirty="0"/>
+              <a:t>*</a:t>
+            </a:r>
+          </a:p>
+        </p:txBody>
+      </p:sp>
+      <p:sp>
+        <p:nvSpPr>
+          <p:cNvPr id="90" name="TextBox 89">
+            <a:extLst>
+              <a:ext uri="{FF2B5EF4-FFF2-40B4-BE49-F238E27FC236}">
+                <a16:creationId xmlns:a16="http://schemas.microsoft.com/office/drawing/2014/main" id="{4CD7E421-0A3B-D321-FDB8-788CEFF5D39C}"/>
+              </a:ext>
+            </a:extLst>
+          </p:cNvPr>
+          <p:cNvSpPr txBox="1"/>
+          <p:nvPr/>
+        </p:nvSpPr>
+        <p:spPr>
+          <a:xfrm>
+            <a:off x="8410258" y="3773170"/>
+            <a:ext cx="256222" cy="584775"/>
+          </a:xfrm>
+          <a:prstGeom prst="rect">
+            <a:avLst/>
+          </a:prstGeom>
+          <a:noFill/>
+        </p:spPr>
+        <p:txBody>
+          <a:bodyPr wrap="square" rtlCol="0">
+            <a:spAutoFit/>
+          </a:bodyPr>
+          <a:lstStyle/>
+          <a:p>
+            <a:r>
+              <a:rPr lang="en-US" sz="3200" dirty="0"/>
+              <a:t>*</a:t>
+            </a:r>
+          </a:p>
+        </p:txBody>
+      </p:sp>
+      <p:sp>
+        <p:nvSpPr>
+          <p:cNvPr id="91" name="TextBox 90">
+            <a:extLst>
+              <a:ext uri="{FF2B5EF4-FFF2-40B4-BE49-F238E27FC236}">
+                <a16:creationId xmlns:a16="http://schemas.microsoft.com/office/drawing/2014/main" id="{7B2FA4B8-1E34-8C81-A80A-7372F647C53F}"/>
+              </a:ext>
+            </a:extLst>
+          </p:cNvPr>
+          <p:cNvSpPr txBox="1"/>
+          <p:nvPr/>
+        </p:nvSpPr>
+        <p:spPr>
+          <a:xfrm>
+            <a:off x="4770005" y="2087026"/>
+            <a:ext cx="256222" cy="461665"/>
+          </a:xfrm>
+          <a:prstGeom prst="rect">
+            <a:avLst/>
+          </a:prstGeom>
+          <a:noFill/>
+        </p:spPr>
+        <p:txBody>
+          <a:bodyPr wrap="square" rtlCol="0">
+            <a:spAutoFit/>
+          </a:bodyPr>
+          <a:lstStyle/>
+          <a:p>
+            <a:r>
+              <a:rPr lang="en-US" sz="2400" dirty="0"/>
+              <a:t>1</a:t>
+            </a:r>
+          </a:p>
+        </p:txBody>
+      </p:sp>
+      <p:sp>
+        <p:nvSpPr>
+          <p:cNvPr id="92" name="TextBox 91">
+            <a:extLst>
+              <a:ext uri="{FF2B5EF4-FFF2-40B4-BE49-F238E27FC236}">
+                <a16:creationId xmlns:a16="http://schemas.microsoft.com/office/drawing/2014/main" id="{76343DCA-46E5-B6E4-9A5D-F31C1B4B9905}"/>
+              </a:ext>
+            </a:extLst>
+          </p:cNvPr>
+          <p:cNvSpPr txBox="1"/>
+          <p:nvPr/>
+        </p:nvSpPr>
+        <p:spPr>
+          <a:xfrm>
+            <a:off x="4761273" y="1856193"/>
+            <a:ext cx="256222" cy="461665"/>
+          </a:xfrm>
+          <a:prstGeom prst="rect">
+            <a:avLst/>
+          </a:prstGeom>
+          <a:noFill/>
+        </p:spPr>
+        <p:txBody>
+          <a:bodyPr wrap="square" rtlCol="0">
+            <a:spAutoFit/>
+          </a:bodyPr>
+          <a:lstStyle/>
+          <a:p>
+            <a:r>
+              <a:rPr lang="en-US" sz="2400" dirty="0"/>
+              <a:t>*</a:t>
+            </a:r>
+          </a:p>
+        </p:txBody>
+      </p:sp>
+      <p:sp>
+        <p:nvSpPr>
+          <p:cNvPr id="93" name="TextBox 92">
+            <a:extLst>
+              <a:ext uri="{FF2B5EF4-FFF2-40B4-BE49-F238E27FC236}">
+                <a16:creationId xmlns:a16="http://schemas.microsoft.com/office/drawing/2014/main" id="{0C1B34F7-BDBF-1F38-D597-476351F82A1E}"/>
+              </a:ext>
+            </a:extLst>
+          </p:cNvPr>
+          <p:cNvSpPr txBox="1"/>
+          <p:nvPr/>
+        </p:nvSpPr>
+        <p:spPr>
+          <a:xfrm>
+            <a:off x="1931713" y="880817"/>
+            <a:ext cx="256222" cy="461665"/>
+          </a:xfrm>
+          <a:prstGeom prst="rect">
+            <a:avLst/>
+          </a:prstGeom>
+          <a:noFill/>
+        </p:spPr>
+        <p:txBody>
+          <a:bodyPr wrap="square" rtlCol="0">
+            <a:spAutoFit/>
+          </a:bodyPr>
+          <a:lstStyle/>
+          <a:p>
+            <a:r>
+              <a:rPr lang="en-US" sz="2400" dirty="0"/>
+              <a:t>*</a:t>
+            </a:r>
+          </a:p>
+        </p:txBody>
+      </p:sp>
     </p:spTree>
     <p:extLst>
       <p:ext uri="{BB962C8B-B14F-4D97-AF65-F5344CB8AC3E}">
         <p14:creationId xmlns:p14="http://schemas.microsoft.com/office/powerpoint/2010/main" val="1182669216"/>
+      </p:ext>
+    </p:extLst>
+  </p:cSld>
+  <p:clrMapOvr>
+    <a:masterClrMapping/>
+  </p:clrMapOvr>
+</p:sld>
+</file>
+
+<file path=ppt/slides/slide5.xml><?xml version="1.0" encoding="utf-8"?>
+<p:sld xmlns:a="http://schemas.openxmlformats.org/drawingml/2006/main" xmlns:r="http://schemas.openxmlformats.org/officeDocument/2006/relationships" xmlns:p="http://schemas.openxmlformats.org/presentationml/2006/main">
+  <p:cSld>
+    <p:spTree>
+      <p:nvGrpSpPr>
+        <p:cNvPr id="1" name=""/>
+        <p:cNvGrpSpPr/>
+        <p:nvPr/>
+      </p:nvGrpSpPr>
+      <p:grpSpPr>
+        <a:xfrm>
+          <a:off x="0" y="0"/>
+          <a:ext cx="0" cy="0"/>
+          <a:chOff x="0" y="0"/>
+          <a:chExt cx="0" cy="0"/>
+        </a:xfrm>
+      </p:grpSpPr>
+      <p:graphicFrame>
+        <p:nvGraphicFramePr>
+          <p:cNvPr id="6" name="Table 5">
+            <a:extLst>
+              <a:ext uri="{FF2B5EF4-FFF2-40B4-BE49-F238E27FC236}">
+                <a16:creationId xmlns:a16="http://schemas.microsoft.com/office/drawing/2014/main" id="{769826E5-5531-4871-EC77-1EECBDD8DDC1}"/>
+              </a:ext>
+            </a:extLst>
+          </p:cNvPr>
+          <p:cNvGraphicFramePr>
+            <a:graphicFrameLocks noGrp="1"/>
+          </p:cNvGraphicFramePr>
+          <p:nvPr>
+            <p:extLst>
+              <p:ext uri="{D42A27DB-BD31-4B8C-83A1-F6EECF244321}">
+                <p14:modId xmlns:p14="http://schemas.microsoft.com/office/powerpoint/2010/main" val="1930255682"/>
+              </p:ext>
+            </p:extLst>
+          </p:nvPr>
+        </p:nvGraphicFramePr>
+        <p:xfrm>
+          <a:off x="4531360" y="921174"/>
+          <a:ext cx="2966720" cy="1119294"/>
+        </p:xfrm>
+        <a:graphic>
+          <a:graphicData uri="http://schemas.openxmlformats.org/drawingml/2006/table">
+            <a:tbl>
+              <a:tblPr firstRow="1" bandRow="1">
+                <a:tableStyleId>{5C22544A-7EE6-4342-B048-85BDC9FD1C3A}</a:tableStyleId>
+              </a:tblPr>
+              <a:tblGrid>
+                <a:gridCol w="2966720">
+                  <a:extLst>
+                    <a:ext uri="{9D8B030D-6E8A-4147-A177-3AD203B41FA5}">
+                      <a16:colId xmlns:a16="http://schemas.microsoft.com/office/drawing/2014/main" val="2669780779"/>
+                    </a:ext>
+                  </a:extLst>
+                </a:gridCol>
+              </a:tblGrid>
+              <a:tr h="1119294">
+                <a:tc>
+                  <a:txBody>
+                    <a:bodyPr/>
+                    <a:lstStyle/>
+                    <a:p>
+                      <a:pPr algn="ctr"/>
+                      <a:r>
+                        <a:rPr lang="en-US" sz="2000" dirty="0" err="1"/>
+                        <a:t>RestaurantInfo</a:t>
+                      </a:r>
+                      <a:endParaRPr lang="en-US" sz="2000" dirty="0"/>
+                    </a:p>
+                    <a:p>
+                      <a:pPr marL="342900" indent="-342900">
+                        <a:buFontTx/>
+                        <a:buChar char="-"/>
+                      </a:pPr>
+                      <a:r>
+                        <a:rPr lang="en-US" sz="2000" b="0" dirty="0"/>
+                        <a:t>address: Address</a:t>
+                      </a:r>
+                    </a:p>
+                    <a:p>
+                      <a:pPr marL="0" indent="0">
+                        <a:buFontTx/>
+                        <a:buNone/>
+                      </a:pPr>
+                      <a:endParaRPr lang="en-US" sz="2000" dirty="0"/>
+                    </a:p>
+                  </a:txBody>
+                  <a:tcPr>
+                    <a:solidFill>
+                      <a:schemeClr val="accent4">
+                        <a:lumMod val="75000"/>
+                      </a:schemeClr>
+                    </a:solidFill>
+                  </a:tcPr>
+                </a:tc>
+                <a:extLst>
+                  <a:ext uri="{0D108BD9-81ED-4DB2-BD59-A6C34878D82A}">
+                    <a16:rowId xmlns:a16="http://schemas.microsoft.com/office/drawing/2014/main" val="2092005147"/>
+                  </a:ext>
+                </a:extLst>
+              </a:tr>
+            </a:tbl>
+          </a:graphicData>
+        </a:graphic>
+      </p:graphicFrame>
+      <p:graphicFrame>
+        <p:nvGraphicFramePr>
+          <p:cNvPr id="9" name="Table 8">
+            <a:extLst>
+              <a:ext uri="{FF2B5EF4-FFF2-40B4-BE49-F238E27FC236}">
+                <a16:creationId xmlns:a16="http://schemas.microsoft.com/office/drawing/2014/main" id="{D51D1713-2E2B-B2F9-E0DC-2EEE6DAE2DC9}"/>
+              </a:ext>
+            </a:extLst>
+          </p:cNvPr>
+          <p:cNvGraphicFramePr>
+            <a:graphicFrameLocks noGrp="1"/>
+          </p:cNvGraphicFramePr>
+          <p:nvPr>
+            <p:extLst>
+              <p:ext uri="{D42A27DB-BD31-4B8C-83A1-F6EECF244321}">
+                <p14:modId xmlns:p14="http://schemas.microsoft.com/office/powerpoint/2010/main" val="455253158"/>
+              </p:ext>
+            </p:extLst>
+          </p:nvPr>
+        </p:nvGraphicFramePr>
+        <p:xfrm>
+          <a:off x="853440" y="3594937"/>
+          <a:ext cx="2966720" cy="1119294"/>
+        </p:xfrm>
+        <a:graphic>
+          <a:graphicData uri="http://schemas.openxmlformats.org/drawingml/2006/table">
+            <a:tbl>
+              <a:tblPr firstRow="1" bandRow="1">
+                <a:tableStyleId>{5C22544A-7EE6-4342-B048-85BDC9FD1C3A}</a:tableStyleId>
+              </a:tblPr>
+              <a:tblGrid>
+                <a:gridCol w="2966720">
+                  <a:extLst>
+                    <a:ext uri="{9D8B030D-6E8A-4147-A177-3AD203B41FA5}">
+                      <a16:colId xmlns:a16="http://schemas.microsoft.com/office/drawing/2014/main" val="2669780779"/>
+                    </a:ext>
+                  </a:extLst>
+                </a:gridCol>
+              </a:tblGrid>
+              <a:tr h="1119294">
+                <a:tc>
+                  <a:txBody>
+                    <a:bodyPr/>
+                    <a:lstStyle/>
+                    <a:p>
+                      <a:pPr algn="ctr"/>
+                      <a:r>
+                        <a:rPr lang="en-US" sz="2000" dirty="0"/>
+                        <a:t>Food</a:t>
+                      </a:r>
+                    </a:p>
+                    <a:p>
+                      <a:pPr marL="342900" indent="-342900">
+                        <a:buFontTx/>
+                        <a:buChar char="-"/>
+                      </a:pPr>
+                      <a:r>
+                        <a:rPr lang="en-US" sz="2000" b="0" dirty="0"/>
+                        <a:t>name : string</a:t>
+                      </a:r>
+                    </a:p>
+                    <a:p>
+                      <a:pPr marL="342900" marR="0" lvl="0" indent="-342900" algn="l" defTabSz="914400" rtl="0" eaLnBrk="1" fontAlgn="auto" latinLnBrk="0" hangingPunct="1">
+                        <a:lnSpc>
+                          <a:spcPct val="100000"/>
+                        </a:lnSpc>
+                        <a:spcBef>
+                          <a:spcPts val="0"/>
+                        </a:spcBef>
+                        <a:spcAft>
+                          <a:spcPts val="0"/>
+                        </a:spcAft>
+                        <a:buClrTx/>
+                        <a:buSzTx/>
+                        <a:buFontTx/>
+                        <a:buChar char="-"/>
+                        <a:tabLst/>
+                        <a:defRPr/>
+                      </a:pPr>
+                      <a:r>
+                        <a:rPr lang="en-US" sz="2000" b="0" dirty="0"/>
+                        <a:t>price : number</a:t>
+                      </a:r>
+                    </a:p>
+                  </a:txBody>
+                  <a:tcPr/>
+                </a:tc>
+                <a:extLst>
+                  <a:ext uri="{0D108BD9-81ED-4DB2-BD59-A6C34878D82A}">
+                    <a16:rowId xmlns:a16="http://schemas.microsoft.com/office/drawing/2014/main" val="2092005147"/>
+                  </a:ext>
+                </a:extLst>
+              </a:tr>
+            </a:tbl>
+          </a:graphicData>
+        </a:graphic>
+      </p:graphicFrame>
+      <p:graphicFrame>
+        <p:nvGraphicFramePr>
+          <p:cNvPr id="14" name="Table 13">
+            <a:extLst>
+              <a:ext uri="{FF2B5EF4-FFF2-40B4-BE49-F238E27FC236}">
+                <a16:creationId xmlns:a16="http://schemas.microsoft.com/office/drawing/2014/main" id="{B65B468C-1E08-AD20-AB97-B98D2CC9E70B}"/>
+              </a:ext>
+            </a:extLst>
+          </p:cNvPr>
+          <p:cNvGraphicFramePr>
+            <a:graphicFrameLocks noGrp="1"/>
+          </p:cNvGraphicFramePr>
+          <p:nvPr>
+            <p:extLst>
+              <p:ext uri="{D42A27DB-BD31-4B8C-83A1-F6EECF244321}">
+                <p14:modId xmlns:p14="http://schemas.microsoft.com/office/powerpoint/2010/main" val="784384809"/>
+              </p:ext>
+            </p:extLst>
+          </p:nvPr>
+        </p:nvGraphicFramePr>
+        <p:xfrm>
+          <a:off x="7325360" y="3594937"/>
+          <a:ext cx="2966720" cy="1310640"/>
+        </p:xfrm>
+        <a:graphic>
+          <a:graphicData uri="http://schemas.openxmlformats.org/drawingml/2006/table">
+            <a:tbl>
+              <a:tblPr firstRow="1" bandRow="1">
+                <a:tableStyleId>{5C22544A-7EE6-4342-B048-85BDC9FD1C3A}</a:tableStyleId>
+              </a:tblPr>
+              <a:tblGrid>
+                <a:gridCol w="2966720">
+                  <a:extLst>
+                    <a:ext uri="{9D8B030D-6E8A-4147-A177-3AD203B41FA5}">
+                      <a16:colId xmlns:a16="http://schemas.microsoft.com/office/drawing/2014/main" val="2669780779"/>
+                    </a:ext>
+                  </a:extLst>
+                </a:gridCol>
+              </a:tblGrid>
+              <a:tr h="1119294">
+                <a:tc>
+                  <a:txBody>
+                    <a:bodyPr/>
+                    <a:lstStyle/>
+                    <a:p>
+                      <a:pPr algn="ctr"/>
+                      <a:r>
+                        <a:rPr lang="en-US" sz="2000" dirty="0"/>
+                        <a:t>Table</a:t>
+                      </a:r>
+                    </a:p>
+                    <a:p>
+                      <a:pPr marL="342900" indent="-342900">
+                        <a:buFontTx/>
+                        <a:buChar char="-"/>
+                      </a:pPr>
+                      <a:r>
+                        <a:rPr lang="en-US" sz="2000" b="0" dirty="0"/>
+                        <a:t>Id : number</a:t>
+                      </a:r>
+                    </a:p>
+                    <a:p>
+                      <a:pPr marL="342900" indent="-342900">
+                        <a:buFontTx/>
+                        <a:buChar char="-"/>
+                      </a:pPr>
+                      <a:r>
+                        <a:rPr lang="en-US" sz="2000" b="0" dirty="0"/>
+                        <a:t>chair : number</a:t>
+                      </a:r>
+                    </a:p>
+                    <a:p>
+                      <a:pPr marL="0" indent="0">
+                        <a:buFontTx/>
+                        <a:buNone/>
+                      </a:pPr>
+                      <a:endParaRPr lang="en-US" sz="2000" dirty="0"/>
+                    </a:p>
+                  </a:txBody>
+                  <a:tcPr/>
+                </a:tc>
+                <a:extLst>
+                  <a:ext uri="{0D108BD9-81ED-4DB2-BD59-A6C34878D82A}">
+                    <a16:rowId xmlns:a16="http://schemas.microsoft.com/office/drawing/2014/main" val="2092005147"/>
+                  </a:ext>
+                </a:extLst>
+              </a:tr>
+            </a:tbl>
+          </a:graphicData>
+        </a:graphic>
+      </p:graphicFrame>
+      <p:sp>
+        <p:nvSpPr>
+          <p:cNvPr id="17" name="TextBox 16">
+            <a:extLst>
+              <a:ext uri="{FF2B5EF4-FFF2-40B4-BE49-F238E27FC236}">
+                <a16:creationId xmlns:a16="http://schemas.microsoft.com/office/drawing/2014/main" id="{F6732865-E6F2-A162-ED53-6A1EE2E8C916}"/>
+              </a:ext>
+            </a:extLst>
+          </p:cNvPr>
+          <p:cNvSpPr txBox="1"/>
+          <p:nvPr/>
+        </p:nvSpPr>
+        <p:spPr>
+          <a:xfrm>
+            <a:off x="2532380" y="3255428"/>
+            <a:ext cx="421640" cy="523220"/>
+          </a:xfrm>
+          <a:prstGeom prst="rect">
+            <a:avLst/>
+          </a:prstGeom>
+          <a:noFill/>
+        </p:spPr>
+        <p:txBody>
+          <a:bodyPr wrap="square" rtlCol="0">
+            <a:spAutoFit/>
+          </a:bodyPr>
+          <a:lstStyle/>
+          <a:p>
+            <a:r>
+              <a:rPr lang="en-US" sz="2800" dirty="0"/>
+              <a:t>*</a:t>
+            </a:r>
+          </a:p>
+        </p:txBody>
+      </p:sp>
+      <p:cxnSp>
+        <p:nvCxnSpPr>
+          <p:cNvPr id="29" name="Straight Connector 28">
+            <a:extLst>
+              <a:ext uri="{FF2B5EF4-FFF2-40B4-BE49-F238E27FC236}">
+                <a16:creationId xmlns:a16="http://schemas.microsoft.com/office/drawing/2014/main" id="{A4146F2F-DE12-5AE1-621B-0E65D49AE8A4}"/>
+              </a:ext>
+            </a:extLst>
+          </p:cNvPr>
+          <p:cNvCxnSpPr/>
+          <p:nvPr/>
+        </p:nvCxnSpPr>
+        <p:spPr>
+          <a:xfrm>
+            <a:off x="2509520" y="2915920"/>
+            <a:ext cx="6299200" cy="0"/>
+          </a:xfrm>
+          <a:prstGeom prst="line">
+            <a:avLst/>
+          </a:prstGeom>
+        </p:spPr>
+        <p:style>
+          <a:lnRef idx="3">
+            <a:schemeClr val="accent1"/>
+          </a:lnRef>
+          <a:fillRef idx="0">
+            <a:schemeClr val="accent1"/>
+          </a:fillRef>
+          <a:effectRef idx="2">
+            <a:schemeClr val="accent1"/>
+          </a:effectRef>
+          <a:fontRef idx="minor">
+            <a:schemeClr val="tx1"/>
+          </a:fontRef>
+        </p:style>
+      </p:cxnSp>
+      <p:cxnSp>
+        <p:nvCxnSpPr>
+          <p:cNvPr id="31" name="Straight Arrow Connector 30">
+            <a:extLst>
+              <a:ext uri="{FF2B5EF4-FFF2-40B4-BE49-F238E27FC236}">
+                <a16:creationId xmlns:a16="http://schemas.microsoft.com/office/drawing/2014/main" id="{08239C2B-18D2-CD9B-EF63-9D21BC51CFCA}"/>
+              </a:ext>
+            </a:extLst>
+          </p:cNvPr>
+          <p:cNvCxnSpPr/>
+          <p:nvPr/>
+        </p:nvCxnSpPr>
+        <p:spPr>
+          <a:xfrm>
+            <a:off x="2509520" y="2915920"/>
+            <a:ext cx="0" cy="679017"/>
+          </a:xfrm>
+          <a:prstGeom prst="straightConnector1">
+            <a:avLst/>
+          </a:prstGeom>
+          <a:ln>
+            <a:tailEnd type="triangle"/>
+          </a:ln>
+        </p:spPr>
+        <p:style>
+          <a:lnRef idx="3">
+            <a:schemeClr val="accent1"/>
+          </a:lnRef>
+          <a:fillRef idx="0">
+            <a:schemeClr val="accent1"/>
+          </a:fillRef>
+          <a:effectRef idx="2">
+            <a:schemeClr val="accent1"/>
+          </a:effectRef>
+          <a:fontRef idx="minor">
+            <a:schemeClr val="tx1"/>
+          </a:fontRef>
+        </p:style>
+      </p:cxnSp>
+      <p:cxnSp>
+        <p:nvCxnSpPr>
+          <p:cNvPr id="32" name="Straight Arrow Connector 31">
+            <a:extLst>
+              <a:ext uri="{FF2B5EF4-FFF2-40B4-BE49-F238E27FC236}">
+                <a16:creationId xmlns:a16="http://schemas.microsoft.com/office/drawing/2014/main" id="{C838E2F4-DF8A-3721-2D7D-392C8ABD6338}"/>
+              </a:ext>
+            </a:extLst>
+          </p:cNvPr>
+          <p:cNvCxnSpPr/>
+          <p:nvPr/>
+        </p:nvCxnSpPr>
+        <p:spPr>
+          <a:xfrm>
+            <a:off x="8808720" y="2915920"/>
+            <a:ext cx="0" cy="679017"/>
+          </a:xfrm>
+          <a:prstGeom prst="straightConnector1">
+            <a:avLst/>
+          </a:prstGeom>
+          <a:ln>
+            <a:tailEnd type="triangle"/>
+          </a:ln>
+        </p:spPr>
+        <p:style>
+          <a:lnRef idx="3">
+            <a:schemeClr val="accent1"/>
+          </a:lnRef>
+          <a:fillRef idx="0">
+            <a:schemeClr val="accent1"/>
+          </a:fillRef>
+          <a:effectRef idx="2">
+            <a:schemeClr val="accent1"/>
+          </a:effectRef>
+          <a:fontRef idx="minor">
+            <a:schemeClr val="tx1"/>
+          </a:fontRef>
+        </p:style>
+      </p:cxnSp>
+      <p:sp>
+        <p:nvSpPr>
+          <p:cNvPr id="33" name="TextBox 32">
+            <a:extLst>
+              <a:ext uri="{FF2B5EF4-FFF2-40B4-BE49-F238E27FC236}">
+                <a16:creationId xmlns:a16="http://schemas.microsoft.com/office/drawing/2014/main" id="{0D5D2BE5-9D33-EAF1-8FDB-C14C65F07186}"/>
+              </a:ext>
+            </a:extLst>
+          </p:cNvPr>
+          <p:cNvSpPr txBox="1"/>
+          <p:nvPr/>
+        </p:nvSpPr>
+        <p:spPr>
+          <a:xfrm>
+            <a:off x="8387080" y="3255428"/>
+            <a:ext cx="421640" cy="523220"/>
+          </a:xfrm>
+          <a:prstGeom prst="rect">
+            <a:avLst/>
+          </a:prstGeom>
+          <a:noFill/>
+        </p:spPr>
+        <p:txBody>
+          <a:bodyPr wrap="square" rtlCol="0">
+            <a:spAutoFit/>
+          </a:bodyPr>
+          <a:lstStyle/>
+          <a:p>
+            <a:r>
+              <a:rPr lang="en-US" sz="2800" dirty="0"/>
+              <a:t>*</a:t>
+            </a:r>
+          </a:p>
+        </p:txBody>
+      </p:sp>
+      <p:cxnSp>
+        <p:nvCxnSpPr>
+          <p:cNvPr id="35" name="Straight Connector 34">
+            <a:extLst>
+              <a:ext uri="{FF2B5EF4-FFF2-40B4-BE49-F238E27FC236}">
+                <a16:creationId xmlns:a16="http://schemas.microsoft.com/office/drawing/2014/main" id="{029F1F78-5505-2000-BB33-7E7EC13BD580}"/>
+              </a:ext>
+            </a:extLst>
+          </p:cNvPr>
+          <p:cNvCxnSpPr>
+            <a:cxnSpLocks/>
+          </p:cNvCxnSpPr>
+          <p:nvPr/>
+        </p:nvCxnSpPr>
+        <p:spPr>
+          <a:xfrm>
+            <a:off x="5892800" y="1959188"/>
+            <a:ext cx="0" cy="956732"/>
+          </a:xfrm>
+          <a:prstGeom prst="line">
+            <a:avLst/>
+          </a:prstGeom>
+        </p:spPr>
+        <p:style>
+          <a:lnRef idx="3">
+            <a:schemeClr val="accent1"/>
+          </a:lnRef>
+          <a:fillRef idx="0">
+            <a:schemeClr val="accent1"/>
+          </a:fillRef>
+          <a:effectRef idx="2">
+            <a:schemeClr val="accent1"/>
+          </a:effectRef>
+          <a:fontRef idx="minor">
+            <a:schemeClr val="tx1"/>
+          </a:fontRef>
+        </p:style>
+      </p:cxnSp>
+    </p:spTree>
+    <p:extLst>
+      <p:ext uri="{BB962C8B-B14F-4D97-AF65-F5344CB8AC3E}">
+        <p14:creationId xmlns:p14="http://schemas.microsoft.com/office/powerpoint/2010/main" val="230112213"/>
       </p:ext>
     </p:extLst>
   </p:cSld>

--- a/Presentation1.pptx
+++ b/Presentation1.pptx
@@ -4082,14 +4082,14 @@
           <p:nvPr>
             <p:extLst>
               <p:ext uri="{D42A27DB-BD31-4B8C-83A1-F6EECF244321}">
-                <p14:modId xmlns:p14="http://schemas.microsoft.com/office/powerpoint/2010/main" val="3958020848"/>
+                <p14:modId xmlns:p14="http://schemas.microsoft.com/office/powerpoint/2010/main" val="972923280"/>
               </p:ext>
             </p:extLst>
           </p:nvPr>
         </p:nvGraphicFramePr>
         <p:xfrm>
           <a:off x="3719996" y="2316480"/>
-          <a:ext cx="2860914" cy="2225040"/>
+          <a:ext cx="2860914" cy="1920240"/>
         </p:xfrm>
         <a:graphic>
           <a:graphicData uri="http://schemas.openxmlformats.org/drawingml/2006/table">
@@ -4142,16 +4142,6 @@
                       <a:r>
                         <a:rPr lang="en-US" sz="2000" b="0" dirty="0"/>
                         <a:t>: string</a:t>
-                      </a:r>
-                    </a:p>
-                    <a:p>
-                      <a:pPr marL="342900" indent="-342900">
-                        <a:buFontTx/>
-                        <a:buChar char="-"/>
-                      </a:pPr>
-                      <a:r>
-                        <a:rPr lang="en-US" sz="2000" b="0" dirty="0"/>
-                        <a:t>gender :Gender </a:t>
                       </a:r>
                     </a:p>
                     <a:p>
@@ -5921,7 +5911,7 @@
           <a:p>
             <a:r>
               <a:rPr lang="en-US" dirty="0"/>
-              <a:t>2</a:t>
+              <a:t>*</a:t>
             </a:r>
           </a:p>
         </p:txBody>
@@ -5976,7 +5966,7 @@
         <p:spPr>
           <a:xfrm>
             <a:off x="10291467" y="1624703"/>
-            <a:ext cx="301686" cy="369332"/>
+            <a:ext cx="300082" cy="369332"/>
           </a:xfrm>
           <a:prstGeom prst="rect">
             <a:avLst/>
@@ -5991,7 +5981,7 @@
           <a:p>
             <a:r>
               <a:rPr lang="en-US" dirty="0"/>
-              <a:t>2</a:t>
+              <a:t>*</a:t>
             </a:r>
           </a:p>
         </p:txBody>
@@ -6026,7 +6016,7 @@
           <a:p>
             <a:r>
               <a:rPr lang="en-US" dirty="0"/>
-              <a:t>5</a:t>
+              <a:t>*</a:t>
             </a:r>
           </a:p>
         </p:txBody>
@@ -6097,7 +6087,7 @@
           <a:p>
             <a:r>
               <a:rPr lang="en-US" dirty="0"/>
-              <a:t>3</a:t>
+              <a:t>*</a:t>
             </a:r>
           </a:p>
         </p:txBody>
